--- a/research/loren/rel_eqs_1.pptx
+++ b/research/loren/rel_eqs_1.pptx
@@ -7,16 +7,17 @@
   <p:sldIdLst>
     <p:sldId id="256" r:id="rId2"/>
     <p:sldId id="346" r:id="rId3"/>
-    <p:sldId id="405" r:id="rId4"/>
-    <p:sldId id="408" r:id="rId5"/>
-    <p:sldId id="409" r:id="rId6"/>
-    <p:sldId id="352" r:id="rId7"/>
-    <p:sldId id="403" r:id="rId8"/>
-    <p:sldId id="404" r:id="rId9"/>
-    <p:sldId id="347" r:id="rId10"/>
-    <p:sldId id="406" r:id="rId11"/>
-    <p:sldId id="407" r:id="rId12"/>
-    <p:sldId id="402" r:id="rId13"/>
+    <p:sldId id="410" r:id="rId4"/>
+    <p:sldId id="405" r:id="rId5"/>
+    <p:sldId id="408" r:id="rId6"/>
+    <p:sldId id="409" r:id="rId7"/>
+    <p:sldId id="352" r:id="rId8"/>
+    <p:sldId id="403" r:id="rId9"/>
+    <p:sldId id="404" r:id="rId10"/>
+    <p:sldId id="347" r:id="rId11"/>
+    <p:sldId id="406" r:id="rId12"/>
+    <p:sldId id="407" r:id="rId13"/>
+    <p:sldId id="402" r:id="rId14"/>
   </p:sldIdLst>
   <p:sldSz cx="12192000" cy="6858000"/>
   <p:notesSz cx="6858000" cy="9144000"/>
@@ -270,7 +271,7 @@
           <a:p>
             <a:fld id="{B0BC44D8-6780-8842-9AA8-9D4F98CE5545}" type="datetimeFigureOut">
               <a:rPr lang="en-US" smtClean="0"/>
-              <a:t>3/6/24</a:t>
+              <a:t>3/28/24</a:t>
             </a:fld>
             <a:endParaRPr lang="en-US"/>
           </a:p>
@@ -468,7 +469,7 @@
           <a:p>
             <a:fld id="{B0BC44D8-6780-8842-9AA8-9D4F98CE5545}" type="datetimeFigureOut">
               <a:rPr lang="en-US" smtClean="0"/>
-              <a:t>3/6/24</a:t>
+              <a:t>3/28/24</a:t>
             </a:fld>
             <a:endParaRPr lang="en-US"/>
           </a:p>
@@ -676,7 +677,7 @@
           <a:p>
             <a:fld id="{B0BC44D8-6780-8842-9AA8-9D4F98CE5545}" type="datetimeFigureOut">
               <a:rPr lang="en-US" smtClean="0"/>
-              <a:t>3/6/24</a:t>
+              <a:t>3/28/24</a:t>
             </a:fld>
             <a:endParaRPr lang="en-US"/>
           </a:p>
@@ -874,7 +875,7 @@
           <a:p>
             <a:fld id="{B0BC44D8-6780-8842-9AA8-9D4F98CE5545}" type="datetimeFigureOut">
               <a:rPr lang="en-US" smtClean="0"/>
-              <a:t>3/6/24</a:t>
+              <a:t>3/28/24</a:t>
             </a:fld>
             <a:endParaRPr lang="en-US"/>
           </a:p>
@@ -1149,7 +1150,7 @@
           <a:p>
             <a:fld id="{B0BC44D8-6780-8842-9AA8-9D4F98CE5545}" type="datetimeFigureOut">
               <a:rPr lang="en-US" smtClean="0"/>
-              <a:t>3/6/24</a:t>
+              <a:t>3/28/24</a:t>
             </a:fld>
             <a:endParaRPr lang="en-US"/>
           </a:p>
@@ -1414,7 +1415,7 @@
           <a:p>
             <a:fld id="{B0BC44D8-6780-8842-9AA8-9D4F98CE5545}" type="datetimeFigureOut">
               <a:rPr lang="en-US" smtClean="0"/>
-              <a:t>3/6/24</a:t>
+              <a:t>3/28/24</a:t>
             </a:fld>
             <a:endParaRPr lang="en-US"/>
           </a:p>
@@ -1826,7 +1827,7 @@
           <a:p>
             <a:fld id="{B0BC44D8-6780-8842-9AA8-9D4F98CE5545}" type="datetimeFigureOut">
               <a:rPr lang="en-US" smtClean="0"/>
-              <a:t>3/6/24</a:t>
+              <a:t>3/28/24</a:t>
             </a:fld>
             <a:endParaRPr lang="en-US"/>
           </a:p>
@@ -1967,7 +1968,7 @@
           <a:p>
             <a:fld id="{B0BC44D8-6780-8842-9AA8-9D4F98CE5545}" type="datetimeFigureOut">
               <a:rPr lang="en-US" smtClean="0"/>
-              <a:t>3/6/24</a:t>
+              <a:t>3/28/24</a:t>
             </a:fld>
             <a:endParaRPr lang="en-US"/>
           </a:p>
@@ -2080,7 +2081,7 @@
           <a:p>
             <a:fld id="{B0BC44D8-6780-8842-9AA8-9D4F98CE5545}" type="datetimeFigureOut">
               <a:rPr lang="en-US" smtClean="0"/>
-              <a:t>3/6/24</a:t>
+              <a:t>3/28/24</a:t>
             </a:fld>
             <a:endParaRPr lang="en-US"/>
           </a:p>
@@ -2391,7 +2392,7 @@
           <a:p>
             <a:fld id="{B0BC44D8-6780-8842-9AA8-9D4F98CE5545}" type="datetimeFigureOut">
               <a:rPr lang="en-US" smtClean="0"/>
-              <a:t>3/6/24</a:t>
+              <a:t>3/28/24</a:t>
             </a:fld>
             <a:endParaRPr lang="en-US"/>
           </a:p>
@@ -2679,7 +2680,7 @@
           <a:p>
             <a:fld id="{B0BC44D8-6780-8842-9AA8-9D4F98CE5545}" type="datetimeFigureOut">
               <a:rPr lang="en-US" smtClean="0"/>
-              <a:t>3/6/24</a:t>
+              <a:t>3/28/24</a:t>
             </a:fld>
             <a:endParaRPr lang="en-US"/>
           </a:p>
@@ -2920,7 +2921,7 @@
           <a:p>
             <a:fld id="{B0BC44D8-6780-8842-9AA8-9D4F98CE5545}" type="datetimeFigureOut">
               <a:rPr lang="en-US" smtClean="0"/>
-              <a:t>3/6/24</a:t>
+              <a:t>3/28/24</a:t>
             </a:fld>
             <a:endParaRPr lang="en-US"/>
           </a:p>
@@ -3538,6 +3539,818 @@
                               </m:r>
                             </m:sub>
                           </m:sSub>
+                        </m:den>
+                      </m:f>
+                      <m:r>
+                        <a:rPr lang="en-US" sz="3900" b="0" i="1" smtClean="0">
+                          <a:latin typeface="Cambria Math" panose="02040503050406030204" pitchFamily="18" charset="0"/>
+                        </a:rPr>
+                        <m:t>=</m:t>
+                      </m:r>
+                      <m:f>
+                        <m:fPr>
+                          <m:ctrlPr>
+                            <a:rPr lang="en-US" sz="3900" b="0" i="1" smtClean="0">
+                              <a:latin typeface="Cambria Math" panose="02040503050406030204" pitchFamily="18" charset="0"/>
+                            </a:rPr>
+                          </m:ctrlPr>
+                        </m:fPr>
+                        <m:num>
+                          <m:r>
+                            <a:rPr lang="en-US" sz="3900" b="0" i="1" smtClean="0">
+                              <a:latin typeface="Cambria Math" panose="02040503050406030204" pitchFamily="18" charset="0"/>
+                            </a:rPr>
+                            <m:t>1</m:t>
+                          </m:r>
+                        </m:num>
+                        <m:den>
+                          <m:r>
+                            <a:rPr lang="en-US" sz="3900" b="0" i="1" smtClean="0">
+                              <a:latin typeface="Cambria Math" panose="02040503050406030204" pitchFamily="18" charset="0"/>
+                            </a:rPr>
+                            <m:t>𝑁</m:t>
+                          </m:r>
+                        </m:den>
+                      </m:f>
+                      <m:d>
+                        <m:dPr>
+                          <m:begChr m:val="["/>
+                          <m:endChr m:val="]"/>
+                          <m:ctrlPr>
+                            <a:rPr lang="en-US" sz="3900" b="0" i="1" smtClean="0">
+                              <a:latin typeface="Cambria Math" panose="02040503050406030204" pitchFamily="18" charset="0"/>
+                            </a:rPr>
+                          </m:ctrlPr>
+                        </m:dPr>
+                        <m:e>
+                          <m:nary>
+                            <m:naryPr>
+                              <m:chr m:val="∑"/>
+                              <m:supHide m:val="on"/>
+                              <m:ctrlPr>
+                                <a:rPr lang="en-US" sz="3900" b="0" i="1" smtClean="0">
+                                  <a:latin typeface="Cambria Math" panose="02040503050406030204" pitchFamily="18" charset="0"/>
+                                </a:rPr>
+                              </m:ctrlPr>
+                            </m:naryPr>
+                            <m:sub>
+                              <m:sSup>
+                                <m:sSupPr>
+                                  <m:ctrlPr>
+                                    <a:rPr lang="en-US" sz="3900" b="0" i="1" smtClean="0">
+                                      <a:latin typeface="Cambria Math" panose="02040503050406030204" pitchFamily="18" charset="0"/>
+                                    </a:rPr>
+                                  </m:ctrlPr>
+                                </m:sSupPr>
+                                <m:e>
+                                  <m:r>
+                                    <a:rPr lang="en-US" sz="3900" b="0" i="1" smtClean="0">
+                                      <a:latin typeface="Cambria Math" panose="02040503050406030204" pitchFamily="18" charset="0"/>
+                                    </a:rPr>
+                                    <m:t>𝑥</m:t>
+                                  </m:r>
+                                </m:e>
+                                <m:sup>
+                                  <m:r>
+                                    <a:rPr lang="en-US" sz="3900" b="0" i="1" smtClean="0">
+                                      <a:latin typeface="Cambria Math" panose="02040503050406030204" pitchFamily="18" charset="0"/>
+                                    </a:rPr>
+                                    <m:t>′</m:t>
+                                  </m:r>
+                                </m:sup>
+                              </m:sSup>
+                            </m:sub>
+                            <m:sup/>
+                            <m:e>
+                              <m:d>
+                                <m:dPr>
+                                  <m:begChr m:val="["/>
+                                  <m:endChr m:val="]"/>
+                                  <m:ctrlPr>
+                                    <a:rPr lang="en-US" sz="3900" b="0" i="1" smtClean="0">
+                                      <a:latin typeface="Cambria Math" panose="02040503050406030204" pitchFamily="18" charset="0"/>
+                                    </a:rPr>
+                                  </m:ctrlPr>
+                                </m:dPr>
+                                <m:e>
+                                  <m:r>
+                                    <a:rPr lang="en-US" sz="3900" b="0" i="1" smtClean="0">
+                                      <a:latin typeface="Cambria Math" panose="02040503050406030204" pitchFamily="18" charset="0"/>
+                                    </a:rPr>
+                                    <m:t>𝑎</m:t>
+                                  </m:r>
+                                  <m:d>
+                                    <m:dPr>
+                                      <m:ctrlPr>
+                                        <a:rPr lang="en-US" sz="3900" b="0" i="1" smtClean="0">
+                                          <a:latin typeface="Cambria Math" panose="02040503050406030204" pitchFamily="18" charset="0"/>
+                                        </a:rPr>
+                                      </m:ctrlPr>
+                                    </m:dPr>
+                                    <m:e>
+                                      <m:sSup>
+                                        <m:sSupPr>
+                                          <m:ctrlPr>
+                                            <a:rPr lang="en-US" sz="3900" b="0" i="1" smtClean="0">
+                                              <a:latin typeface="Cambria Math" panose="02040503050406030204" pitchFamily="18" charset="0"/>
+                                            </a:rPr>
+                                          </m:ctrlPr>
+                                        </m:sSupPr>
+                                        <m:e>
+                                          <m:r>
+                                            <a:rPr lang="en-US" sz="3900" b="0" i="1" smtClean="0">
+                                              <a:latin typeface="Cambria Math" panose="02040503050406030204" pitchFamily="18" charset="0"/>
+                                            </a:rPr>
+                                            <m:t>𝑥</m:t>
+                                          </m:r>
+                                        </m:e>
+                                        <m:sup>
+                                          <m:r>
+                                            <a:rPr lang="en-US" sz="3900" b="0" i="1" smtClean="0">
+                                              <a:latin typeface="Cambria Math" panose="02040503050406030204" pitchFamily="18" charset="0"/>
+                                            </a:rPr>
+                                            <m:t>′</m:t>
+                                          </m:r>
+                                        </m:sup>
+                                      </m:sSup>
+                                    </m:e>
+                                  </m:d>
+                                  <m:f>
+                                    <m:fPr>
+                                      <m:ctrlPr>
+                                        <a:rPr lang="en-US" sz="3900" b="0" i="1" smtClean="0">
+                                          <a:latin typeface="Cambria Math" panose="02040503050406030204" pitchFamily="18" charset="0"/>
+                                        </a:rPr>
+                                      </m:ctrlPr>
+                                    </m:fPr>
+                                    <m:num>
+                                      <m:r>
+                                        <a:rPr lang="en-US" sz="3900" b="0" i="1" smtClean="0">
+                                          <a:latin typeface="Cambria Math" panose="02040503050406030204" pitchFamily="18" charset="0"/>
+                                        </a:rPr>
+                                        <m:t>𝜕</m:t>
+                                      </m:r>
+                                      <m:r>
+                                        <a:rPr lang="en-US" sz="3900" b="0" i="1" smtClean="0">
+                                          <a:latin typeface="Cambria Math" panose="02040503050406030204" pitchFamily="18" charset="0"/>
+                                        </a:rPr>
+                                        <m:t>h</m:t>
+                                      </m:r>
+                                      <m:d>
+                                        <m:dPr>
+                                          <m:ctrlPr>
+                                            <a:rPr lang="en-US" sz="3900" b="0" i="1" smtClean="0">
+                                              <a:latin typeface="Cambria Math" panose="02040503050406030204" pitchFamily="18" charset="0"/>
+                                            </a:rPr>
+                                          </m:ctrlPr>
+                                        </m:dPr>
+                                        <m:e>
+                                          <m:sSup>
+                                            <m:sSupPr>
+                                              <m:ctrlPr>
+                                                <a:rPr lang="en-US" sz="3900" b="0" i="1" smtClean="0">
+                                                  <a:latin typeface="Cambria Math" panose="02040503050406030204" pitchFamily="18" charset="0"/>
+                                                </a:rPr>
+                                              </m:ctrlPr>
+                                            </m:sSupPr>
+                                            <m:e>
+                                              <m:r>
+                                                <a:rPr lang="en-US" sz="3900" b="0" i="1" smtClean="0">
+                                                  <a:latin typeface="Cambria Math" panose="02040503050406030204" pitchFamily="18" charset="0"/>
+                                                </a:rPr>
+                                                <m:t>𝑥</m:t>
+                                              </m:r>
+                                            </m:e>
+                                            <m:sup>
+                                              <m:r>
+                                                <a:rPr lang="en-US" sz="3900" b="0" i="1" smtClean="0">
+                                                  <a:latin typeface="Cambria Math" panose="02040503050406030204" pitchFamily="18" charset="0"/>
+                                                </a:rPr>
+                                                <m:t>′</m:t>
+                                              </m:r>
+                                            </m:sup>
+                                          </m:sSup>
+                                          <m:r>
+                                            <a:rPr lang="en-US" sz="3900" b="0" i="1" smtClean="0">
+                                              <a:latin typeface="Cambria Math" panose="02040503050406030204" pitchFamily="18" charset="0"/>
+                                            </a:rPr>
+                                            <m:t>;</m:t>
+                                          </m:r>
+                                          <m:r>
+                                            <a:rPr lang="en-US" sz="3900" b="1" i="1" smtClean="0">
+                                              <a:latin typeface="Cambria Math" panose="02040503050406030204" pitchFamily="18" charset="0"/>
+                                              <a:ea typeface="Cambria Math" panose="02040503050406030204" pitchFamily="18" charset="0"/>
+                                            </a:rPr>
+                                            <m:t>𝜽</m:t>
+                                          </m:r>
+                                        </m:e>
+                                      </m:d>
+                                    </m:num>
+                                    <m:den>
+                                      <m:r>
+                                        <a:rPr lang="en-US" sz="3900" b="0" i="1" smtClean="0">
+                                          <a:latin typeface="Cambria Math" panose="02040503050406030204" pitchFamily="18" charset="0"/>
+                                        </a:rPr>
+                                        <m:t>𝜕</m:t>
+                                      </m:r>
+                                      <m:sSub>
+                                        <m:sSubPr>
+                                          <m:ctrlPr>
+                                            <a:rPr lang="en-US" sz="3900" b="0" i="1" smtClean="0">
+                                              <a:latin typeface="Cambria Math" panose="02040503050406030204" pitchFamily="18" charset="0"/>
+                                            </a:rPr>
+                                          </m:ctrlPr>
+                                        </m:sSubPr>
+                                        <m:e>
+                                          <m:r>
+                                            <a:rPr lang="en-US" sz="3900" b="0" i="1" smtClean="0">
+                                              <a:latin typeface="Cambria Math" panose="02040503050406030204" pitchFamily="18" charset="0"/>
+                                              <a:ea typeface="Cambria Math" panose="02040503050406030204" pitchFamily="18" charset="0"/>
+                                            </a:rPr>
+                                            <m:t>𝜃</m:t>
+                                          </m:r>
+                                        </m:e>
+                                        <m:sub>
+                                          <m:r>
+                                            <a:rPr lang="en-US" sz="3900" b="0" i="1" smtClean="0">
+                                              <a:latin typeface="Cambria Math" panose="02040503050406030204" pitchFamily="18" charset="0"/>
+                                            </a:rPr>
+                                            <m:t>𝑖</m:t>
+                                          </m:r>
+                                        </m:sub>
+                                      </m:sSub>
+                                    </m:den>
+                                  </m:f>
+                                </m:e>
+                              </m:d>
+                            </m:e>
+                          </m:nary>
+                          <m:r>
+                            <a:rPr lang="en-US" sz="3900" b="0" i="1" smtClean="0">
+                              <a:latin typeface="Cambria Math" panose="02040503050406030204" pitchFamily="18" charset="0"/>
+                              <a:ea typeface="Cambria Math" panose="02040503050406030204" pitchFamily="18" charset="0"/>
+                            </a:rPr>
+                            <m:t>−</m:t>
+                          </m:r>
+                          <m:sSub>
+                            <m:sSubPr>
+                              <m:ctrlPr>
+                                <a:rPr lang="en-US" sz="3900" b="0" i="1" smtClean="0">
+                                  <a:latin typeface="Cambria Math" panose="02040503050406030204" pitchFamily="18" charset="0"/>
+                                  <a:ea typeface="Cambria Math" panose="02040503050406030204" pitchFamily="18" charset="0"/>
+                                </a:rPr>
+                              </m:ctrlPr>
+                            </m:sSubPr>
+                            <m:e>
+                              <m:r>
+                                <a:rPr lang="en-US" sz="3900" b="0" i="1" smtClean="0">
+                                  <a:latin typeface="Cambria Math" panose="02040503050406030204" pitchFamily="18" charset="0"/>
+                                  <a:ea typeface="Cambria Math" panose="02040503050406030204" pitchFamily="18" charset="0"/>
+                                </a:rPr>
+                                <m:t>𝐸</m:t>
+                              </m:r>
+                            </m:e>
+                            <m:sub>
+                              <m:sSup>
+                                <m:sSupPr>
+                                  <m:ctrlPr>
+                                    <a:rPr lang="en-US" sz="3900" b="0" i="1" smtClean="0">
+                                      <a:latin typeface="Cambria Math" panose="02040503050406030204" pitchFamily="18" charset="0"/>
+                                      <a:ea typeface="Cambria Math" panose="02040503050406030204" pitchFamily="18" charset="0"/>
+                                    </a:rPr>
+                                  </m:ctrlPr>
+                                </m:sSupPr>
+                                <m:e>
+                                  <m:r>
+                                    <a:rPr lang="en-US" sz="3900" b="0" i="1" smtClean="0">
+                                      <a:latin typeface="Cambria Math" panose="02040503050406030204" pitchFamily="18" charset="0"/>
+                                      <a:ea typeface="Cambria Math" panose="02040503050406030204" pitchFamily="18" charset="0"/>
+                                    </a:rPr>
+                                    <m:t>𝜋</m:t>
+                                  </m:r>
+                                </m:e>
+                                <m:sup>
+                                  <m:r>
+                                    <a:rPr lang="en-US" sz="3900" b="0" i="1" smtClean="0">
+                                      <a:latin typeface="Cambria Math" panose="02040503050406030204" pitchFamily="18" charset="0"/>
+                                      <a:ea typeface="Cambria Math" panose="02040503050406030204" pitchFamily="18" charset="0"/>
+                                    </a:rPr>
+                                    <m:t>∗</m:t>
+                                  </m:r>
+                                </m:sup>
+                              </m:sSup>
+                              <m:d>
+                                <m:dPr>
+                                  <m:ctrlPr>
+                                    <a:rPr lang="en-US" sz="3900" b="0" i="1" smtClean="0">
+                                      <a:latin typeface="Cambria Math" panose="02040503050406030204" pitchFamily="18" charset="0"/>
+                                      <a:ea typeface="Cambria Math" panose="02040503050406030204" pitchFamily="18" charset="0"/>
+                                    </a:rPr>
+                                  </m:ctrlPr>
+                                </m:dPr>
+                                <m:e>
+                                  <m:sSup>
+                                    <m:sSupPr>
+                                      <m:ctrlPr>
+                                        <a:rPr lang="en-US" sz="3900" b="0" i="1" smtClean="0">
+                                          <a:latin typeface="Cambria Math" panose="02040503050406030204" pitchFamily="18" charset="0"/>
+                                          <a:ea typeface="Cambria Math" panose="02040503050406030204" pitchFamily="18" charset="0"/>
+                                        </a:rPr>
+                                      </m:ctrlPr>
+                                    </m:sSupPr>
+                                    <m:e>
+                                      <m:r>
+                                        <a:rPr lang="en-US" sz="3900" b="0" i="1" smtClean="0">
+                                          <a:latin typeface="Cambria Math" panose="02040503050406030204" pitchFamily="18" charset="0"/>
+                                          <a:ea typeface="Cambria Math" panose="02040503050406030204" pitchFamily="18" charset="0"/>
+                                        </a:rPr>
+                                        <m:t>𝑥</m:t>
+                                      </m:r>
+                                    </m:e>
+                                    <m:sup>
+                                      <m:r>
+                                        <a:rPr lang="en-US" sz="3900" b="0" i="1" smtClean="0">
+                                          <a:latin typeface="Cambria Math" panose="02040503050406030204" pitchFamily="18" charset="0"/>
+                                          <a:ea typeface="Cambria Math" panose="02040503050406030204" pitchFamily="18" charset="0"/>
+                                        </a:rPr>
+                                        <m:t>′</m:t>
+                                      </m:r>
+                                    </m:sup>
+                                  </m:sSup>
+                                </m:e>
+                                <m:e>
+                                  <m:r>
+                                    <a:rPr lang="en-US" sz="3900" b="0" i="1" smtClean="0">
+                                      <a:latin typeface="Cambria Math" panose="02040503050406030204" pitchFamily="18" charset="0"/>
+                                      <a:ea typeface="Cambria Math" panose="02040503050406030204" pitchFamily="18" charset="0"/>
+                                    </a:rPr>
+                                    <m:t>∙</m:t>
+                                  </m:r>
+                                </m:e>
+                              </m:d>
+                            </m:sub>
+                          </m:sSub>
+                          <m:d>
+                            <m:dPr>
+                              <m:begChr m:val="["/>
+                              <m:endChr m:val="]"/>
+                              <m:ctrlPr>
+                                <a:rPr lang="en-US" sz="3900" b="0" i="1" smtClean="0">
+                                  <a:latin typeface="Cambria Math" panose="02040503050406030204" pitchFamily="18" charset="0"/>
+                                  <a:ea typeface="Cambria Math" panose="02040503050406030204" pitchFamily="18" charset="0"/>
+                                </a:rPr>
+                              </m:ctrlPr>
+                            </m:dPr>
+                            <m:e>
+                              <m:f>
+                                <m:fPr>
+                                  <m:ctrlPr>
+                                    <a:rPr lang="en-US" sz="3900" b="0" i="1" smtClean="0">
+                                      <a:latin typeface="Cambria Math" panose="02040503050406030204" pitchFamily="18" charset="0"/>
+                                      <a:ea typeface="Cambria Math" panose="02040503050406030204" pitchFamily="18" charset="0"/>
+                                    </a:rPr>
+                                  </m:ctrlPr>
+                                </m:fPr>
+                                <m:num>
+                                  <m:r>
+                                    <a:rPr lang="en-US" sz="3900" b="0" i="1" smtClean="0">
+                                      <a:latin typeface="Cambria Math" panose="02040503050406030204" pitchFamily="18" charset="0"/>
+                                      <a:ea typeface="Cambria Math" panose="02040503050406030204" pitchFamily="18" charset="0"/>
+                                    </a:rPr>
+                                    <m:t>𝜕</m:t>
+                                  </m:r>
+                                  <m:r>
+                                    <a:rPr lang="en-US" sz="3900" b="0" i="1" smtClean="0">
+                                      <a:latin typeface="Cambria Math" panose="02040503050406030204" pitchFamily="18" charset="0"/>
+                                      <a:ea typeface="Cambria Math" panose="02040503050406030204" pitchFamily="18" charset="0"/>
+                                    </a:rPr>
+                                    <m:t>h</m:t>
+                                  </m:r>
+                                  <m:d>
+                                    <m:dPr>
+                                      <m:ctrlPr>
+                                        <a:rPr lang="en-US" sz="3900" b="0" i="1" smtClean="0">
+                                          <a:latin typeface="Cambria Math" panose="02040503050406030204" pitchFamily="18" charset="0"/>
+                                          <a:ea typeface="Cambria Math" panose="02040503050406030204" pitchFamily="18" charset="0"/>
+                                        </a:rPr>
+                                      </m:ctrlPr>
+                                    </m:dPr>
+                                    <m:e>
+                                      <m:sSup>
+                                        <m:sSupPr>
+                                          <m:ctrlPr>
+                                            <a:rPr lang="en-US" sz="3900" b="0" i="1" smtClean="0">
+                                              <a:latin typeface="Cambria Math" panose="02040503050406030204" pitchFamily="18" charset="0"/>
+                                              <a:ea typeface="Cambria Math" panose="02040503050406030204" pitchFamily="18" charset="0"/>
+                                            </a:rPr>
+                                          </m:ctrlPr>
+                                        </m:sSupPr>
+                                        <m:e>
+                                          <m:r>
+                                            <a:rPr lang="en-US" sz="3900" b="0" i="1" smtClean="0">
+                                              <a:latin typeface="Cambria Math" panose="02040503050406030204" pitchFamily="18" charset="0"/>
+                                              <a:ea typeface="Cambria Math" panose="02040503050406030204" pitchFamily="18" charset="0"/>
+                                            </a:rPr>
+                                            <m:t>𝑥</m:t>
+                                          </m:r>
+                                        </m:e>
+                                        <m:sup>
+                                          <m:r>
+                                            <a:rPr lang="en-US" sz="3900" b="0" i="1" smtClean="0">
+                                              <a:latin typeface="Cambria Math" panose="02040503050406030204" pitchFamily="18" charset="0"/>
+                                              <a:ea typeface="Cambria Math" panose="02040503050406030204" pitchFamily="18" charset="0"/>
+                                            </a:rPr>
+                                            <m:t>′</m:t>
+                                          </m:r>
+                                        </m:sup>
+                                      </m:sSup>
+                                      <m:r>
+                                        <a:rPr lang="en-US" sz="3900" b="0" i="1" smtClean="0">
+                                          <a:latin typeface="Cambria Math" panose="02040503050406030204" pitchFamily="18" charset="0"/>
+                                          <a:ea typeface="Cambria Math" panose="02040503050406030204" pitchFamily="18" charset="0"/>
+                                        </a:rPr>
+                                        <m:t>;</m:t>
+                                      </m:r>
+                                      <m:r>
+                                        <a:rPr lang="en-US" sz="3900" b="1" i="1" smtClean="0">
+                                          <a:latin typeface="Cambria Math" panose="02040503050406030204" pitchFamily="18" charset="0"/>
+                                          <a:ea typeface="Cambria Math" panose="02040503050406030204" pitchFamily="18" charset="0"/>
+                                        </a:rPr>
+                                        <m:t>𝜽</m:t>
+                                      </m:r>
+                                    </m:e>
+                                  </m:d>
+                                </m:num>
+                                <m:den>
+                                  <m:r>
+                                    <a:rPr lang="en-US" sz="3900" b="0" i="1" smtClean="0">
+                                      <a:latin typeface="Cambria Math" panose="02040503050406030204" pitchFamily="18" charset="0"/>
+                                      <a:ea typeface="Cambria Math" panose="02040503050406030204" pitchFamily="18" charset="0"/>
+                                    </a:rPr>
+                                    <m:t>𝜕</m:t>
+                                  </m:r>
+                                  <m:sSub>
+                                    <m:sSubPr>
+                                      <m:ctrlPr>
+                                        <a:rPr lang="en-US" sz="3900" b="0" i="1" smtClean="0">
+                                          <a:latin typeface="Cambria Math" panose="02040503050406030204" pitchFamily="18" charset="0"/>
+                                          <a:ea typeface="Cambria Math" panose="02040503050406030204" pitchFamily="18" charset="0"/>
+                                        </a:rPr>
+                                      </m:ctrlPr>
+                                    </m:sSubPr>
+                                    <m:e>
+                                      <m:r>
+                                        <a:rPr lang="en-US" sz="3900" b="0" i="1" smtClean="0">
+                                          <a:latin typeface="Cambria Math" panose="02040503050406030204" pitchFamily="18" charset="0"/>
+                                          <a:ea typeface="Cambria Math" panose="02040503050406030204" pitchFamily="18" charset="0"/>
+                                        </a:rPr>
+                                        <m:t>𝜃</m:t>
+                                      </m:r>
+                                    </m:e>
+                                    <m:sub>
+                                      <m:r>
+                                        <a:rPr lang="en-US" sz="3900" b="0" i="1" smtClean="0">
+                                          <a:latin typeface="Cambria Math" panose="02040503050406030204" pitchFamily="18" charset="0"/>
+                                          <a:ea typeface="Cambria Math" panose="02040503050406030204" pitchFamily="18" charset="0"/>
+                                        </a:rPr>
+                                        <m:t>𝑖</m:t>
+                                      </m:r>
+                                    </m:sub>
+                                  </m:sSub>
+                                </m:den>
+                              </m:f>
+                            </m:e>
+                            <m:e>
+                              <m:r>
+                                <a:rPr lang="en-US" sz="3900" b="0" i="1" smtClean="0">
+                                  <a:latin typeface="Cambria Math" panose="02040503050406030204" pitchFamily="18" charset="0"/>
+                                  <a:ea typeface="Cambria Math" panose="02040503050406030204" pitchFamily="18" charset="0"/>
+                                </a:rPr>
+                                <m:t>𝑏</m:t>
+                              </m:r>
+                              <m:d>
+                                <m:dPr>
+                                  <m:ctrlPr>
+                                    <a:rPr lang="en-US" sz="3900" b="0" i="1" smtClean="0">
+                                      <a:latin typeface="Cambria Math" panose="02040503050406030204" pitchFamily="18" charset="0"/>
+                                      <a:ea typeface="Cambria Math" panose="02040503050406030204" pitchFamily="18" charset="0"/>
+                                    </a:rPr>
+                                  </m:ctrlPr>
+                                </m:dPr>
+                                <m:e>
+                                  <m:r>
+                                    <a:rPr lang="en-US" sz="3900" b="0" i="1" smtClean="0">
+                                      <a:latin typeface="Cambria Math" panose="02040503050406030204" pitchFamily="18" charset="0"/>
+                                      <a:ea typeface="Cambria Math" panose="02040503050406030204" pitchFamily="18" charset="0"/>
+                                    </a:rPr>
+                                    <m:t>∙</m:t>
+                                  </m:r>
+                                </m:e>
+                              </m:d>
+                            </m:e>
+                          </m:d>
+                          <m:r>
+                            <a:rPr lang="en-US" sz="3900" b="0" i="1" smtClean="0">
+                              <a:latin typeface="Cambria Math" panose="02040503050406030204" pitchFamily="18" charset="0"/>
+                            </a:rPr>
+                            <m:t>+</m:t>
+                          </m:r>
+                          <m:r>
+                            <a:rPr lang="en-US" sz="3900" b="0" i="1" smtClean="0">
+                              <a:latin typeface="Cambria Math" panose="02040503050406030204" pitchFamily="18" charset="0"/>
+                              <a:ea typeface="Cambria Math" panose="02040503050406030204" pitchFamily="18" charset="0"/>
+                            </a:rPr>
+                            <m:t>𝜆</m:t>
+                          </m:r>
+                          <m:f>
+                            <m:fPr>
+                              <m:ctrlPr>
+                                <a:rPr lang="en-US" sz="3900" b="0" i="1" smtClean="0">
+                                  <a:latin typeface="Cambria Math" panose="02040503050406030204" pitchFamily="18" charset="0"/>
+                                  <a:ea typeface="Cambria Math" panose="02040503050406030204" pitchFamily="18" charset="0"/>
+                                </a:rPr>
+                              </m:ctrlPr>
+                            </m:fPr>
+                            <m:num>
+                              <m:r>
+                                <a:rPr lang="en-US" sz="3900" b="0" i="1" smtClean="0">
+                                  <a:latin typeface="Cambria Math" panose="02040503050406030204" pitchFamily="18" charset="0"/>
+                                  <a:ea typeface="Cambria Math" panose="02040503050406030204" pitchFamily="18" charset="0"/>
+                                </a:rPr>
+                                <m:t>𝜕</m:t>
+                              </m:r>
+                              <m:r>
+                                <a:rPr lang="en-US" sz="3900" b="0" i="1" smtClean="0">
+                                  <a:latin typeface="Cambria Math" panose="02040503050406030204" pitchFamily="18" charset="0"/>
+                                  <a:ea typeface="Cambria Math" panose="02040503050406030204" pitchFamily="18" charset="0"/>
+                                </a:rPr>
+                                <m:t>𝑔</m:t>
+                              </m:r>
+                              <m:d>
+                                <m:dPr>
+                                  <m:ctrlPr>
+                                    <a:rPr lang="en-US" sz="3900" b="0" i="1" smtClean="0">
+                                      <a:latin typeface="Cambria Math" panose="02040503050406030204" pitchFamily="18" charset="0"/>
+                                      <a:ea typeface="Cambria Math" panose="02040503050406030204" pitchFamily="18" charset="0"/>
+                                    </a:rPr>
+                                  </m:ctrlPr>
+                                </m:dPr>
+                                <m:e>
+                                  <m:r>
+                                    <a:rPr lang="en-US" sz="3900" b="1" i="1" smtClean="0">
+                                      <a:latin typeface="Cambria Math" panose="02040503050406030204" pitchFamily="18" charset="0"/>
+                                      <a:ea typeface="Cambria Math" panose="02040503050406030204" pitchFamily="18" charset="0"/>
+                                    </a:rPr>
+                                    <m:t>𝜽</m:t>
+                                  </m:r>
+                                </m:e>
+                              </m:d>
+                            </m:num>
+                            <m:den>
+                              <m:r>
+                                <a:rPr lang="en-US" sz="3900" b="0" i="1" smtClean="0">
+                                  <a:latin typeface="Cambria Math" panose="02040503050406030204" pitchFamily="18" charset="0"/>
+                                  <a:ea typeface="Cambria Math" panose="02040503050406030204" pitchFamily="18" charset="0"/>
+                                </a:rPr>
+                                <m:t>𝜕</m:t>
+                              </m:r>
+                              <m:sSub>
+                                <m:sSubPr>
+                                  <m:ctrlPr>
+                                    <a:rPr lang="en-US" sz="3900" b="0" i="1" smtClean="0">
+                                      <a:latin typeface="Cambria Math" panose="02040503050406030204" pitchFamily="18" charset="0"/>
+                                      <a:ea typeface="Cambria Math" panose="02040503050406030204" pitchFamily="18" charset="0"/>
+                                    </a:rPr>
+                                  </m:ctrlPr>
+                                </m:sSubPr>
+                                <m:e>
+                                  <m:r>
+                                    <a:rPr lang="en-US" sz="3900" b="0" i="1" smtClean="0">
+                                      <a:latin typeface="Cambria Math" panose="02040503050406030204" pitchFamily="18" charset="0"/>
+                                      <a:ea typeface="Cambria Math" panose="02040503050406030204" pitchFamily="18" charset="0"/>
+                                    </a:rPr>
+                                    <m:t>𝜃</m:t>
+                                  </m:r>
+                                </m:e>
+                                <m:sub>
+                                  <m:r>
+                                    <a:rPr lang="en-US" sz="3900" b="0" i="1" smtClean="0">
+                                      <a:latin typeface="Cambria Math" panose="02040503050406030204" pitchFamily="18" charset="0"/>
+                                      <a:ea typeface="Cambria Math" panose="02040503050406030204" pitchFamily="18" charset="0"/>
+                                    </a:rPr>
+                                    <m:t>𝑖</m:t>
+                                  </m:r>
+                                </m:sub>
+                              </m:sSub>
+                            </m:den>
+                          </m:f>
+                        </m:e>
+                      </m:d>
+                    </m:oMath>
+                  </m:oMathPara>
+                </a14:m>
+                <a:endParaRPr lang="en-US" sz="3900" dirty="0"/>
+              </a:p>
+              <a:p>
+                <a:pPr marL="0" indent="0">
+                  <a:buNone/>
+                </a:pPr>
+                <a:endParaRPr lang="en-US" dirty="0"/>
+              </a:p>
+            </p:txBody>
+          </p:sp>
+        </mc:Choice>
+        <mc:Fallback xmlns="">
+          <p:sp>
+            <p:nvSpPr>
+              <p:cNvPr id="3" name="Content Placeholder 2">
+                <a:extLst>
+                  <a:ext uri="{FF2B5EF4-FFF2-40B4-BE49-F238E27FC236}">
+                    <a16:creationId xmlns:a16="http://schemas.microsoft.com/office/drawing/2014/main" id="{CBBAC521-9E8E-0CE0-84DA-DBEB70A5A320}"/>
+                  </a:ext>
+                </a:extLst>
+              </p:cNvPr>
+              <p:cNvSpPr>
+                <a:spLocks noGrp="1" noRot="1" noChangeAspect="1" noMove="1" noResize="1" noEditPoints="1" noAdjustHandles="1" noChangeArrowheads="1" noChangeShapeType="1" noTextEdit="1"/>
+              </p:cNvSpPr>
+              <p:nvPr>
+                <p:ph idx="1"/>
+              </p:nvPr>
+            </p:nvSpPr>
+            <p:spPr>
+              <a:xfrm>
+                <a:off x="0" y="0"/>
+                <a:ext cx="12192000" cy="6858000"/>
+              </a:xfrm>
+              <a:blipFill>
+                <a:blip r:embed="rId2"/>
+                <a:stretch>
+                  <a:fillRect l="-12383" t="-33704" b="-40185"/>
+                </a:stretch>
+              </a:blipFill>
+            </p:spPr>
+            <p:txBody>
+              <a:bodyPr/>
+              <a:lstStyle/>
+              <a:p>
+                <a:r>
+                  <a:rPr lang="en-US">
+                    <a:noFill/>
+                  </a:rPr>
+                  <a:t> </a:t>
+                </a:r>
+              </a:p>
+            </p:txBody>
+          </p:sp>
+        </mc:Fallback>
+      </mc:AlternateContent>
+    </p:spTree>
+    <p:extLst>
+      <p:ext uri="{BB962C8B-B14F-4D97-AF65-F5344CB8AC3E}">
+        <p14:creationId xmlns:p14="http://schemas.microsoft.com/office/powerpoint/2010/main" val="3647867189"/>
+      </p:ext>
+    </p:extLst>
+  </p:cSld>
+  <p:clrMapOvr>
+    <a:masterClrMapping/>
+  </p:clrMapOvr>
+</p:sld>
+</file>
+
+<file path=ppt/slides/slide11.xml><?xml version="1.0" encoding="utf-8"?>
+<p:sld xmlns:a="http://schemas.openxmlformats.org/drawingml/2006/main" xmlns:r="http://schemas.openxmlformats.org/officeDocument/2006/relationships" xmlns:p="http://schemas.openxmlformats.org/presentationml/2006/main">
+  <p:cSld>
+    <p:spTree>
+      <p:nvGrpSpPr>
+        <p:cNvPr id="1" name=""/>
+        <p:cNvGrpSpPr/>
+        <p:nvPr/>
+      </p:nvGrpSpPr>
+      <p:grpSpPr>
+        <a:xfrm>
+          <a:off x="0" y="0"/>
+          <a:ext cx="0" cy="0"/>
+          <a:chOff x="0" y="0"/>
+          <a:chExt cx="0" cy="0"/>
+        </a:xfrm>
+      </p:grpSpPr>
+      <mc:AlternateContent xmlns:mc="http://schemas.openxmlformats.org/markup-compatibility/2006" xmlns:a14="http://schemas.microsoft.com/office/drawing/2010/main">
+        <mc:Choice Requires="a14">
+          <p:sp>
+            <p:nvSpPr>
+              <p:cNvPr id="3" name="Content Placeholder 2">
+                <a:extLst>
+                  <a:ext uri="{FF2B5EF4-FFF2-40B4-BE49-F238E27FC236}">
+                    <a16:creationId xmlns:a16="http://schemas.microsoft.com/office/drawing/2014/main" id="{CBBAC521-9E8E-0CE0-84DA-DBEB70A5A320}"/>
+                  </a:ext>
+                </a:extLst>
+              </p:cNvPr>
+              <p:cNvSpPr>
+                <a:spLocks noGrp="1"/>
+              </p:cNvSpPr>
+              <p:nvPr>
+                <p:ph idx="1"/>
+              </p:nvPr>
+            </p:nvSpPr>
+            <p:spPr>
+              <a:xfrm>
+                <a:off x="0" y="0"/>
+                <a:ext cx="12192000" cy="6858000"/>
+              </a:xfrm>
+            </p:spPr>
+            <p:txBody>
+              <a:bodyPr>
+                <a:normAutofit/>
+              </a:bodyPr>
+              <a:lstStyle/>
+              <a:p>
+                <a:pPr marL="0" indent="0">
+                  <a:lnSpc>
+                    <a:spcPct val="100000"/>
+                  </a:lnSpc>
+                  <a:buNone/>
+                </a:pPr>
+                <a14:m>
+                  <m:oMathPara xmlns:m="http://schemas.openxmlformats.org/officeDocument/2006/math">
+                    <m:oMathParaPr>
+                      <m:jc m:val="centerGroup"/>
+                    </m:oMathParaPr>
+                    <m:oMath xmlns:m="http://schemas.openxmlformats.org/officeDocument/2006/math">
+                      <m:f>
+                        <m:fPr>
+                          <m:ctrlPr>
+                            <a:rPr lang="en-US" sz="3900" i="1" smtClean="0">
+                              <a:latin typeface="Cambria Math" panose="02040503050406030204" pitchFamily="18" charset="0"/>
+                            </a:rPr>
+                          </m:ctrlPr>
+                        </m:fPr>
+                        <m:num>
+                          <m:r>
+                            <a:rPr lang="en-US" sz="3900" i="1" smtClean="0">
+                              <a:latin typeface="Cambria Math" panose="02040503050406030204" pitchFamily="18" charset="0"/>
+                            </a:rPr>
+                            <m:t>𝜕</m:t>
+                          </m:r>
+                          <m:r>
+                            <a:rPr lang="en-US" sz="3900" b="0" i="1" smtClean="0">
+                              <a:latin typeface="Cambria Math" panose="02040503050406030204" pitchFamily="18" charset="0"/>
+                            </a:rPr>
+                            <m:t>𝐿</m:t>
+                          </m:r>
+                          <m:d>
+                            <m:dPr>
+                              <m:begChr m:val="["/>
+                              <m:endChr m:val="]"/>
+                              <m:ctrlPr>
+                                <a:rPr lang="en-US" sz="3900" b="1" i="1" smtClean="0">
+                                  <a:latin typeface="Cambria Math" panose="02040503050406030204" pitchFamily="18" charset="0"/>
+                                </a:rPr>
+                              </m:ctrlPr>
+                            </m:dPr>
+                            <m:e>
+                              <m:r>
+                                <a:rPr lang="en-US" sz="3900" b="1" i="1" smtClean="0">
+                                  <a:latin typeface="Cambria Math" panose="02040503050406030204" pitchFamily="18" charset="0"/>
+                                  <a:ea typeface="Cambria Math" panose="02040503050406030204" pitchFamily="18" charset="0"/>
+                                </a:rPr>
+                                <m:t>𝜽</m:t>
+                              </m:r>
+                            </m:e>
+                          </m:d>
+                        </m:num>
+                        <m:den>
+                          <m:r>
+                            <a:rPr lang="en-US" sz="3900" i="1" smtClean="0">
+                              <a:latin typeface="Cambria Math" panose="02040503050406030204" pitchFamily="18" charset="0"/>
+                            </a:rPr>
+                            <m:t>𝜕</m:t>
+                          </m:r>
+                          <m:sSub>
+                            <m:sSubPr>
+                              <m:ctrlPr>
+                                <a:rPr lang="en-US" sz="3900" i="1" smtClean="0">
+                                  <a:latin typeface="Cambria Math" panose="02040503050406030204" pitchFamily="18" charset="0"/>
+                                </a:rPr>
+                              </m:ctrlPr>
+                            </m:sSubPr>
+                            <m:e>
+                              <m:r>
+                                <a:rPr lang="en-US" sz="3900" i="1" smtClean="0">
+                                  <a:latin typeface="Cambria Math" panose="02040503050406030204" pitchFamily="18" charset="0"/>
+                                  <a:ea typeface="Cambria Math" panose="02040503050406030204" pitchFamily="18" charset="0"/>
+                                </a:rPr>
+                                <m:t>𝜃</m:t>
+                              </m:r>
+                            </m:e>
+                            <m:sub>
+                              <m:r>
+                                <a:rPr lang="en-US" sz="3900" b="0" i="1" smtClean="0">
+                                  <a:latin typeface="Cambria Math" panose="02040503050406030204" pitchFamily="18" charset="0"/>
+                                </a:rPr>
+                                <m:t>𝑖</m:t>
+                              </m:r>
+                            </m:sub>
+                          </m:sSub>
                           <m:sSub>
                             <m:sSubPr>
                               <m:ctrlPr>
@@ -4711,7 +5524,7 @@
 </p:sld>
 </file>
 
-<file path=ppt/slides/slide11.xml><?xml version="1.0" encoding="utf-8"?>
+<file path=ppt/slides/slide12.xml><?xml version="1.0" encoding="utf-8"?>
 <p:sld xmlns:a="http://schemas.openxmlformats.org/drawingml/2006/main" xmlns:r="http://schemas.openxmlformats.org/officeDocument/2006/relationships" xmlns:p="http://schemas.openxmlformats.org/presentationml/2006/main">
   <p:cSld>
     <p:spTree>
@@ -5152,7 +5965,7 @@
 </p:sld>
 </file>
 
-<file path=ppt/slides/slide12.xml><?xml version="1.0" encoding="utf-8"?>
+<file path=ppt/slides/slide13.xml><?xml version="1.0" encoding="utf-8"?>
 <p:sld xmlns:a="http://schemas.openxmlformats.org/drawingml/2006/main" xmlns:r="http://schemas.openxmlformats.org/officeDocument/2006/relationships" xmlns:p="http://schemas.openxmlformats.org/presentationml/2006/main">
   <p:cSld>
     <p:spTree>
@@ -5411,10 +6224,10 @@
                         </m:e>
                         <m:sub>
                           <m:r>
-                            <a:rPr lang="en-US" sz="3600" b="1" i="1" smtClean="0">
+                            <a:rPr lang="en-US" sz="3600" b="0" i="1" smtClean="0">
                               <a:latin typeface="Cambria Math" panose="02040503050406030204" pitchFamily="18" charset="0"/>
                             </a:rPr>
-                            <m:t>𝒘</m:t>
+                            <m:t>𝑤</m:t>
                           </m:r>
                         </m:sub>
                       </m:sSub>
@@ -5425,13 +6238,13 @@
                         <m:t>,</m:t>
                       </m:r>
                       <m:r>
-                        <a:rPr lang="en-US" sz="3600" b="1" i="1" smtClean="0">
+                        <a:rPr lang="en-US" sz="3600" b="0" i="1" smtClean="0">
                           <a:latin typeface="Cambria Math" panose="02040503050406030204" pitchFamily="18" charset="0"/>
                         </a:rPr>
-                        <m:t>𝒘</m:t>
+                        <m:t>𝑤</m:t>
                       </m:r>
                       <m:r>
-                        <a:rPr lang="en-US" sz="3600" b="0" i="1" smtClean="0">
+                        <a:rPr lang="en-US" sz="3600" b="1" i="1" smtClean="0">
                           <a:latin typeface="Cambria Math" panose="02040503050406030204" pitchFamily="18" charset="0"/>
                         </a:rPr>
                         <m:t>|</m:t>
@@ -5440,10 +6253,10 @@
                         <a:rPr lang="en-US" sz="3600" b="1" i="1" smtClean="0">
                           <a:latin typeface="Cambria Math" panose="02040503050406030204" pitchFamily="18" charset="0"/>
                         </a:rPr>
-                        <m:t>𝑶</m:t>
+                        <m:t>𝑫</m:t>
                       </m:r>
                       <m:r>
-                        <a:rPr lang="en-US" sz="3600" b="0" i="1" smtClean="0">
+                        <a:rPr lang="en-US" sz="3600" b="1" i="1" smtClean="0">
                           <a:latin typeface="Cambria Math" panose="02040503050406030204" pitchFamily="18" charset="0"/>
                         </a:rPr>
                         <m:t>)</m:t>
@@ -5477,7 +6290,7 @@
                               <a:latin typeface="Cambria Math" panose="02040503050406030204" pitchFamily="18" charset="0"/>
                               <a:ea typeface="Cambria Math" panose="02040503050406030204" pitchFamily="18" charset="0"/>
                             </a:rPr>
-                            <m:t>𝑶</m:t>
+                            <m:t>𝑫</m:t>
                           </m:r>
                         </m:e>
                         <m:e>
@@ -5501,11 +6314,11 @@
                             </m:e>
                             <m:sub>
                               <m:r>
-                                <a:rPr lang="en-US" sz="3600" b="1" i="1" smtClean="0">
+                                <a:rPr lang="en-US" sz="3600" b="0" i="1" smtClean="0">
                                   <a:latin typeface="Cambria Math" panose="02040503050406030204" pitchFamily="18" charset="0"/>
                                   <a:ea typeface="Cambria Math" panose="02040503050406030204" pitchFamily="18" charset="0"/>
                                 </a:rPr>
-                                <m:t>𝒘</m:t>
+                                <m:t>𝑤</m:t>
                               </m:r>
                             </m:sub>
                           </m:sSub>
@@ -5517,11 +6330,11 @@
                             <m:t>,</m:t>
                           </m:r>
                           <m:r>
-                            <a:rPr lang="en-US" sz="3600" b="1" i="1" smtClean="0">
+                            <a:rPr lang="en-US" sz="3600" b="0" i="1" smtClean="0">
                               <a:latin typeface="Cambria Math" panose="02040503050406030204" pitchFamily="18" charset="0"/>
                               <a:ea typeface="Cambria Math" panose="02040503050406030204" pitchFamily="18" charset="0"/>
                             </a:rPr>
-                            <m:t>𝒘</m:t>
+                            <m:t>𝑤</m:t>
                           </m:r>
                         </m:e>
                       </m:d>
@@ -5562,22 +6375,22 @@
                             </m:e>
                             <m:sub>
                               <m:r>
-                                <a:rPr lang="en-US" sz="3600" b="1" i="1" smtClean="0">
+                                <a:rPr lang="en-US" sz="3600" b="0" i="1" smtClean="0">
                                   <a:latin typeface="Cambria Math" panose="02040503050406030204" pitchFamily="18" charset="0"/>
                                   <a:ea typeface="Cambria Math" panose="02040503050406030204" pitchFamily="18" charset="0"/>
                                 </a:rPr>
-                                <m:t>𝒘</m:t>
+                                <m:t>𝑤</m:t>
                               </m:r>
                             </m:sub>
                           </m:sSub>
                         </m:e>
                         <m:e>
                           <m:r>
-                            <a:rPr lang="en-US" sz="3600" b="1" i="1" smtClean="0">
+                            <a:rPr lang="en-US" sz="3600" b="0" i="1" smtClean="0">
                               <a:latin typeface="Cambria Math" panose="02040503050406030204" pitchFamily="18" charset="0"/>
                               <a:ea typeface="Cambria Math" panose="02040503050406030204" pitchFamily="18" charset="0"/>
                             </a:rPr>
-                            <m:t>𝒘</m:t>
+                            <m:t>𝑤</m:t>
                           </m:r>
                         </m:e>
                       </m:d>
@@ -5589,21 +6402,21 @@
                         <m:t>𝑃</m:t>
                       </m:r>
                       <m:r>
-                        <a:rPr lang="en-US" sz="3600" b="1" i="1" smtClean="0">
+                        <a:rPr lang="en-US" sz="3600" b="0" i="1" smtClean="0">
                           <a:latin typeface="Cambria Math" panose="02040503050406030204" pitchFamily="18" charset="0"/>
                           <a:ea typeface="Cambria Math" panose="02040503050406030204" pitchFamily="18" charset="0"/>
                         </a:rPr>
                         <m:t>(</m:t>
                       </m:r>
                       <m:r>
-                        <a:rPr lang="en-US" sz="3600" b="1" i="1" smtClean="0">
+                        <a:rPr lang="en-US" sz="3600" b="0" i="1" smtClean="0">
                           <a:latin typeface="Cambria Math" panose="02040503050406030204" pitchFamily="18" charset="0"/>
                           <a:ea typeface="Cambria Math" panose="02040503050406030204" pitchFamily="18" charset="0"/>
                         </a:rPr>
-                        <m:t>𝒘</m:t>
+                        <m:t>𝑤</m:t>
                       </m:r>
                       <m:r>
-                        <a:rPr lang="en-US" sz="3600" b="1" i="1" smtClean="0">
+                        <a:rPr lang="en-US" sz="3600" b="0" i="1" smtClean="0">
                           <a:latin typeface="Cambria Math" panose="02040503050406030204" pitchFamily="18" charset="0"/>
                           <a:ea typeface="Cambria Math" panose="02040503050406030204" pitchFamily="18" charset="0"/>
                         </a:rPr>
@@ -5612,7 +6425,7 @@
                     </m:oMath>
                   </m:oMathPara>
                 </a14:m>
-                <a:endParaRPr lang="en-US" sz="3600" b="1" dirty="0"/>
+                <a:endParaRPr lang="en-US" sz="3600" dirty="0"/>
               </a:p>
             </p:txBody>
           </p:sp>
@@ -5676,6 +6489,661 @@
 </file>
 
 <file path=ppt/slides/slide2.xml><?xml version="1.0" encoding="utf-8"?>
+<p:sld xmlns:a="http://schemas.openxmlformats.org/drawingml/2006/main" xmlns:r="http://schemas.openxmlformats.org/officeDocument/2006/relationships" xmlns:p="http://schemas.openxmlformats.org/presentationml/2006/main">
+  <p:cSld>
+    <p:spTree>
+      <p:nvGrpSpPr>
+        <p:cNvPr id="1" name=""/>
+        <p:cNvGrpSpPr/>
+        <p:nvPr/>
+      </p:nvGrpSpPr>
+      <p:grpSpPr>
+        <a:xfrm>
+          <a:off x="0" y="0"/>
+          <a:ext cx="0" cy="0"/>
+          <a:chOff x="0" y="0"/>
+          <a:chExt cx="0" cy="0"/>
+        </a:xfrm>
+      </p:grpSpPr>
+      <mc:AlternateContent xmlns:mc="http://schemas.openxmlformats.org/markup-compatibility/2006">
+        <mc:Choice xmlns:a14="http://schemas.microsoft.com/office/drawing/2010/main" Requires="a14">
+          <p:sp>
+            <p:nvSpPr>
+              <p:cNvPr id="3" name="Content Placeholder 2">
+                <a:extLst>
+                  <a:ext uri="{FF2B5EF4-FFF2-40B4-BE49-F238E27FC236}">
+                    <a16:creationId xmlns:a16="http://schemas.microsoft.com/office/drawing/2014/main" id="{CBBAC521-9E8E-0CE0-84DA-DBEB70A5A320}"/>
+                  </a:ext>
+                </a:extLst>
+              </p:cNvPr>
+              <p:cNvSpPr>
+                <a:spLocks noGrp="1"/>
+              </p:cNvSpPr>
+              <p:nvPr>
+                <p:ph idx="1"/>
+              </p:nvPr>
+            </p:nvSpPr>
+            <p:spPr>
+              <a:xfrm>
+                <a:off x="0" y="0"/>
+                <a:ext cx="12192000" cy="6858000"/>
+              </a:xfrm>
+            </p:spPr>
+            <p:txBody>
+              <a:bodyPr/>
+              <a:lstStyle/>
+              <a:p>
+                <a:pPr marL="0" indent="0">
+                  <a:lnSpc>
+                    <a:spcPct val="100000"/>
+                  </a:lnSpc>
+                  <a:buNone/>
+                </a:pPr>
+                <a14:m>
+                  <m:oMathPara xmlns:m="http://schemas.openxmlformats.org/officeDocument/2006/math">
+                    <m:oMathParaPr>
+                      <m:jc m:val="centerGroup"/>
+                    </m:oMathParaPr>
+                    <m:oMath xmlns:m="http://schemas.openxmlformats.org/officeDocument/2006/math">
+                      <m:r>
+                        <a:rPr lang="en-US" sz="3200" b="0" i="1" smtClean="0">
+                          <a:latin typeface="Cambria Math" panose="02040503050406030204" pitchFamily="18" charset="0"/>
+                        </a:rPr>
+                        <m:t>𝐿</m:t>
+                      </m:r>
+                      <m:d>
+                        <m:dPr>
+                          <m:begChr m:val="["/>
+                          <m:endChr m:val="]"/>
+                          <m:ctrlPr>
+                            <a:rPr lang="en-US" sz="3200" b="0" i="1" smtClean="0">
+                              <a:latin typeface="Cambria Math" panose="02040503050406030204" pitchFamily="18" charset="0"/>
+                            </a:rPr>
+                          </m:ctrlPr>
+                        </m:dPr>
+                        <m:e>
+                          <m:r>
+                            <a:rPr lang="en-US" sz="3200" b="1" i="1" smtClean="0">
+                              <a:latin typeface="Cambria Math" panose="02040503050406030204" pitchFamily="18" charset="0"/>
+                              <a:ea typeface="Cambria Math" panose="02040503050406030204" pitchFamily="18" charset="0"/>
+                            </a:rPr>
+                            <m:t>𝜽</m:t>
+                          </m:r>
+                        </m:e>
+                      </m:d>
+                      <m:r>
+                        <a:rPr lang="en-US" sz="3200" b="0" i="1" smtClean="0">
+                          <a:latin typeface="Cambria Math" panose="02040503050406030204" pitchFamily="18" charset="0"/>
+                          <a:ea typeface="Cambria Math" panose="02040503050406030204" pitchFamily="18" charset="0"/>
+                        </a:rPr>
+                        <m:t>=</m:t>
+                      </m:r>
+                      <m:f>
+                        <m:fPr>
+                          <m:ctrlPr>
+                            <a:rPr lang="en-US" sz="3200" b="0" i="1" smtClean="0">
+                              <a:latin typeface="Cambria Math" panose="02040503050406030204" pitchFamily="18" charset="0"/>
+                              <a:ea typeface="Cambria Math" panose="02040503050406030204" pitchFamily="18" charset="0"/>
+                            </a:rPr>
+                          </m:ctrlPr>
+                        </m:fPr>
+                        <m:num>
+                          <m:r>
+                            <a:rPr lang="en-US" sz="3200" b="0" i="1" smtClean="0">
+                              <a:latin typeface="Cambria Math" panose="02040503050406030204" pitchFamily="18" charset="0"/>
+                              <a:ea typeface="Cambria Math" panose="02040503050406030204" pitchFamily="18" charset="0"/>
+                            </a:rPr>
+                            <m:t>1</m:t>
+                          </m:r>
+                        </m:num>
+                        <m:den>
+                          <m:r>
+                            <a:rPr lang="en-US" sz="3200" b="0" i="1" smtClean="0">
+                              <a:latin typeface="Cambria Math" panose="02040503050406030204" pitchFamily="18" charset="0"/>
+                              <a:ea typeface="Cambria Math" panose="02040503050406030204" pitchFamily="18" charset="0"/>
+                            </a:rPr>
+                            <m:t>𝑁</m:t>
+                          </m:r>
+                        </m:den>
+                      </m:f>
+                      <m:d>
+                        <m:dPr>
+                          <m:begChr m:val="["/>
+                          <m:endChr m:val="]"/>
+                          <m:ctrlPr>
+                            <a:rPr lang="en-US" sz="3200" b="0" i="1" smtClean="0">
+                              <a:latin typeface="Cambria Math" panose="02040503050406030204" pitchFamily="18" charset="0"/>
+                              <a:ea typeface="Cambria Math" panose="02040503050406030204" pitchFamily="18" charset="0"/>
+                            </a:rPr>
+                          </m:ctrlPr>
+                        </m:dPr>
+                        <m:e>
+                          <m:nary>
+                            <m:naryPr>
+                              <m:chr m:val="∑"/>
+                              <m:supHide m:val="on"/>
+                              <m:ctrlPr>
+                                <a:rPr lang="en-US" sz="3200" i="1">
+                                  <a:latin typeface="Cambria Math" panose="02040503050406030204" pitchFamily="18" charset="0"/>
+                                  <a:ea typeface="Cambria Math" panose="02040503050406030204" pitchFamily="18" charset="0"/>
+                                </a:rPr>
+                              </m:ctrlPr>
+                            </m:naryPr>
+                            <m:sub>
+                              <m:sSup>
+                                <m:sSupPr>
+                                  <m:ctrlPr>
+                                    <a:rPr lang="en-US" sz="3200" i="1">
+                                      <a:latin typeface="Cambria Math" panose="02040503050406030204" pitchFamily="18" charset="0"/>
+                                      <a:ea typeface="Cambria Math" panose="02040503050406030204" pitchFamily="18" charset="0"/>
+                                    </a:rPr>
+                                  </m:ctrlPr>
+                                </m:sSupPr>
+                                <m:e>
+                                  <m:r>
+                                    <a:rPr lang="en-US" sz="3200" i="1">
+                                      <a:latin typeface="Cambria Math" panose="02040503050406030204" pitchFamily="18" charset="0"/>
+                                      <a:ea typeface="Cambria Math" panose="02040503050406030204" pitchFamily="18" charset="0"/>
+                                    </a:rPr>
+                                    <m:t>𝑥</m:t>
+                                  </m:r>
+                                </m:e>
+                                <m:sup>
+                                  <m:r>
+                                    <a:rPr lang="en-US" sz="3200" i="1">
+                                      <a:latin typeface="Cambria Math" panose="02040503050406030204" pitchFamily="18" charset="0"/>
+                                      <a:ea typeface="Cambria Math" panose="02040503050406030204" pitchFamily="18" charset="0"/>
+                                    </a:rPr>
+                                    <m:t>′</m:t>
+                                  </m:r>
+                                </m:sup>
+                              </m:sSup>
+                            </m:sub>
+                            <m:sup/>
+                            <m:e>
+                              <m:r>
+                                <a:rPr lang="en-US" sz="3200" i="1">
+                                  <a:latin typeface="Cambria Math" panose="02040503050406030204" pitchFamily="18" charset="0"/>
+                                  <a:ea typeface="Cambria Math" panose="02040503050406030204" pitchFamily="18" charset="0"/>
+                                </a:rPr>
+                                <m:t>𝑎</m:t>
+                              </m:r>
+                              <m:d>
+                                <m:dPr>
+                                  <m:ctrlPr>
+                                    <a:rPr lang="en-US" sz="3200" i="1">
+                                      <a:latin typeface="Cambria Math" panose="02040503050406030204" pitchFamily="18" charset="0"/>
+                                      <a:ea typeface="Cambria Math" panose="02040503050406030204" pitchFamily="18" charset="0"/>
+                                    </a:rPr>
+                                  </m:ctrlPr>
+                                </m:dPr>
+                                <m:e>
+                                  <m:sSup>
+                                    <m:sSupPr>
+                                      <m:ctrlPr>
+                                        <a:rPr lang="en-US" sz="3200" i="1">
+                                          <a:latin typeface="Cambria Math" panose="02040503050406030204" pitchFamily="18" charset="0"/>
+                                          <a:ea typeface="Cambria Math" panose="02040503050406030204" pitchFamily="18" charset="0"/>
+                                        </a:rPr>
+                                      </m:ctrlPr>
+                                    </m:sSupPr>
+                                    <m:e>
+                                      <m:r>
+                                        <a:rPr lang="en-US" sz="3200" i="1">
+                                          <a:latin typeface="Cambria Math" panose="02040503050406030204" pitchFamily="18" charset="0"/>
+                                          <a:ea typeface="Cambria Math" panose="02040503050406030204" pitchFamily="18" charset="0"/>
+                                        </a:rPr>
+                                        <m:t>𝑥</m:t>
+                                      </m:r>
+                                    </m:e>
+                                    <m:sup>
+                                      <m:r>
+                                        <a:rPr lang="en-US" sz="3200" i="1">
+                                          <a:latin typeface="Cambria Math" panose="02040503050406030204" pitchFamily="18" charset="0"/>
+                                          <a:ea typeface="Cambria Math" panose="02040503050406030204" pitchFamily="18" charset="0"/>
+                                        </a:rPr>
+                                        <m:t>′</m:t>
+                                      </m:r>
+                                    </m:sup>
+                                  </m:sSup>
+                                </m:e>
+                              </m:d>
+                              <m:r>
+                                <a:rPr lang="en-US" sz="3200" i="1">
+                                  <a:latin typeface="Cambria Math" panose="02040503050406030204" pitchFamily="18" charset="0"/>
+                                  <a:ea typeface="Cambria Math" panose="02040503050406030204" pitchFamily="18" charset="0"/>
+                                </a:rPr>
+                                <m:t>h</m:t>
+                              </m:r>
+                              <m:d>
+                                <m:dPr>
+                                  <m:ctrlPr>
+                                    <a:rPr lang="en-US" sz="3200" i="1">
+                                      <a:latin typeface="Cambria Math" panose="02040503050406030204" pitchFamily="18" charset="0"/>
+                                      <a:ea typeface="Cambria Math" panose="02040503050406030204" pitchFamily="18" charset="0"/>
+                                    </a:rPr>
+                                  </m:ctrlPr>
+                                </m:dPr>
+                                <m:e>
+                                  <m:sSup>
+                                    <m:sSupPr>
+                                      <m:ctrlPr>
+                                        <a:rPr lang="en-US" sz="3200" i="1">
+                                          <a:latin typeface="Cambria Math" panose="02040503050406030204" pitchFamily="18" charset="0"/>
+                                          <a:ea typeface="Cambria Math" panose="02040503050406030204" pitchFamily="18" charset="0"/>
+                                        </a:rPr>
+                                      </m:ctrlPr>
+                                    </m:sSupPr>
+                                    <m:e>
+                                      <m:r>
+                                        <a:rPr lang="en-US" sz="3200" i="1">
+                                          <a:latin typeface="Cambria Math" panose="02040503050406030204" pitchFamily="18" charset="0"/>
+                                          <a:ea typeface="Cambria Math" panose="02040503050406030204" pitchFamily="18" charset="0"/>
+                                        </a:rPr>
+                                        <m:t>𝑥</m:t>
+                                      </m:r>
+                                    </m:e>
+                                    <m:sup>
+                                      <m:r>
+                                        <a:rPr lang="en-US" sz="3200" i="1">
+                                          <a:latin typeface="Cambria Math" panose="02040503050406030204" pitchFamily="18" charset="0"/>
+                                          <a:ea typeface="Cambria Math" panose="02040503050406030204" pitchFamily="18" charset="0"/>
+                                        </a:rPr>
+                                        <m:t>′</m:t>
+                                      </m:r>
+                                    </m:sup>
+                                  </m:sSup>
+                                  <m:r>
+                                    <a:rPr lang="en-US" sz="3200" i="1">
+                                      <a:latin typeface="Cambria Math" panose="02040503050406030204" pitchFamily="18" charset="0"/>
+                                      <a:ea typeface="Cambria Math" panose="02040503050406030204" pitchFamily="18" charset="0"/>
+                                    </a:rPr>
+                                    <m:t>;</m:t>
+                                  </m:r>
+                                  <m:r>
+                                    <a:rPr lang="en-US" sz="3200" b="1" i="1">
+                                      <a:latin typeface="Cambria Math" panose="02040503050406030204" pitchFamily="18" charset="0"/>
+                                      <a:ea typeface="Cambria Math" panose="02040503050406030204" pitchFamily="18" charset="0"/>
+                                    </a:rPr>
+                                    <m:t>𝜽</m:t>
+                                  </m:r>
+                                </m:e>
+                              </m:d>
+                            </m:e>
+                          </m:nary>
+                          <m:r>
+                            <a:rPr lang="en-US" sz="3200" i="1">
+                              <a:latin typeface="Cambria Math" panose="02040503050406030204" pitchFamily="18" charset="0"/>
+                              <a:ea typeface="Cambria Math" panose="02040503050406030204" pitchFamily="18" charset="0"/>
+                            </a:rPr>
+                            <m:t>+</m:t>
+                          </m:r>
+                          <m:nary>
+                            <m:naryPr>
+                              <m:chr m:val="∑"/>
+                              <m:supHide m:val="on"/>
+                              <m:ctrlPr>
+                                <a:rPr lang="en-US" sz="3200" i="1">
+                                  <a:latin typeface="Cambria Math" panose="02040503050406030204" pitchFamily="18" charset="0"/>
+                                  <a:ea typeface="Cambria Math" panose="02040503050406030204" pitchFamily="18" charset="0"/>
+                                </a:rPr>
+                              </m:ctrlPr>
+                            </m:naryPr>
+                            <m:sub>
+                              <m:r>
+                                <a:rPr lang="en-US" sz="3200" i="1">
+                                  <a:latin typeface="Cambria Math" panose="02040503050406030204" pitchFamily="18" charset="0"/>
+                                  <a:ea typeface="Cambria Math" panose="02040503050406030204" pitchFamily="18" charset="0"/>
+                                </a:rPr>
+                                <m:t>𝑥</m:t>
+                              </m:r>
+                            </m:sub>
+                            <m:sup/>
+                            <m:e>
+                              <m:r>
+                                <a:rPr lang="en-US" sz="3200" i="1">
+                                  <a:latin typeface="Cambria Math" panose="02040503050406030204" pitchFamily="18" charset="0"/>
+                                  <a:ea typeface="Cambria Math" panose="02040503050406030204" pitchFamily="18" charset="0"/>
+                                </a:rPr>
+                                <m:t>𝑏</m:t>
+                              </m:r>
+                              <m:d>
+                                <m:dPr>
+                                  <m:ctrlPr>
+                                    <a:rPr lang="en-US" sz="3200" i="1">
+                                      <a:latin typeface="Cambria Math" panose="02040503050406030204" pitchFamily="18" charset="0"/>
+                                      <a:ea typeface="Cambria Math" panose="02040503050406030204" pitchFamily="18" charset="0"/>
+                                    </a:rPr>
+                                  </m:ctrlPr>
+                                </m:dPr>
+                                <m:e>
+                                  <m:r>
+                                    <a:rPr lang="en-US" sz="3200" i="1">
+                                      <a:latin typeface="Cambria Math" panose="02040503050406030204" pitchFamily="18" charset="0"/>
+                                      <a:ea typeface="Cambria Math" panose="02040503050406030204" pitchFamily="18" charset="0"/>
+                                    </a:rPr>
+                                    <m:t>𝑥</m:t>
+                                  </m:r>
+                                </m:e>
+                              </m:d>
+                              <m:func>
+                                <m:funcPr>
+                                  <m:ctrlPr>
+                                    <a:rPr lang="en-US" sz="3200" i="1">
+                                      <a:latin typeface="Cambria Math" panose="02040503050406030204" pitchFamily="18" charset="0"/>
+                                      <a:ea typeface="Cambria Math" panose="02040503050406030204" pitchFamily="18" charset="0"/>
+                                    </a:rPr>
+                                  </m:ctrlPr>
+                                </m:funcPr>
+                                <m:fName>
+                                  <m:r>
+                                    <m:rPr>
+                                      <m:sty m:val="p"/>
+                                    </m:rPr>
+                                    <a:rPr lang="en-US" sz="3200">
+                                      <a:latin typeface="Cambria Math" panose="02040503050406030204" pitchFamily="18" charset="0"/>
+                                      <a:ea typeface="Cambria Math" panose="02040503050406030204" pitchFamily="18" charset="0"/>
+                                    </a:rPr>
+                                    <m:t>log</m:t>
+                                  </m:r>
+                                </m:fName>
+                                <m:e>
+                                  <m:d>
+                                    <m:dPr>
+                                      <m:ctrlPr>
+                                        <a:rPr lang="en-US" sz="3200" i="1">
+                                          <a:latin typeface="Cambria Math" panose="02040503050406030204" pitchFamily="18" charset="0"/>
+                                          <a:ea typeface="Cambria Math" panose="02040503050406030204" pitchFamily="18" charset="0"/>
+                                        </a:rPr>
+                                      </m:ctrlPr>
+                                    </m:dPr>
+                                    <m:e>
+                                      <m:sSub>
+                                        <m:sSubPr>
+                                          <m:ctrlPr>
+                                            <a:rPr lang="en-US" sz="3200" i="1">
+                                              <a:latin typeface="Cambria Math" panose="02040503050406030204" pitchFamily="18" charset="0"/>
+                                              <a:ea typeface="Cambria Math" panose="02040503050406030204" pitchFamily="18" charset="0"/>
+                                            </a:rPr>
+                                          </m:ctrlPr>
+                                        </m:sSubPr>
+                                        <m:e>
+                                          <m:r>
+                                            <a:rPr lang="en-US" sz="3200" i="1">
+                                              <a:latin typeface="Cambria Math" panose="02040503050406030204" pitchFamily="18" charset="0"/>
+                                              <a:ea typeface="Cambria Math" panose="02040503050406030204" pitchFamily="18" charset="0"/>
+                                            </a:rPr>
+                                            <m:t>𝐸</m:t>
+                                          </m:r>
+                                        </m:e>
+                                        <m:sub>
+                                          <m:sSup>
+                                            <m:sSupPr>
+                                              <m:ctrlPr>
+                                                <a:rPr lang="en-US" sz="3200" i="1">
+                                                  <a:latin typeface="Cambria Math" panose="02040503050406030204" pitchFamily="18" charset="0"/>
+                                                  <a:ea typeface="Cambria Math" panose="02040503050406030204" pitchFamily="18" charset="0"/>
+                                                </a:rPr>
+                                              </m:ctrlPr>
+                                            </m:sSupPr>
+                                            <m:e>
+                                              <m:r>
+                                                <a:rPr lang="el-GR" sz="3200" i="1">
+                                                  <a:latin typeface="Cambria Math" panose="02040503050406030204" pitchFamily="18" charset="0"/>
+                                                  <a:ea typeface="Cambria Math" panose="02040503050406030204" pitchFamily="18" charset="0"/>
+                                                </a:rPr>
+                                                <m:t>𝜋</m:t>
+                                              </m:r>
+                                            </m:e>
+                                            <m:sup>
+                                              <m:r>
+                                                <a:rPr lang="en-US" sz="3200" i="1">
+                                                  <a:latin typeface="Cambria Math" panose="02040503050406030204" pitchFamily="18" charset="0"/>
+                                                  <a:ea typeface="Cambria Math" panose="02040503050406030204" pitchFamily="18" charset="0"/>
+                                                </a:rPr>
+                                                <m:t>0</m:t>
+                                              </m:r>
+                                            </m:sup>
+                                          </m:sSup>
+                                          <m:d>
+                                            <m:dPr>
+                                              <m:ctrlPr>
+                                                <a:rPr lang="en-US" sz="3200" i="1">
+                                                  <a:latin typeface="Cambria Math" panose="02040503050406030204" pitchFamily="18" charset="0"/>
+                                                  <a:ea typeface="Cambria Math" panose="02040503050406030204" pitchFamily="18" charset="0"/>
+                                                </a:rPr>
+                                              </m:ctrlPr>
+                                            </m:dPr>
+                                            <m:e>
+                                              <m:r>
+                                                <a:rPr lang="en-US" sz="3200" i="1">
+                                                  <a:latin typeface="Cambria Math" panose="02040503050406030204" pitchFamily="18" charset="0"/>
+                                                  <a:ea typeface="Cambria Math" panose="02040503050406030204" pitchFamily="18" charset="0"/>
+                                                </a:rPr>
+                                                <m:t>∙|</m:t>
+                                              </m:r>
+                                              <m:r>
+                                                <a:rPr lang="en-US" sz="3200" i="1">
+                                                  <a:latin typeface="Cambria Math" panose="02040503050406030204" pitchFamily="18" charset="0"/>
+                                                  <a:ea typeface="Cambria Math" panose="02040503050406030204" pitchFamily="18" charset="0"/>
+                                                </a:rPr>
+                                                <m:t>𝑥</m:t>
+                                              </m:r>
+                                            </m:e>
+                                          </m:d>
+                                        </m:sub>
+                                      </m:sSub>
+                                      <m:d>
+                                        <m:dPr>
+                                          <m:begChr m:val="["/>
+                                          <m:endChr m:val="]"/>
+                                          <m:ctrlPr>
+                                            <a:rPr lang="en-US" sz="3200" i="1">
+                                              <a:latin typeface="Cambria Math" panose="02040503050406030204" pitchFamily="18" charset="0"/>
+                                              <a:ea typeface="Cambria Math" panose="02040503050406030204" pitchFamily="18" charset="0"/>
+                                            </a:rPr>
+                                          </m:ctrlPr>
+                                        </m:dPr>
+                                        <m:e>
+                                          <m:func>
+                                            <m:funcPr>
+                                              <m:ctrlPr>
+                                                <a:rPr lang="en-US" sz="3200" i="1">
+                                                  <a:latin typeface="Cambria Math" panose="02040503050406030204" pitchFamily="18" charset="0"/>
+                                                  <a:ea typeface="Cambria Math" panose="02040503050406030204" pitchFamily="18" charset="0"/>
+                                                </a:rPr>
+                                              </m:ctrlPr>
+                                            </m:funcPr>
+                                            <m:fName>
+                                              <m:r>
+                                                <m:rPr>
+                                                  <m:sty m:val="p"/>
+                                                </m:rPr>
+                                                <a:rPr lang="en-US" sz="3200">
+                                                  <a:latin typeface="Cambria Math" panose="02040503050406030204" pitchFamily="18" charset="0"/>
+                                                  <a:ea typeface="Cambria Math" panose="02040503050406030204" pitchFamily="18" charset="0"/>
+                                                </a:rPr>
+                                                <m:t>exp</m:t>
+                                              </m:r>
+                                            </m:fName>
+                                            <m:e>
+                                              <m:d>
+                                                <m:dPr>
+                                                  <m:ctrlPr>
+                                                    <a:rPr lang="en-US" sz="3200" i="1">
+                                                      <a:latin typeface="Cambria Math" panose="02040503050406030204" pitchFamily="18" charset="0"/>
+                                                      <a:ea typeface="Cambria Math" panose="02040503050406030204" pitchFamily="18" charset="0"/>
+                                                    </a:rPr>
+                                                  </m:ctrlPr>
+                                                </m:dPr>
+                                                <m:e>
+                                                  <m:r>
+                                                    <a:rPr lang="en-US" sz="3200" i="1">
+                                                      <a:latin typeface="Cambria Math" panose="02040503050406030204" pitchFamily="18" charset="0"/>
+                                                      <a:ea typeface="Cambria Math" panose="02040503050406030204" pitchFamily="18" charset="0"/>
+                                                    </a:rPr>
+                                                    <m:t>−</m:t>
+                                                  </m:r>
+                                                  <m:r>
+                                                    <a:rPr lang="en-US" sz="3200" i="1">
+                                                      <a:latin typeface="Cambria Math" panose="02040503050406030204" pitchFamily="18" charset="0"/>
+                                                      <a:ea typeface="Cambria Math" panose="02040503050406030204" pitchFamily="18" charset="0"/>
+                                                    </a:rPr>
+                                                    <m:t>h</m:t>
+                                                  </m:r>
+                                                  <m:d>
+                                                    <m:dPr>
+                                                      <m:ctrlPr>
+                                                        <a:rPr lang="en-US" sz="3200" i="1">
+                                                          <a:latin typeface="Cambria Math" panose="02040503050406030204" pitchFamily="18" charset="0"/>
+                                                          <a:ea typeface="Cambria Math" panose="02040503050406030204" pitchFamily="18" charset="0"/>
+                                                        </a:rPr>
+                                                      </m:ctrlPr>
+                                                    </m:dPr>
+                                                    <m:e>
+                                                      <m:r>
+                                                        <a:rPr lang="en-US" sz="3200" i="1">
+                                                          <a:latin typeface="Cambria Math" panose="02040503050406030204" pitchFamily="18" charset="0"/>
+                                                          <a:ea typeface="Cambria Math" panose="02040503050406030204" pitchFamily="18" charset="0"/>
+                                                        </a:rPr>
+                                                        <m:t>∙</m:t>
+                                                      </m:r>
+                                                      <m:r>
+                                                        <a:rPr lang="en-US" sz="3200" b="1" i="1">
+                                                          <a:latin typeface="Cambria Math" panose="02040503050406030204" pitchFamily="18" charset="0"/>
+                                                          <a:ea typeface="Cambria Math" panose="02040503050406030204" pitchFamily="18" charset="0"/>
+                                                        </a:rPr>
+                                                        <m:t>;</m:t>
+                                                      </m:r>
+                                                      <m:r>
+                                                        <a:rPr lang="en-US" sz="3200" b="1" i="1">
+                                                          <a:latin typeface="Cambria Math" panose="02040503050406030204" pitchFamily="18" charset="0"/>
+                                                          <a:ea typeface="Cambria Math" panose="02040503050406030204" pitchFamily="18" charset="0"/>
+                                                        </a:rPr>
+                                                        <m:t>𝜽</m:t>
+                                                      </m:r>
+                                                    </m:e>
+                                                  </m:d>
+                                                </m:e>
+                                              </m:d>
+                                            </m:e>
+                                          </m:func>
+                                        </m:e>
+                                      </m:d>
+                                    </m:e>
+                                  </m:d>
+                                </m:e>
+                              </m:func>
+                            </m:e>
+                          </m:nary>
+                        </m:e>
+                      </m:d>
+                      <m:r>
+                        <a:rPr lang="en-US" sz="3200" b="1" i="1" smtClean="0">
+                          <a:latin typeface="Cambria Math" panose="02040503050406030204" pitchFamily="18" charset="0"/>
+                          <a:ea typeface="Cambria Math" panose="02040503050406030204" pitchFamily="18" charset="0"/>
+                        </a:rPr>
+                        <m:t>+</m:t>
+                      </m:r>
+                      <m:r>
+                        <a:rPr lang="en-US" sz="3200" i="1" smtClean="0">
+                          <a:latin typeface="Cambria Math" panose="02040503050406030204" pitchFamily="18" charset="0"/>
+                          <a:ea typeface="Cambria Math" panose="02040503050406030204" pitchFamily="18" charset="0"/>
+                        </a:rPr>
+                        <m:t>𝜆</m:t>
+                      </m:r>
+                      <m:r>
+                        <a:rPr lang="en-US" sz="3200" b="0" i="1" smtClean="0">
+                          <a:latin typeface="Cambria Math" panose="02040503050406030204" pitchFamily="18" charset="0"/>
+                          <a:ea typeface="Cambria Math" panose="02040503050406030204" pitchFamily="18" charset="0"/>
+                        </a:rPr>
+                        <m:t>𝑔</m:t>
+                      </m:r>
+                      <m:d>
+                        <m:dPr>
+                          <m:ctrlPr>
+                            <a:rPr lang="en-US" sz="3200" b="0" i="1" smtClean="0">
+                              <a:latin typeface="Cambria Math" panose="02040503050406030204" pitchFamily="18" charset="0"/>
+                              <a:ea typeface="Cambria Math" panose="02040503050406030204" pitchFamily="18" charset="0"/>
+                            </a:rPr>
+                          </m:ctrlPr>
+                        </m:dPr>
+                        <m:e>
+                          <m:r>
+                            <a:rPr lang="en-US" sz="3200" b="1" i="1" smtClean="0">
+                              <a:latin typeface="Cambria Math" panose="02040503050406030204" pitchFamily="18" charset="0"/>
+                              <a:ea typeface="Cambria Math" panose="02040503050406030204" pitchFamily="18" charset="0"/>
+                            </a:rPr>
+                            <m:t>𝜽</m:t>
+                          </m:r>
+                        </m:e>
+                      </m:d>
+                    </m:oMath>
+                  </m:oMathPara>
+                </a14:m>
+                <a:endParaRPr lang="en-US" sz="3200" b="1" dirty="0"/>
+              </a:p>
+            </p:txBody>
+          </p:sp>
+        </mc:Choice>
+        <mc:Fallback>
+          <p:sp>
+            <p:nvSpPr>
+              <p:cNvPr id="3" name="Content Placeholder 2">
+                <a:extLst>
+                  <a:ext uri="{FF2B5EF4-FFF2-40B4-BE49-F238E27FC236}">
+                    <a16:creationId xmlns:a16="http://schemas.microsoft.com/office/drawing/2014/main" id="{CBBAC521-9E8E-0CE0-84DA-DBEB70A5A320}"/>
+                  </a:ext>
+                </a:extLst>
+              </p:cNvPr>
+              <p:cNvSpPr>
+                <a:spLocks noGrp="1" noRot="1" noChangeAspect="1" noMove="1" noResize="1" noEditPoints="1" noAdjustHandles="1" noChangeArrowheads="1" noChangeShapeType="1" noTextEdit="1"/>
+              </p:cNvSpPr>
+              <p:nvPr>
+                <p:ph idx="1"/>
+              </p:nvPr>
+            </p:nvSpPr>
+            <p:spPr>
+              <a:xfrm>
+                <a:off x="0" y="0"/>
+                <a:ext cx="12192000" cy="6858000"/>
+              </a:xfrm>
+              <a:blipFill>
+                <a:blip r:embed="rId2"/>
+                <a:stretch>
+                  <a:fillRect t="-16667"/>
+                </a:stretch>
+              </a:blipFill>
+            </p:spPr>
+            <p:txBody>
+              <a:bodyPr/>
+              <a:lstStyle/>
+              <a:p>
+                <a:r>
+                  <a:rPr lang="en-US">
+                    <a:noFill/>
+                  </a:rPr>
+                  <a:t> </a:t>
+                </a:r>
+              </a:p>
+            </p:txBody>
+          </p:sp>
+        </mc:Fallback>
+      </mc:AlternateContent>
+    </p:spTree>
+    <p:extLst>
+      <p:ext uri="{BB962C8B-B14F-4D97-AF65-F5344CB8AC3E}">
+        <p14:creationId xmlns:p14="http://schemas.microsoft.com/office/powerpoint/2010/main" val="2630324199"/>
+      </p:ext>
+    </p:extLst>
+  </p:cSld>
+  <p:clrMapOvr>
+    <a:masterClrMapping/>
+  </p:clrMapOvr>
+</p:sld>
+</file>
+
+<file path=ppt/slides/slide3.xml><?xml version="1.0" encoding="utf-8"?>
 <p:sld xmlns:a="http://schemas.openxmlformats.org/drawingml/2006/main" xmlns:r="http://schemas.openxmlformats.org/officeDocument/2006/relationships" xmlns:p="http://schemas.openxmlformats.org/presentationml/2006/main">
   <p:cSld>
     <p:spTree>
@@ -6500,7 +7968,7 @@
     </p:spTree>
     <p:extLst>
       <p:ext uri="{BB962C8B-B14F-4D97-AF65-F5344CB8AC3E}">
-        <p14:creationId xmlns:p14="http://schemas.microsoft.com/office/powerpoint/2010/main" val="2630324199"/>
+        <p14:creationId xmlns:p14="http://schemas.microsoft.com/office/powerpoint/2010/main" val="4134392480"/>
       </p:ext>
     </p:extLst>
   </p:cSld>
@@ -6510,7 +7978,7 @@
 </p:sld>
 </file>
 
-<file path=ppt/slides/slide3.xml><?xml version="1.0" encoding="utf-8"?>
+<file path=ppt/slides/slide4.xml><?xml version="1.0" encoding="utf-8"?>
 <p:sld xmlns:a="http://schemas.openxmlformats.org/drawingml/2006/main" xmlns:r="http://schemas.openxmlformats.org/officeDocument/2006/relationships" xmlns:p="http://schemas.openxmlformats.org/presentationml/2006/main">
   <p:cSld>
     <p:spTree>
@@ -7134,7 +8602,7 @@
 </p:sld>
 </file>
 
-<file path=ppt/slides/slide4.xml><?xml version="1.0" encoding="utf-8"?>
+<file path=ppt/slides/slide5.xml><?xml version="1.0" encoding="utf-8"?>
 <p:sld xmlns:a="http://schemas.openxmlformats.org/drawingml/2006/main" xmlns:r="http://schemas.openxmlformats.org/officeDocument/2006/relationships" xmlns:p="http://schemas.openxmlformats.org/presentationml/2006/main">
   <p:cSld>
     <p:spTree>
@@ -7667,7 +9135,7 @@
 </p:sld>
 </file>
 
-<file path=ppt/slides/slide5.xml><?xml version="1.0" encoding="utf-8"?>
+<file path=ppt/slides/slide6.xml><?xml version="1.0" encoding="utf-8"?>
 <p:sld xmlns:a="http://schemas.openxmlformats.org/drawingml/2006/main" xmlns:r="http://schemas.openxmlformats.org/officeDocument/2006/relationships" xmlns:p="http://schemas.openxmlformats.org/presentationml/2006/main">
   <p:cSld>
     <p:spTree>
@@ -8013,7 +9481,7 @@
 </p:sld>
 </file>
 
-<file path=ppt/slides/slide6.xml><?xml version="1.0" encoding="utf-8"?>
+<file path=ppt/slides/slide7.xml><?xml version="1.0" encoding="utf-8"?>
 <p:sld xmlns:a="http://schemas.openxmlformats.org/drawingml/2006/main" xmlns:r="http://schemas.openxmlformats.org/officeDocument/2006/relationships" xmlns:p="http://schemas.openxmlformats.org/presentationml/2006/main">
   <p:cSld>
     <p:spTree>
@@ -8707,7 +10175,7 @@
 </p:sld>
 </file>
 
-<file path=ppt/slides/slide7.xml><?xml version="1.0" encoding="utf-8"?>
+<file path=ppt/slides/slide8.xml><?xml version="1.0" encoding="utf-8"?>
 <p:sld xmlns:a="http://schemas.openxmlformats.org/drawingml/2006/main" xmlns:r="http://schemas.openxmlformats.org/officeDocument/2006/relationships" xmlns:p="http://schemas.openxmlformats.org/presentationml/2006/main">
   <p:cSld>
     <p:spTree>
@@ -9744,7 +11212,7 @@
 </p:sld>
 </file>
 
-<file path=ppt/slides/slide8.xml><?xml version="1.0" encoding="utf-8"?>
+<file path=ppt/slides/slide9.xml><?xml version="1.0" encoding="utf-8"?>
 <p:sld xmlns:a="http://schemas.openxmlformats.org/drawingml/2006/main" xmlns:r="http://schemas.openxmlformats.org/officeDocument/2006/relationships" xmlns:p="http://schemas.openxmlformats.org/presentationml/2006/main">
   <p:cSld>
     <p:spTree>
@@ -11240,818 +12708,6 @@
 </p:sld>
 </file>
 
-<file path=ppt/slides/slide9.xml><?xml version="1.0" encoding="utf-8"?>
-<p:sld xmlns:a="http://schemas.openxmlformats.org/drawingml/2006/main" xmlns:r="http://schemas.openxmlformats.org/officeDocument/2006/relationships" xmlns:p="http://schemas.openxmlformats.org/presentationml/2006/main">
-  <p:cSld>
-    <p:spTree>
-      <p:nvGrpSpPr>
-        <p:cNvPr id="1" name=""/>
-        <p:cNvGrpSpPr/>
-        <p:nvPr/>
-      </p:nvGrpSpPr>
-      <p:grpSpPr>
-        <a:xfrm>
-          <a:off x="0" y="0"/>
-          <a:ext cx="0" cy="0"/>
-          <a:chOff x="0" y="0"/>
-          <a:chExt cx="0" cy="0"/>
-        </a:xfrm>
-      </p:grpSpPr>
-      <mc:AlternateContent xmlns:mc="http://schemas.openxmlformats.org/markup-compatibility/2006" xmlns:a14="http://schemas.microsoft.com/office/drawing/2010/main">
-        <mc:Choice Requires="a14">
-          <p:sp>
-            <p:nvSpPr>
-              <p:cNvPr id="3" name="Content Placeholder 2">
-                <a:extLst>
-                  <a:ext uri="{FF2B5EF4-FFF2-40B4-BE49-F238E27FC236}">
-                    <a16:creationId xmlns:a16="http://schemas.microsoft.com/office/drawing/2014/main" id="{CBBAC521-9E8E-0CE0-84DA-DBEB70A5A320}"/>
-                  </a:ext>
-                </a:extLst>
-              </p:cNvPr>
-              <p:cNvSpPr>
-                <a:spLocks noGrp="1"/>
-              </p:cNvSpPr>
-              <p:nvPr>
-                <p:ph idx="1"/>
-              </p:nvPr>
-            </p:nvSpPr>
-            <p:spPr>
-              <a:xfrm>
-                <a:off x="0" y="0"/>
-                <a:ext cx="12192000" cy="6858000"/>
-              </a:xfrm>
-            </p:spPr>
-            <p:txBody>
-              <a:bodyPr>
-                <a:normAutofit/>
-              </a:bodyPr>
-              <a:lstStyle/>
-              <a:p>
-                <a:pPr marL="0" indent="0">
-                  <a:lnSpc>
-                    <a:spcPct val="100000"/>
-                  </a:lnSpc>
-                  <a:buNone/>
-                </a:pPr>
-                <a14:m>
-                  <m:oMathPara xmlns:m="http://schemas.openxmlformats.org/officeDocument/2006/math">
-                    <m:oMathParaPr>
-                      <m:jc m:val="centerGroup"/>
-                    </m:oMathParaPr>
-                    <m:oMath xmlns:m="http://schemas.openxmlformats.org/officeDocument/2006/math">
-                      <m:f>
-                        <m:fPr>
-                          <m:ctrlPr>
-                            <a:rPr lang="en-US" sz="3900" i="1" smtClean="0">
-                              <a:latin typeface="Cambria Math" panose="02040503050406030204" pitchFamily="18" charset="0"/>
-                            </a:rPr>
-                          </m:ctrlPr>
-                        </m:fPr>
-                        <m:num>
-                          <m:r>
-                            <a:rPr lang="en-US" sz="3900" i="1" smtClean="0">
-                              <a:latin typeface="Cambria Math" panose="02040503050406030204" pitchFamily="18" charset="0"/>
-                            </a:rPr>
-                            <m:t>𝜕</m:t>
-                          </m:r>
-                          <m:r>
-                            <a:rPr lang="en-US" sz="3900" b="0" i="1" smtClean="0">
-                              <a:latin typeface="Cambria Math" panose="02040503050406030204" pitchFamily="18" charset="0"/>
-                            </a:rPr>
-                            <m:t>𝐿</m:t>
-                          </m:r>
-                          <m:d>
-                            <m:dPr>
-                              <m:begChr m:val="["/>
-                              <m:endChr m:val="]"/>
-                              <m:ctrlPr>
-                                <a:rPr lang="en-US" sz="3900" b="1" i="1" smtClean="0">
-                                  <a:latin typeface="Cambria Math" panose="02040503050406030204" pitchFamily="18" charset="0"/>
-                                </a:rPr>
-                              </m:ctrlPr>
-                            </m:dPr>
-                            <m:e>
-                              <m:r>
-                                <a:rPr lang="en-US" sz="3900" b="1" i="1" smtClean="0">
-                                  <a:latin typeface="Cambria Math" panose="02040503050406030204" pitchFamily="18" charset="0"/>
-                                  <a:ea typeface="Cambria Math" panose="02040503050406030204" pitchFamily="18" charset="0"/>
-                                </a:rPr>
-                                <m:t>𝜽</m:t>
-                              </m:r>
-                            </m:e>
-                          </m:d>
-                        </m:num>
-                        <m:den>
-                          <m:r>
-                            <a:rPr lang="en-US" sz="3900" i="1" smtClean="0">
-                              <a:latin typeface="Cambria Math" panose="02040503050406030204" pitchFamily="18" charset="0"/>
-                            </a:rPr>
-                            <m:t>𝜕</m:t>
-                          </m:r>
-                          <m:sSub>
-                            <m:sSubPr>
-                              <m:ctrlPr>
-                                <a:rPr lang="en-US" sz="3900" i="1" smtClean="0">
-                                  <a:latin typeface="Cambria Math" panose="02040503050406030204" pitchFamily="18" charset="0"/>
-                                </a:rPr>
-                              </m:ctrlPr>
-                            </m:sSubPr>
-                            <m:e>
-                              <m:r>
-                                <a:rPr lang="en-US" sz="3900" i="1" smtClean="0">
-                                  <a:latin typeface="Cambria Math" panose="02040503050406030204" pitchFamily="18" charset="0"/>
-                                  <a:ea typeface="Cambria Math" panose="02040503050406030204" pitchFamily="18" charset="0"/>
-                                </a:rPr>
-                                <m:t>𝜃</m:t>
-                              </m:r>
-                            </m:e>
-                            <m:sub>
-                              <m:r>
-                                <a:rPr lang="en-US" sz="3900" b="0" i="1" smtClean="0">
-                                  <a:latin typeface="Cambria Math" panose="02040503050406030204" pitchFamily="18" charset="0"/>
-                                </a:rPr>
-                                <m:t>𝑖</m:t>
-                              </m:r>
-                            </m:sub>
-                          </m:sSub>
-                        </m:den>
-                      </m:f>
-                      <m:r>
-                        <a:rPr lang="en-US" sz="3900" b="0" i="1" smtClean="0">
-                          <a:latin typeface="Cambria Math" panose="02040503050406030204" pitchFamily="18" charset="0"/>
-                        </a:rPr>
-                        <m:t>=</m:t>
-                      </m:r>
-                      <m:f>
-                        <m:fPr>
-                          <m:ctrlPr>
-                            <a:rPr lang="en-US" sz="3900" b="0" i="1" smtClean="0">
-                              <a:latin typeface="Cambria Math" panose="02040503050406030204" pitchFamily="18" charset="0"/>
-                            </a:rPr>
-                          </m:ctrlPr>
-                        </m:fPr>
-                        <m:num>
-                          <m:r>
-                            <a:rPr lang="en-US" sz="3900" b="0" i="1" smtClean="0">
-                              <a:latin typeface="Cambria Math" panose="02040503050406030204" pitchFamily="18" charset="0"/>
-                            </a:rPr>
-                            <m:t>1</m:t>
-                          </m:r>
-                        </m:num>
-                        <m:den>
-                          <m:r>
-                            <a:rPr lang="en-US" sz="3900" b="0" i="1" smtClean="0">
-                              <a:latin typeface="Cambria Math" panose="02040503050406030204" pitchFamily="18" charset="0"/>
-                            </a:rPr>
-                            <m:t>𝑁</m:t>
-                          </m:r>
-                        </m:den>
-                      </m:f>
-                      <m:d>
-                        <m:dPr>
-                          <m:begChr m:val="["/>
-                          <m:endChr m:val="]"/>
-                          <m:ctrlPr>
-                            <a:rPr lang="en-US" sz="3900" b="0" i="1" smtClean="0">
-                              <a:latin typeface="Cambria Math" panose="02040503050406030204" pitchFamily="18" charset="0"/>
-                            </a:rPr>
-                          </m:ctrlPr>
-                        </m:dPr>
-                        <m:e>
-                          <m:nary>
-                            <m:naryPr>
-                              <m:chr m:val="∑"/>
-                              <m:supHide m:val="on"/>
-                              <m:ctrlPr>
-                                <a:rPr lang="en-US" sz="3900" b="0" i="1" smtClean="0">
-                                  <a:latin typeface="Cambria Math" panose="02040503050406030204" pitchFamily="18" charset="0"/>
-                                </a:rPr>
-                              </m:ctrlPr>
-                            </m:naryPr>
-                            <m:sub>
-                              <m:sSup>
-                                <m:sSupPr>
-                                  <m:ctrlPr>
-                                    <a:rPr lang="en-US" sz="3900" b="0" i="1" smtClean="0">
-                                      <a:latin typeface="Cambria Math" panose="02040503050406030204" pitchFamily="18" charset="0"/>
-                                    </a:rPr>
-                                  </m:ctrlPr>
-                                </m:sSupPr>
-                                <m:e>
-                                  <m:r>
-                                    <a:rPr lang="en-US" sz="3900" b="0" i="1" smtClean="0">
-                                      <a:latin typeface="Cambria Math" panose="02040503050406030204" pitchFamily="18" charset="0"/>
-                                    </a:rPr>
-                                    <m:t>𝑥</m:t>
-                                  </m:r>
-                                </m:e>
-                                <m:sup>
-                                  <m:r>
-                                    <a:rPr lang="en-US" sz="3900" b="0" i="1" smtClean="0">
-                                      <a:latin typeface="Cambria Math" panose="02040503050406030204" pitchFamily="18" charset="0"/>
-                                    </a:rPr>
-                                    <m:t>′</m:t>
-                                  </m:r>
-                                </m:sup>
-                              </m:sSup>
-                            </m:sub>
-                            <m:sup/>
-                            <m:e>
-                              <m:d>
-                                <m:dPr>
-                                  <m:begChr m:val="["/>
-                                  <m:endChr m:val="]"/>
-                                  <m:ctrlPr>
-                                    <a:rPr lang="en-US" sz="3900" b="0" i="1" smtClean="0">
-                                      <a:latin typeface="Cambria Math" panose="02040503050406030204" pitchFamily="18" charset="0"/>
-                                    </a:rPr>
-                                  </m:ctrlPr>
-                                </m:dPr>
-                                <m:e>
-                                  <m:r>
-                                    <a:rPr lang="en-US" sz="3900" b="0" i="1" smtClean="0">
-                                      <a:latin typeface="Cambria Math" panose="02040503050406030204" pitchFamily="18" charset="0"/>
-                                    </a:rPr>
-                                    <m:t>𝑎</m:t>
-                                  </m:r>
-                                  <m:d>
-                                    <m:dPr>
-                                      <m:ctrlPr>
-                                        <a:rPr lang="en-US" sz="3900" b="0" i="1" smtClean="0">
-                                          <a:latin typeface="Cambria Math" panose="02040503050406030204" pitchFamily="18" charset="0"/>
-                                        </a:rPr>
-                                      </m:ctrlPr>
-                                    </m:dPr>
-                                    <m:e>
-                                      <m:sSup>
-                                        <m:sSupPr>
-                                          <m:ctrlPr>
-                                            <a:rPr lang="en-US" sz="3900" b="0" i="1" smtClean="0">
-                                              <a:latin typeface="Cambria Math" panose="02040503050406030204" pitchFamily="18" charset="0"/>
-                                            </a:rPr>
-                                          </m:ctrlPr>
-                                        </m:sSupPr>
-                                        <m:e>
-                                          <m:r>
-                                            <a:rPr lang="en-US" sz="3900" b="0" i="1" smtClean="0">
-                                              <a:latin typeface="Cambria Math" panose="02040503050406030204" pitchFamily="18" charset="0"/>
-                                            </a:rPr>
-                                            <m:t>𝑥</m:t>
-                                          </m:r>
-                                        </m:e>
-                                        <m:sup>
-                                          <m:r>
-                                            <a:rPr lang="en-US" sz="3900" b="0" i="1" smtClean="0">
-                                              <a:latin typeface="Cambria Math" panose="02040503050406030204" pitchFamily="18" charset="0"/>
-                                            </a:rPr>
-                                            <m:t>′</m:t>
-                                          </m:r>
-                                        </m:sup>
-                                      </m:sSup>
-                                    </m:e>
-                                  </m:d>
-                                  <m:f>
-                                    <m:fPr>
-                                      <m:ctrlPr>
-                                        <a:rPr lang="en-US" sz="3900" b="0" i="1" smtClean="0">
-                                          <a:latin typeface="Cambria Math" panose="02040503050406030204" pitchFamily="18" charset="0"/>
-                                        </a:rPr>
-                                      </m:ctrlPr>
-                                    </m:fPr>
-                                    <m:num>
-                                      <m:r>
-                                        <a:rPr lang="en-US" sz="3900" b="0" i="1" smtClean="0">
-                                          <a:latin typeface="Cambria Math" panose="02040503050406030204" pitchFamily="18" charset="0"/>
-                                        </a:rPr>
-                                        <m:t>𝜕</m:t>
-                                      </m:r>
-                                      <m:r>
-                                        <a:rPr lang="en-US" sz="3900" b="0" i="1" smtClean="0">
-                                          <a:latin typeface="Cambria Math" panose="02040503050406030204" pitchFamily="18" charset="0"/>
-                                        </a:rPr>
-                                        <m:t>h</m:t>
-                                      </m:r>
-                                      <m:d>
-                                        <m:dPr>
-                                          <m:ctrlPr>
-                                            <a:rPr lang="en-US" sz="3900" b="0" i="1" smtClean="0">
-                                              <a:latin typeface="Cambria Math" panose="02040503050406030204" pitchFamily="18" charset="0"/>
-                                            </a:rPr>
-                                          </m:ctrlPr>
-                                        </m:dPr>
-                                        <m:e>
-                                          <m:sSup>
-                                            <m:sSupPr>
-                                              <m:ctrlPr>
-                                                <a:rPr lang="en-US" sz="3900" b="0" i="1" smtClean="0">
-                                                  <a:latin typeface="Cambria Math" panose="02040503050406030204" pitchFamily="18" charset="0"/>
-                                                </a:rPr>
-                                              </m:ctrlPr>
-                                            </m:sSupPr>
-                                            <m:e>
-                                              <m:r>
-                                                <a:rPr lang="en-US" sz="3900" b="0" i="1" smtClean="0">
-                                                  <a:latin typeface="Cambria Math" panose="02040503050406030204" pitchFamily="18" charset="0"/>
-                                                </a:rPr>
-                                                <m:t>𝑥</m:t>
-                                              </m:r>
-                                            </m:e>
-                                            <m:sup>
-                                              <m:r>
-                                                <a:rPr lang="en-US" sz="3900" b="0" i="1" smtClean="0">
-                                                  <a:latin typeface="Cambria Math" panose="02040503050406030204" pitchFamily="18" charset="0"/>
-                                                </a:rPr>
-                                                <m:t>′</m:t>
-                                              </m:r>
-                                            </m:sup>
-                                          </m:sSup>
-                                          <m:r>
-                                            <a:rPr lang="en-US" sz="3900" b="0" i="1" smtClean="0">
-                                              <a:latin typeface="Cambria Math" panose="02040503050406030204" pitchFamily="18" charset="0"/>
-                                            </a:rPr>
-                                            <m:t>;</m:t>
-                                          </m:r>
-                                          <m:r>
-                                            <a:rPr lang="en-US" sz="3900" b="1" i="1" smtClean="0">
-                                              <a:latin typeface="Cambria Math" panose="02040503050406030204" pitchFamily="18" charset="0"/>
-                                              <a:ea typeface="Cambria Math" panose="02040503050406030204" pitchFamily="18" charset="0"/>
-                                            </a:rPr>
-                                            <m:t>𝜽</m:t>
-                                          </m:r>
-                                        </m:e>
-                                      </m:d>
-                                    </m:num>
-                                    <m:den>
-                                      <m:r>
-                                        <a:rPr lang="en-US" sz="3900" b="0" i="1" smtClean="0">
-                                          <a:latin typeface="Cambria Math" panose="02040503050406030204" pitchFamily="18" charset="0"/>
-                                        </a:rPr>
-                                        <m:t>𝜕</m:t>
-                                      </m:r>
-                                      <m:sSub>
-                                        <m:sSubPr>
-                                          <m:ctrlPr>
-                                            <a:rPr lang="en-US" sz="3900" b="0" i="1" smtClean="0">
-                                              <a:latin typeface="Cambria Math" panose="02040503050406030204" pitchFamily="18" charset="0"/>
-                                            </a:rPr>
-                                          </m:ctrlPr>
-                                        </m:sSubPr>
-                                        <m:e>
-                                          <m:r>
-                                            <a:rPr lang="en-US" sz="3900" b="0" i="1" smtClean="0">
-                                              <a:latin typeface="Cambria Math" panose="02040503050406030204" pitchFamily="18" charset="0"/>
-                                              <a:ea typeface="Cambria Math" panose="02040503050406030204" pitchFamily="18" charset="0"/>
-                                            </a:rPr>
-                                            <m:t>𝜃</m:t>
-                                          </m:r>
-                                        </m:e>
-                                        <m:sub>
-                                          <m:r>
-                                            <a:rPr lang="en-US" sz="3900" b="0" i="1" smtClean="0">
-                                              <a:latin typeface="Cambria Math" panose="02040503050406030204" pitchFamily="18" charset="0"/>
-                                            </a:rPr>
-                                            <m:t>𝑖</m:t>
-                                          </m:r>
-                                        </m:sub>
-                                      </m:sSub>
-                                    </m:den>
-                                  </m:f>
-                                </m:e>
-                              </m:d>
-                            </m:e>
-                          </m:nary>
-                          <m:r>
-                            <a:rPr lang="en-US" sz="3900" b="0" i="1" smtClean="0">
-                              <a:latin typeface="Cambria Math" panose="02040503050406030204" pitchFamily="18" charset="0"/>
-                              <a:ea typeface="Cambria Math" panose="02040503050406030204" pitchFamily="18" charset="0"/>
-                            </a:rPr>
-                            <m:t>−</m:t>
-                          </m:r>
-                          <m:sSub>
-                            <m:sSubPr>
-                              <m:ctrlPr>
-                                <a:rPr lang="en-US" sz="3900" b="0" i="1" smtClean="0">
-                                  <a:latin typeface="Cambria Math" panose="02040503050406030204" pitchFamily="18" charset="0"/>
-                                  <a:ea typeface="Cambria Math" panose="02040503050406030204" pitchFamily="18" charset="0"/>
-                                </a:rPr>
-                              </m:ctrlPr>
-                            </m:sSubPr>
-                            <m:e>
-                              <m:r>
-                                <a:rPr lang="en-US" sz="3900" b="0" i="1" smtClean="0">
-                                  <a:latin typeface="Cambria Math" panose="02040503050406030204" pitchFamily="18" charset="0"/>
-                                  <a:ea typeface="Cambria Math" panose="02040503050406030204" pitchFamily="18" charset="0"/>
-                                </a:rPr>
-                                <m:t>𝐸</m:t>
-                              </m:r>
-                            </m:e>
-                            <m:sub>
-                              <m:sSup>
-                                <m:sSupPr>
-                                  <m:ctrlPr>
-                                    <a:rPr lang="en-US" sz="3900" b="0" i="1" smtClean="0">
-                                      <a:latin typeface="Cambria Math" panose="02040503050406030204" pitchFamily="18" charset="0"/>
-                                      <a:ea typeface="Cambria Math" panose="02040503050406030204" pitchFamily="18" charset="0"/>
-                                    </a:rPr>
-                                  </m:ctrlPr>
-                                </m:sSupPr>
-                                <m:e>
-                                  <m:r>
-                                    <a:rPr lang="en-US" sz="3900" b="0" i="1" smtClean="0">
-                                      <a:latin typeface="Cambria Math" panose="02040503050406030204" pitchFamily="18" charset="0"/>
-                                      <a:ea typeface="Cambria Math" panose="02040503050406030204" pitchFamily="18" charset="0"/>
-                                    </a:rPr>
-                                    <m:t>𝜋</m:t>
-                                  </m:r>
-                                </m:e>
-                                <m:sup>
-                                  <m:r>
-                                    <a:rPr lang="en-US" sz="3900" b="0" i="1" smtClean="0">
-                                      <a:latin typeface="Cambria Math" panose="02040503050406030204" pitchFamily="18" charset="0"/>
-                                      <a:ea typeface="Cambria Math" panose="02040503050406030204" pitchFamily="18" charset="0"/>
-                                    </a:rPr>
-                                    <m:t>∗</m:t>
-                                  </m:r>
-                                </m:sup>
-                              </m:sSup>
-                              <m:d>
-                                <m:dPr>
-                                  <m:ctrlPr>
-                                    <a:rPr lang="en-US" sz="3900" b="0" i="1" smtClean="0">
-                                      <a:latin typeface="Cambria Math" panose="02040503050406030204" pitchFamily="18" charset="0"/>
-                                      <a:ea typeface="Cambria Math" panose="02040503050406030204" pitchFamily="18" charset="0"/>
-                                    </a:rPr>
-                                  </m:ctrlPr>
-                                </m:dPr>
-                                <m:e>
-                                  <m:sSup>
-                                    <m:sSupPr>
-                                      <m:ctrlPr>
-                                        <a:rPr lang="en-US" sz="3900" b="0" i="1" smtClean="0">
-                                          <a:latin typeface="Cambria Math" panose="02040503050406030204" pitchFamily="18" charset="0"/>
-                                          <a:ea typeface="Cambria Math" panose="02040503050406030204" pitchFamily="18" charset="0"/>
-                                        </a:rPr>
-                                      </m:ctrlPr>
-                                    </m:sSupPr>
-                                    <m:e>
-                                      <m:r>
-                                        <a:rPr lang="en-US" sz="3900" b="0" i="1" smtClean="0">
-                                          <a:latin typeface="Cambria Math" panose="02040503050406030204" pitchFamily="18" charset="0"/>
-                                          <a:ea typeface="Cambria Math" panose="02040503050406030204" pitchFamily="18" charset="0"/>
-                                        </a:rPr>
-                                        <m:t>𝑥</m:t>
-                                      </m:r>
-                                    </m:e>
-                                    <m:sup>
-                                      <m:r>
-                                        <a:rPr lang="en-US" sz="3900" b="0" i="1" smtClean="0">
-                                          <a:latin typeface="Cambria Math" panose="02040503050406030204" pitchFamily="18" charset="0"/>
-                                          <a:ea typeface="Cambria Math" panose="02040503050406030204" pitchFamily="18" charset="0"/>
-                                        </a:rPr>
-                                        <m:t>′</m:t>
-                                      </m:r>
-                                    </m:sup>
-                                  </m:sSup>
-                                </m:e>
-                                <m:e>
-                                  <m:r>
-                                    <a:rPr lang="en-US" sz="3900" b="0" i="1" smtClean="0">
-                                      <a:latin typeface="Cambria Math" panose="02040503050406030204" pitchFamily="18" charset="0"/>
-                                      <a:ea typeface="Cambria Math" panose="02040503050406030204" pitchFamily="18" charset="0"/>
-                                    </a:rPr>
-                                    <m:t>∙</m:t>
-                                  </m:r>
-                                </m:e>
-                              </m:d>
-                            </m:sub>
-                          </m:sSub>
-                          <m:d>
-                            <m:dPr>
-                              <m:begChr m:val="["/>
-                              <m:endChr m:val="]"/>
-                              <m:ctrlPr>
-                                <a:rPr lang="en-US" sz="3900" b="0" i="1" smtClean="0">
-                                  <a:latin typeface="Cambria Math" panose="02040503050406030204" pitchFamily="18" charset="0"/>
-                                  <a:ea typeface="Cambria Math" panose="02040503050406030204" pitchFamily="18" charset="0"/>
-                                </a:rPr>
-                              </m:ctrlPr>
-                            </m:dPr>
-                            <m:e>
-                              <m:f>
-                                <m:fPr>
-                                  <m:ctrlPr>
-                                    <a:rPr lang="en-US" sz="3900" b="0" i="1" smtClean="0">
-                                      <a:latin typeface="Cambria Math" panose="02040503050406030204" pitchFamily="18" charset="0"/>
-                                      <a:ea typeface="Cambria Math" panose="02040503050406030204" pitchFamily="18" charset="0"/>
-                                    </a:rPr>
-                                  </m:ctrlPr>
-                                </m:fPr>
-                                <m:num>
-                                  <m:r>
-                                    <a:rPr lang="en-US" sz="3900" b="0" i="1" smtClean="0">
-                                      <a:latin typeface="Cambria Math" panose="02040503050406030204" pitchFamily="18" charset="0"/>
-                                      <a:ea typeface="Cambria Math" panose="02040503050406030204" pitchFamily="18" charset="0"/>
-                                    </a:rPr>
-                                    <m:t>𝜕</m:t>
-                                  </m:r>
-                                  <m:r>
-                                    <a:rPr lang="en-US" sz="3900" b="0" i="1" smtClean="0">
-                                      <a:latin typeface="Cambria Math" panose="02040503050406030204" pitchFamily="18" charset="0"/>
-                                      <a:ea typeface="Cambria Math" panose="02040503050406030204" pitchFamily="18" charset="0"/>
-                                    </a:rPr>
-                                    <m:t>h</m:t>
-                                  </m:r>
-                                  <m:d>
-                                    <m:dPr>
-                                      <m:ctrlPr>
-                                        <a:rPr lang="en-US" sz="3900" b="0" i="1" smtClean="0">
-                                          <a:latin typeface="Cambria Math" panose="02040503050406030204" pitchFamily="18" charset="0"/>
-                                          <a:ea typeface="Cambria Math" panose="02040503050406030204" pitchFamily="18" charset="0"/>
-                                        </a:rPr>
-                                      </m:ctrlPr>
-                                    </m:dPr>
-                                    <m:e>
-                                      <m:sSup>
-                                        <m:sSupPr>
-                                          <m:ctrlPr>
-                                            <a:rPr lang="en-US" sz="3900" b="0" i="1" smtClean="0">
-                                              <a:latin typeface="Cambria Math" panose="02040503050406030204" pitchFamily="18" charset="0"/>
-                                              <a:ea typeface="Cambria Math" panose="02040503050406030204" pitchFamily="18" charset="0"/>
-                                            </a:rPr>
-                                          </m:ctrlPr>
-                                        </m:sSupPr>
-                                        <m:e>
-                                          <m:r>
-                                            <a:rPr lang="en-US" sz="3900" b="0" i="1" smtClean="0">
-                                              <a:latin typeface="Cambria Math" panose="02040503050406030204" pitchFamily="18" charset="0"/>
-                                              <a:ea typeface="Cambria Math" panose="02040503050406030204" pitchFamily="18" charset="0"/>
-                                            </a:rPr>
-                                            <m:t>𝑥</m:t>
-                                          </m:r>
-                                        </m:e>
-                                        <m:sup>
-                                          <m:r>
-                                            <a:rPr lang="en-US" sz="3900" b="0" i="1" smtClean="0">
-                                              <a:latin typeface="Cambria Math" panose="02040503050406030204" pitchFamily="18" charset="0"/>
-                                              <a:ea typeface="Cambria Math" panose="02040503050406030204" pitchFamily="18" charset="0"/>
-                                            </a:rPr>
-                                            <m:t>′</m:t>
-                                          </m:r>
-                                        </m:sup>
-                                      </m:sSup>
-                                      <m:r>
-                                        <a:rPr lang="en-US" sz="3900" b="0" i="1" smtClean="0">
-                                          <a:latin typeface="Cambria Math" panose="02040503050406030204" pitchFamily="18" charset="0"/>
-                                          <a:ea typeface="Cambria Math" panose="02040503050406030204" pitchFamily="18" charset="0"/>
-                                        </a:rPr>
-                                        <m:t>;</m:t>
-                                      </m:r>
-                                      <m:r>
-                                        <a:rPr lang="en-US" sz="3900" b="1" i="1" smtClean="0">
-                                          <a:latin typeface="Cambria Math" panose="02040503050406030204" pitchFamily="18" charset="0"/>
-                                          <a:ea typeface="Cambria Math" panose="02040503050406030204" pitchFamily="18" charset="0"/>
-                                        </a:rPr>
-                                        <m:t>𝜽</m:t>
-                                      </m:r>
-                                    </m:e>
-                                  </m:d>
-                                </m:num>
-                                <m:den>
-                                  <m:r>
-                                    <a:rPr lang="en-US" sz="3900" b="0" i="1" smtClean="0">
-                                      <a:latin typeface="Cambria Math" panose="02040503050406030204" pitchFamily="18" charset="0"/>
-                                      <a:ea typeface="Cambria Math" panose="02040503050406030204" pitchFamily="18" charset="0"/>
-                                    </a:rPr>
-                                    <m:t>𝜕</m:t>
-                                  </m:r>
-                                  <m:sSub>
-                                    <m:sSubPr>
-                                      <m:ctrlPr>
-                                        <a:rPr lang="en-US" sz="3900" b="0" i="1" smtClean="0">
-                                          <a:latin typeface="Cambria Math" panose="02040503050406030204" pitchFamily="18" charset="0"/>
-                                          <a:ea typeface="Cambria Math" panose="02040503050406030204" pitchFamily="18" charset="0"/>
-                                        </a:rPr>
-                                      </m:ctrlPr>
-                                    </m:sSubPr>
-                                    <m:e>
-                                      <m:r>
-                                        <a:rPr lang="en-US" sz="3900" b="0" i="1" smtClean="0">
-                                          <a:latin typeface="Cambria Math" panose="02040503050406030204" pitchFamily="18" charset="0"/>
-                                          <a:ea typeface="Cambria Math" panose="02040503050406030204" pitchFamily="18" charset="0"/>
-                                        </a:rPr>
-                                        <m:t>𝜃</m:t>
-                                      </m:r>
-                                    </m:e>
-                                    <m:sub>
-                                      <m:r>
-                                        <a:rPr lang="en-US" sz="3900" b="0" i="1" smtClean="0">
-                                          <a:latin typeface="Cambria Math" panose="02040503050406030204" pitchFamily="18" charset="0"/>
-                                          <a:ea typeface="Cambria Math" panose="02040503050406030204" pitchFamily="18" charset="0"/>
-                                        </a:rPr>
-                                        <m:t>𝑖</m:t>
-                                      </m:r>
-                                    </m:sub>
-                                  </m:sSub>
-                                </m:den>
-                              </m:f>
-                            </m:e>
-                            <m:e>
-                              <m:r>
-                                <a:rPr lang="en-US" sz="3900" b="0" i="1" smtClean="0">
-                                  <a:latin typeface="Cambria Math" panose="02040503050406030204" pitchFamily="18" charset="0"/>
-                                  <a:ea typeface="Cambria Math" panose="02040503050406030204" pitchFamily="18" charset="0"/>
-                                </a:rPr>
-                                <m:t>𝑏</m:t>
-                              </m:r>
-                              <m:d>
-                                <m:dPr>
-                                  <m:ctrlPr>
-                                    <a:rPr lang="en-US" sz="3900" b="0" i="1" smtClean="0">
-                                      <a:latin typeface="Cambria Math" panose="02040503050406030204" pitchFamily="18" charset="0"/>
-                                      <a:ea typeface="Cambria Math" panose="02040503050406030204" pitchFamily="18" charset="0"/>
-                                    </a:rPr>
-                                  </m:ctrlPr>
-                                </m:dPr>
-                                <m:e>
-                                  <m:r>
-                                    <a:rPr lang="en-US" sz="3900" b="0" i="1" smtClean="0">
-                                      <a:latin typeface="Cambria Math" panose="02040503050406030204" pitchFamily="18" charset="0"/>
-                                      <a:ea typeface="Cambria Math" panose="02040503050406030204" pitchFamily="18" charset="0"/>
-                                    </a:rPr>
-                                    <m:t>∙</m:t>
-                                  </m:r>
-                                </m:e>
-                              </m:d>
-                            </m:e>
-                          </m:d>
-                          <m:r>
-                            <a:rPr lang="en-US" sz="3900" b="0" i="1" smtClean="0">
-                              <a:latin typeface="Cambria Math" panose="02040503050406030204" pitchFamily="18" charset="0"/>
-                            </a:rPr>
-                            <m:t>+</m:t>
-                          </m:r>
-                          <m:r>
-                            <a:rPr lang="en-US" sz="3900" b="0" i="1" smtClean="0">
-                              <a:latin typeface="Cambria Math" panose="02040503050406030204" pitchFamily="18" charset="0"/>
-                              <a:ea typeface="Cambria Math" panose="02040503050406030204" pitchFamily="18" charset="0"/>
-                            </a:rPr>
-                            <m:t>𝜆</m:t>
-                          </m:r>
-                          <m:f>
-                            <m:fPr>
-                              <m:ctrlPr>
-                                <a:rPr lang="en-US" sz="3900" b="0" i="1" smtClean="0">
-                                  <a:latin typeface="Cambria Math" panose="02040503050406030204" pitchFamily="18" charset="0"/>
-                                  <a:ea typeface="Cambria Math" panose="02040503050406030204" pitchFamily="18" charset="0"/>
-                                </a:rPr>
-                              </m:ctrlPr>
-                            </m:fPr>
-                            <m:num>
-                              <m:r>
-                                <a:rPr lang="en-US" sz="3900" b="0" i="1" smtClean="0">
-                                  <a:latin typeface="Cambria Math" panose="02040503050406030204" pitchFamily="18" charset="0"/>
-                                  <a:ea typeface="Cambria Math" panose="02040503050406030204" pitchFamily="18" charset="0"/>
-                                </a:rPr>
-                                <m:t>𝜕</m:t>
-                              </m:r>
-                              <m:r>
-                                <a:rPr lang="en-US" sz="3900" b="0" i="1" smtClean="0">
-                                  <a:latin typeface="Cambria Math" panose="02040503050406030204" pitchFamily="18" charset="0"/>
-                                  <a:ea typeface="Cambria Math" panose="02040503050406030204" pitchFamily="18" charset="0"/>
-                                </a:rPr>
-                                <m:t>𝑔</m:t>
-                              </m:r>
-                              <m:d>
-                                <m:dPr>
-                                  <m:ctrlPr>
-                                    <a:rPr lang="en-US" sz="3900" b="0" i="1" smtClean="0">
-                                      <a:latin typeface="Cambria Math" panose="02040503050406030204" pitchFamily="18" charset="0"/>
-                                      <a:ea typeface="Cambria Math" panose="02040503050406030204" pitchFamily="18" charset="0"/>
-                                    </a:rPr>
-                                  </m:ctrlPr>
-                                </m:dPr>
-                                <m:e>
-                                  <m:r>
-                                    <a:rPr lang="en-US" sz="3900" b="1" i="1" smtClean="0">
-                                      <a:latin typeface="Cambria Math" panose="02040503050406030204" pitchFamily="18" charset="0"/>
-                                      <a:ea typeface="Cambria Math" panose="02040503050406030204" pitchFamily="18" charset="0"/>
-                                    </a:rPr>
-                                    <m:t>𝜽</m:t>
-                                  </m:r>
-                                </m:e>
-                              </m:d>
-                            </m:num>
-                            <m:den>
-                              <m:r>
-                                <a:rPr lang="en-US" sz="3900" b="0" i="1" smtClean="0">
-                                  <a:latin typeface="Cambria Math" panose="02040503050406030204" pitchFamily="18" charset="0"/>
-                                  <a:ea typeface="Cambria Math" panose="02040503050406030204" pitchFamily="18" charset="0"/>
-                                </a:rPr>
-                                <m:t>𝜕</m:t>
-                              </m:r>
-                              <m:sSub>
-                                <m:sSubPr>
-                                  <m:ctrlPr>
-                                    <a:rPr lang="en-US" sz="3900" b="0" i="1" smtClean="0">
-                                      <a:latin typeface="Cambria Math" panose="02040503050406030204" pitchFamily="18" charset="0"/>
-                                      <a:ea typeface="Cambria Math" panose="02040503050406030204" pitchFamily="18" charset="0"/>
-                                    </a:rPr>
-                                  </m:ctrlPr>
-                                </m:sSubPr>
-                                <m:e>
-                                  <m:r>
-                                    <a:rPr lang="en-US" sz="3900" b="0" i="1" smtClean="0">
-                                      <a:latin typeface="Cambria Math" panose="02040503050406030204" pitchFamily="18" charset="0"/>
-                                      <a:ea typeface="Cambria Math" panose="02040503050406030204" pitchFamily="18" charset="0"/>
-                                    </a:rPr>
-                                    <m:t>𝜃</m:t>
-                                  </m:r>
-                                </m:e>
-                                <m:sub>
-                                  <m:r>
-                                    <a:rPr lang="en-US" sz="3900" b="0" i="1" smtClean="0">
-                                      <a:latin typeface="Cambria Math" panose="02040503050406030204" pitchFamily="18" charset="0"/>
-                                      <a:ea typeface="Cambria Math" panose="02040503050406030204" pitchFamily="18" charset="0"/>
-                                    </a:rPr>
-                                    <m:t>𝑖</m:t>
-                                  </m:r>
-                                </m:sub>
-                              </m:sSub>
-                            </m:den>
-                          </m:f>
-                        </m:e>
-                      </m:d>
-                    </m:oMath>
-                  </m:oMathPara>
-                </a14:m>
-                <a:endParaRPr lang="en-US" sz="3900" dirty="0"/>
-              </a:p>
-              <a:p>
-                <a:pPr marL="0" indent="0">
-                  <a:buNone/>
-                </a:pPr>
-                <a:endParaRPr lang="en-US" dirty="0"/>
-              </a:p>
-            </p:txBody>
-          </p:sp>
-        </mc:Choice>
-        <mc:Fallback xmlns="">
-          <p:sp>
-            <p:nvSpPr>
-              <p:cNvPr id="3" name="Content Placeholder 2">
-                <a:extLst>
-                  <a:ext uri="{FF2B5EF4-FFF2-40B4-BE49-F238E27FC236}">
-                    <a16:creationId xmlns:a16="http://schemas.microsoft.com/office/drawing/2014/main" id="{CBBAC521-9E8E-0CE0-84DA-DBEB70A5A320}"/>
-                  </a:ext>
-                </a:extLst>
-              </p:cNvPr>
-              <p:cNvSpPr>
-                <a:spLocks noGrp="1" noRot="1" noChangeAspect="1" noMove="1" noResize="1" noEditPoints="1" noAdjustHandles="1" noChangeArrowheads="1" noChangeShapeType="1" noTextEdit="1"/>
-              </p:cNvSpPr>
-              <p:nvPr>
-                <p:ph idx="1"/>
-              </p:nvPr>
-            </p:nvSpPr>
-            <p:spPr>
-              <a:xfrm>
-                <a:off x="0" y="0"/>
-                <a:ext cx="12192000" cy="6858000"/>
-              </a:xfrm>
-              <a:blipFill>
-                <a:blip r:embed="rId2"/>
-                <a:stretch>
-                  <a:fillRect l="-12383" t="-33704" b="-40185"/>
-                </a:stretch>
-              </a:blipFill>
-            </p:spPr>
-            <p:txBody>
-              <a:bodyPr/>
-              <a:lstStyle/>
-              <a:p>
-                <a:r>
-                  <a:rPr lang="en-US">
-                    <a:noFill/>
-                  </a:rPr>
-                  <a:t> </a:t>
-                </a:r>
-              </a:p>
-            </p:txBody>
-          </p:sp>
-        </mc:Fallback>
-      </mc:AlternateContent>
-    </p:spTree>
-    <p:extLst>
-      <p:ext uri="{BB962C8B-B14F-4D97-AF65-F5344CB8AC3E}">
-        <p14:creationId xmlns:p14="http://schemas.microsoft.com/office/powerpoint/2010/main" val="3647867189"/>
-      </p:ext>
-    </p:extLst>
-  </p:cSld>
-  <p:clrMapOvr>
-    <a:masterClrMapping/>
-  </p:clrMapOvr>
-</p:sld>
-</file>
-
 <file path=ppt/theme/theme1.xml><?xml version="1.0" encoding="utf-8"?>
 <a:theme xmlns:a="http://schemas.openxmlformats.org/drawingml/2006/main" name="Office Theme">
   <a:themeElements>

--- a/research/loren/rel_eqs_1.pptx
+++ b/research/loren/rel_eqs_1.pptx
@@ -15,9 +15,11 @@
     <p:sldId id="403" r:id="rId9"/>
     <p:sldId id="404" r:id="rId10"/>
     <p:sldId id="347" r:id="rId11"/>
-    <p:sldId id="406" r:id="rId12"/>
-    <p:sldId id="407" r:id="rId13"/>
-    <p:sldId id="402" r:id="rId14"/>
+    <p:sldId id="411" r:id="rId12"/>
+    <p:sldId id="412" r:id="rId13"/>
+    <p:sldId id="406" r:id="rId14"/>
+    <p:sldId id="407" r:id="rId15"/>
+    <p:sldId id="402" r:id="rId16"/>
   </p:sldIdLst>
   <p:sldSz cx="12192000" cy="6858000"/>
   <p:notesSz cx="6858000" cy="9144000"/>
@@ -271,7 +273,7 @@
           <a:p>
             <a:fld id="{B0BC44D8-6780-8842-9AA8-9D4F98CE5545}" type="datetimeFigureOut">
               <a:rPr lang="en-US" smtClean="0"/>
-              <a:t>3/28/24</a:t>
+              <a:t>4/10/24</a:t>
             </a:fld>
             <a:endParaRPr lang="en-US"/>
           </a:p>
@@ -469,7 +471,7 @@
           <a:p>
             <a:fld id="{B0BC44D8-6780-8842-9AA8-9D4F98CE5545}" type="datetimeFigureOut">
               <a:rPr lang="en-US" smtClean="0"/>
-              <a:t>3/28/24</a:t>
+              <a:t>4/10/24</a:t>
             </a:fld>
             <a:endParaRPr lang="en-US"/>
           </a:p>
@@ -677,7 +679,7 @@
           <a:p>
             <a:fld id="{B0BC44D8-6780-8842-9AA8-9D4F98CE5545}" type="datetimeFigureOut">
               <a:rPr lang="en-US" smtClean="0"/>
-              <a:t>3/28/24</a:t>
+              <a:t>4/10/24</a:t>
             </a:fld>
             <a:endParaRPr lang="en-US"/>
           </a:p>
@@ -875,7 +877,7 @@
           <a:p>
             <a:fld id="{B0BC44D8-6780-8842-9AA8-9D4F98CE5545}" type="datetimeFigureOut">
               <a:rPr lang="en-US" smtClean="0"/>
-              <a:t>3/28/24</a:t>
+              <a:t>4/10/24</a:t>
             </a:fld>
             <a:endParaRPr lang="en-US"/>
           </a:p>
@@ -1150,7 +1152,7 @@
           <a:p>
             <a:fld id="{B0BC44D8-6780-8842-9AA8-9D4F98CE5545}" type="datetimeFigureOut">
               <a:rPr lang="en-US" smtClean="0"/>
-              <a:t>3/28/24</a:t>
+              <a:t>4/10/24</a:t>
             </a:fld>
             <a:endParaRPr lang="en-US"/>
           </a:p>
@@ -1415,7 +1417,7 @@
           <a:p>
             <a:fld id="{B0BC44D8-6780-8842-9AA8-9D4F98CE5545}" type="datetimeFigureOut">
               <a:rPr lang="en-US" smtClean="0"/>
-              <a:t>3/28/24</a:t>
+              <a:t>4/10/24</a:t>
             </a:fld>
             <a:endParaRPr lang="en-US"/>
           </a:p>
@@ -1827,7 +1829,7 @@
           <a:p>
             <a:fld id="{B0BC44D8-6780-8842-9AA8-9D4F98CE5545}" type="datetimeFigureOut">
               <a:rPr lang="en-US" smtClean="0"/>
-              <a:t>3/28/24</a:t>
+              <a:t>4/10/24</a:t>
             </a:fld>
             <a:endParaRPr lang="en-US"/>
           </a:p>
@@ -1968,7 +1970,7 @@
           <a:p>
             <a:fld id="{B0BC44D8-6780-8842-9AA8-9D4F98CE5545}" type="datetimeFigureOut">
               <a:rPr lang="en-US" smtClean="0"/>
-              <a:t>3/28/24</a:t>
+              <a:t>4/10/24</a:t>
             </a:fld>
             <a:endParaRPr lang="en-US"/>
           </a:p>
@@ -2081,7 +2083,7 @@
           <a:p>
             <a:fld id="{B0BC44D8-6780-8842-9AA8-9D4F98CE5545}" type="datetimeFigureOut">
               <a:rPr lang="en-US" smtClean="0"/>
-              <a:t>3/28/24</a:t>
+              <a:t>4/10/24</a:t>
             </a:fld>
             <a:endParaRPr lang="en-US"/>
           </a:p>
@@ -2392,7 +2394,7 @@
           <a:p>
             <a:fld id="{B0BC44D8-6780-8842-9AA8-9D4F98CE5545}" type="datetimeFigureOut">
               <a:rPr lang="en-US" smtClean="0"/>
-              <a:t>3/28/24</a:t>
+              <a:t>4/10/24</a:t>
             </a:fld>
             <a:endParaRPr lang="en-US"/>
           </a:p>
@@ -2680,7 +2682,7 @@
           <a:p>
             <a:fld id="{B0BC44D8-6780-8842-9AA8-9D4F98CE5545}" type="datetimeFigureOut">
               <a:rPr lang="en-US" smtClean="0"/>
-              <a:t>3/28/24</a:t>
+              <a:t>4/10/24</a:t>
             </a:fld>
             <a:endParaRPr lang="en-US"/>
           </a:p>
@@ -2921,7 +2923,7 @@
           <a:p>
             <a:fld id="{B0BC44D8-6780-8842-9AA8-9D4F98CE5545}" type="datetimeFigureOut">
               <a:rPr lang="en-US" smtClean="0"/>
-              <a:t>3/28/24</a:t>
+              <a:t>4/10/24</a:t>
             </a:fld>
             <a:endParaRPr lang="en-US"/>
           </a:p>
@@ -3422,8 +3424,8 @@
           <a:chExt cx="0" cy="0"/>
         </a:xfrm>
       </p:grpSpPr>
-      <mc:AlternateContent xmlns:mc="http://schemas.openxmlformats.org/markup-compatibility/2006" xmlns:a14="http://schemas.microsoft.com/office/drawing/2010/main">
-        <mc:Choice Requires="a14">
+      <mc:AlternateContent xmlns:mc="http://schemas.openxmlformats.org/markup-compatibility/2006">
+        <mc:Choice xmlns:a14="http://schemas.microsoft.com/office/drawing/2010/main" Requires="a14">
           <p:sp>
             <p:nvSpPr>
               <p:cNvPr id="3" name="Content Placeholder 2">
@@ -3448,7 +3450,7 @@
             </p:spPr>
             <p:txBody>
               <a:bodyPr>
-                <a:normAutofit/>
+                <a:normAutofit fontScale="85000" lnSpcReduction="10000"/>
               </a:bodyPr>
               <a:lstStyle/>
               <a:p>
@@ -3547,42 +3549,199 @@
                         </a:rPr>
                         <m:t>=</m:t>
                       </m:r>
-                      <m:f>
-                        <m:fPr>
+                      <m:nary>
+                        <m:naryPr>
+                          <m:chr m:val="∑"/>
+                          <m:supHide m:val="on"/>
                           <m:ctrlPr>
                             <a:rPr lang="en-US" sz="3900" b="0" i="1" smtClean="0">
                               <a:latin typeface="Cambria Math" panose="02040503050406030204" pitchFamily="18" charset="0"/>
                             </a:rPr>
                           </m:ctrlPr>
-                        </m:fPr>
-                        <m:num>
+                        </m:naryPr>
+                        <m:sub>
+                          <m:sSup>
+                            <m:sSupPr>
+                              <m:ctrlPr>
+                                <a:rPr lang="en-US" sz="3900" b="0" i="1" smtClean="0">
+                                  <a:latin typeface="Cambria Math" panose="02040503050406030204" pitchFamily="18" charset="0"/>
+                                </a:rPr>
+                              </m:ctrlPr>
+                            </m:sSupPr>
+                            <m:e>
+                              <m:r>
+                                <a:rPr lang="en-US" sz="3900" b="0" i="1" smtClean="0">
+                                  <a:latin typeface="Cambria Math" panose="02040503050406030204" pitchFamily="18" charset="0"/>
+                                </a:rPr>
+                                <m:t>𝑥</m:t>
+                              </m:r>
+                            </m:e>
+                            <m:sup>
+                              <m:r>
+                                <a:rPr lang="en-US" sz="3900" b="0" i="1" smtClean="0">
+                                  <a:latin typeface="Cambria Math" panose="02040503050406030204" pitchFamily="18" charset="0"/>
+                                </a:rPr>
+                                <m:t>′</m:t>
+                              </m:r>
+                            </m:sup>
+                          </m:sSup>
+                        </m:sub>
+                        <m:sup/>
+                        <m:e>
                           <m:r>
                             <a:rPr lang="en-US" sz="3900" b="0" i="1" smtClean="0">
                               <a:latin typeface="Cambria Math" panose="02040503050406030204" pitchFamily="18" charset="0"/>
                             </a:rPr>
-                            <m:t>1</m:t>
+                            <m:t>𝑎</m:t>
                           </m:r>
-                        </m:num>
-                        <m:den>
+                          <m:d>
+                            <m:dPr>
+                              <m:ctrlPr>
+                                <a:rPr lang="en-US" sz="3900" b="0" i="1" smtClean="0">
+                                  <a:latin typeface="Cambria Math" panose="02040503050406030204" pitchFamily="18" charset="0"/>
+                                </a:rPr>
+                              </m:ctrlPr>
+                            </m:dPr>
+                            <m:e>
+                              <m:sSup>
+                                <m:sSupPr>
+                                  <m:ctrlPr>
+                                    <a:rPr lang="en-US" sz="3900" b="0" i="1" smtClean="0">
+                                      <a:latin typeface="Cambria Math" panose="02040503050406030204" pitchFamily="18" charset="0"/>
+                                    </a:rPr>
+                                  </m:ctrlPr>
+                                </m:sSupPr>
+                                <m:e>
+                                  <m:r>
+                                    <a:rPr lang="en-US" sz="3900" b="0" i="1" smtClean="0">
+                                      <a:latin typeface="Cambria Math" panose="02040503050406030204" pitchFamily="18" charset="0"/>
+                                    </a:rPr>
+                                    <m:t>𝑥</m:t>
+                                  </m:r>
+                                </m:e>
+                                <m:sup>
+                                  <m:r>
+                                    <a:rPr lang="en-US" sz="3900" b="0" i="1" smtClean="0">
+                                      <a:latin typeface="Cambria Math" panose="02040503050406030204" pitchFamily="18" charset="0"/>
+                                    </a:rPr>
+                                    <m:t>′</m:t>
+                                  </m:r>
+                                </m:sup>
+                              </m:sSup>
+                            </m:e>
+                          </m:d>
+                          <m:f>
+                            <m:fPr>
+                              <m:ctrlPr>
+                                <a:rPr lang="en-US" sz="3900" b="0" i="1" smtClean="0">
+                                  <a:latin typeface="Cambria Math" panose="02040503050406030204" pitchFamily="18" charset="0"/>
+                                </a:rPr>
+                              </m:ctrlPr>
+                            </m:fPr>
+                            <m:num>
+                              <m:r>
+                                <a:rPr lang="en-US" sz="3900" b="0" i="1" smtClean="0">
+                                  <a:latin typeface="Cambria Math" panose="02040503050406030204" pitchFamily="18" charset="0"/>
+                                </a:rPr>
+                                <m:t>𝜕</m:t>
+                              </m:r>
+                              <m:r>
+                                <a:rPr lang="en-US" sz="3900" b="0" i="1" smtClean="0">
+                                  <a:latin typeface="Cambria Math" panose="02040503050406030204" pitchFamily="18" charset="0"/>
+                                </a:rPr>
+                                <m:t>h</m:t>
+                              </m:r>
+                              <m:d>
+                                <m:dPr>
+                                  <m:ctrlPr>
+                                    <a:rPr lang="en-US" sz="3900" b="0" i="1" smtClean="0">
+                                      <a:latin typeface="Cambria Math" panose="02040503050406030204" pitchFamily="18" charset="0"/>
+                                    </a:rPr>
+                                  </m:ctrlPr>
+                                </m:dPr>
+                                <m:e>
+                                  <m:sSup>
+                                    <m:sSupPr>
+                                      <m:ctrlPr>
+                                        <a:rPr lang="en-US" sz="3900" b="0" i="1" smtClean="0">
+                                          <a:latin typeface="Cambria Math" panose="02040503050406030204" pitchFamily="18" charset="0"/>
+                                        </a:rPr>
+                                      </m:ctrlPr>
+                                    </m:sSupPr>
+                                    <m:e>
+                                      <m:r>
+                                        <a:rPr lang="en-US" sz="3900" b="0" i="1" smtClean="0">
+                                          <a:latin typeface="Cambria Math" panose="02040503050406030204" pitchFamily="18" charset="0"/>
+                                        </a:rPr>
+                                        <m:t>𝑥</m:t>
+                                      </m:r>
+                                    </m:e>
+                                    <m:sup>
+                                      <m:r>
+                                        <a:rPr lang="en-US" sz="3900" b="0" i="1" smtClean="0">
+                                          <a:latin typeface="Cambria Math" panose="02040503050406030204" pitchFamily="18" charset="0"/>
+                                        </a:rPr>
+                                        <m:t>′</m:t>
+                                      </m:r>
+                                    </m:sup>
+                                  </m:sSup>
+                                  <m:r>
+                                    <a:rPr lang="en-US" sz="3900" b="0" i="1" smtClean="0">
+                                      <a:latin typeface="Cambria Math" panose="02040503050406030204" pitchFamily="18" charset="0"/>
+                                    </a:rPr>
+                                    <m:t>;</m:t>
+                                  </m:r>
+                                  <m:r>
+                                    <a:rPr lang="en-US" sz="3900" b="1" i="1" smtClean="0">
+                                      <a:latin typeface="Cambria Math" panose="02040503050406030204" pitchFamily="18" charset="0"/>
+                                      <a:ea typeface="Cambria Math" panose="02040503050406030204" pitchFamily="18" charset="0"/>
+                                    </a:rPr>
+                                    <m:t>𝜽</m:t>
+                                  </m:r>
+                                </m:e>
+                              </m:d>
+                            </m:num>
+                            <m:den>
+                              <m:r>
+                                <a:rPr lang="en-US" sz="3900" b="0" i="1" smtClean="0">
+                                  <a:latin typeface="Cambria Math" panose="02040503050406030204" pitchFamily="18" charset="0"/>
+                                </a:rPr>
+                                <m:t>𝜕</m:t>
+                              </m:r>
+                              <m:sSub>
+                                <m:sSubPr>
+                                  <m:ctrlPr>
+                                    <a:rPr lang="en-US" sz="3900" b="0" i="1" smtClean="0">
+                                      <a:latin typeface="Cambria Math" panose="02040503050406030204" pitchFamily="18" charset="0"/>
+                                    </a:rPr>
+                                  </m:ctrlPr>
+                                </m:sSubPr>
+                                <m:e>
+                                  <m:r>
+                                    <a:rPr lang="en-US" sz="3900" b="0" i="1" smtClean="0">
+                                      <a:latin typeface="Cambria Math" panose="02040503050406030204" pitchFamily="18" charset="0"/>
+                                      <a:ea typeface="Cambria Math" panose="02040503050406030204" pitchFamily="18" charset="0"/>
+                                    </a:rPr>
+                                    <m:t>𝜃</m:t>
+                                  </m:r>
+                                </m:e>
+                                <m:sub>
+                                  <m:r>
+                                    <a:rPr lang="en-US" sz="3900" b="0" i="1" smtClean="0">
+                                      <a:latin typeface="Cambria Math" panose="02040503050406030204" pitchFamily="18" charset="0"/>
+                                    </a:rPr>
+                                    <m:t>𝑖</m:t>
+                                  </m:r>
+                                </m:sub>
+                              </m:sSub>
+                            </m:den>
+                          </m:f>
                           <m:r>
                             <a:rPr lang="en-US" sz="3900" b="0" i="1" smtClean="0">
                               <a:latin typeface="Cambria Math" panose="02040503050406030204" pitchFamily="18" charset="0"/>
                             </a:rPr>
-                            <m:t>𝑁</m:t>
+                            <m:t>−</m:t>
                           </m:r>
-                        </m:den>
-                      </m:f>
-                      <m:d>
-                        <m:dPr>
-                          <m:begChr m:val="["/>
-                          <m:endChr m:val="]"/>
-                          <m:ctrlPr>
-                            <a:rPr lang="en-US" sz="3900" b="0" i="1" smtClean="0">
-                              <a:latin typeface="Cambria Math" panose="02040503050406030204" pitchFamily="18" charset="0"/>
-                            </a:rPr>
-                          </m:ctrlPr>
-                        </m:dPr>
-                        <m:e>
                           <m:nary>
                             <m:naryPr>
                               <m:chr m:val="∑"/>
@@ -3594,38 +3753,26 @@
                               </m:ctrlPr>
                             </m:naryPr>
                             <m:sub>
-                              <m:sSup>
-                                <m:sSupPr>
-                                  <m:ctrlPr>
-                                    <a:rPr lang="en-US" sz="3900" b="0" i="1" smtClean="0">
-                                      <a:latin typeface="Cambria Math" panose="02040503050406030204" pitchFamily="18" charset="0"/>
-                                    </a:rPr>
-                                  </m:ctrlPr>
-                                </m:sSupPr>
-                                <m:e>
-                                  <m:r>
-                                    <a:rPr lang="en-US" sz="3900" b="0" i="1" smtClean="0">
-                                      <a:latin typeface="Cambria Math" panose="02040503050406030204" pitchFamily="18" charset="0"/>
-                                    </a:rPr>
-                                    <m:t>𝑥</m:t>
-                                  </m:r>
-                                </m:e>
-                                <m:sup>
-                                  <m:r>
-                                    <a:rPr lang="en-US" sz="3900" b="0" i="1" smtClean="0">
-                                      <a:latin typeface="Cambria Math" panose="02040503050406030204" pitchFamily="18" charset="0"/>
-                                    </a:rPr>
-                                    <m:t>′</m:t>
-                                  </m:r>
-                                </m:sup>
-                              </m:sSup>
+                              <m:r>
+                                <m:rPr>
+                                  <m:brk m:alnAt="7"/>
+                                </m:rPr>
+                                <a:rPr lang="en-US" sz="3900" b="0" i="1" smtClean="0">
+                                  <a:latin typeface="Cambria Math" panose="02040503050406030204" pitchFamily="18" charset="0"/>
+                                </a:rPr>
+                                <m:t>𝑥</m:t>
+                              </m:r>
                             </m:sub>
                             <m:sup/>
                             <m:e>
+                              <m:r>
+                                <a:rPr lang="en-US" sz="3900" b="0" i="1" smtClean="0">
+                                  <a:latin typeface="Cambria Math" panose="02040503050406030204" pitchFamily="18" charset="0"/>
+                                </a:rPr>
+                                <m:t>𝑏</m:t>
+                              </m:r>
                               <m:d>
                                 <m:dPr>
-                                  <m:begChr m:val="["/>
-                                  <m:endChr m:val="]"/>
                                   <m:ctrlPr>
                                     <a:rPr lang="en-US" sz="3900" b="0" i="1" smtClean="0">
                                       <a:latin typeface="Cambria Math" panose="02040503050406030204" pitchFamily="18" charset="0"/>
@@ -3637,44 +3784,55 @@
                                     <a:rPr lang="en-US" sz="3900" b="0" i="1" smtClean="0">
                                       <a:latin typeface="Cambria Math" panose="02040503050406030204" pitchFamily="18" charset="0"/>
                                     </a:rPr>
-                                    <m:t>𝑎</m:t>
+                                    <m:t>𝑥</m:t>
                                   </m:r>
-                                  <m:d>
-                                    <m:dPr>
+                                </m:e>
+                              </m:d>
+                              <m:r>
+                                <a:rPr lang="en-US" sz="3900" b="0" i="1" smtClean="0">
+                                  <a:latin typeface="Cambria Math" panose="02040503050406030204" pitchFamily="18" charset="0"/>
+                                </a:rPr>
+                                <m:t>[</m:t>
+                              </m:r>
+                              <m:nary>
+                                <m:naryPr>
+                                  <m:chr m:val="∑"/>
+                                  <m:supHide m:val="on"/>
+                                  <m:ctrlPr>
+                                    <a:rPr lang="en-US" sz="3900" b="0" i="1" smtClean="0">
+                                      <a:latin typeface="Cambria Math" panose="02040503050406030204" pitchFamily="18" charset="0"/>
+                                    </a:rPr>
+                                  </m:ctrlPr>
+                                </m:naryPr>
+                                <m:sub>
+                                  <m:sSup>
+                                    <m:sSupPr>
                                       <m:ctrlPr>
                                         <a:rPr lang="en-US" sz="3900" b="0" i="1" smtClean="0">
                                           <a:latin typeface="Cambria Math" panose="02040503050406030204" pitchFamily="18" charset="0"/>
                                         </a:rPr>
                                       </m:ctrlPr>
-                                    </m:dPr>
+                                    </m:sSupPr>
                                     <m:e>
-                                      <m:sSup>
-                                        <m:sSupPr>
-                                          <m:ctrlPr>
-                                            <a:rPr lang="en-US" sz="3900" b="0" i="1" smtClean="0">
-                                              <a:latin typeface="Cambria Math" panose="02040503050406030204" pitchFamily="18" charset="0"/>
-                                            </a:rPr>
-                                          </m:ctrlPr>
-                                        </m:sSupPr>
-                                        <m:e>
-                                          <m:r>
-                                            <a:rPr lang="en-US" sz="3900" b="0" i="1" smtClean="0">
-                                              <a:latin typeface="Cambria Math" panose="02040503050406030204" pitchFamily="18" charset="0"/>
-                                            </a:rPr>
-                                            <m:t>𝑥</m:t>
-                                          </m:r>
-                                        </m:e>
-                                        <m:sup>
-                                          <m:r>
-                                            <a:rPr lang="en-US" sz="3900" b="0" i="1" smtClean="0">
-                                              <a:latin typeface="Cambria Math" panose="02040503050406030204" pitchFamily="18" charset="0"/>
-                                            </a:rPr>
-                                            <m:t>′</m:t>
-                                          </m:r>
-                                        </m:sup>
-                                      </m:sSup>
+                                      <m:r>
+                                        <a:rPr lang="en-US" sz="3900" b="0" i="1" smtClean="0">
+                                          <a:latin typeface="Cambria Math" panose="02040503050406030204" pitchFamily="18" charset="0"/>
+                                        </a:rPr>
+                                        <m:t>𝑥</m:t>
+                                      </m:r>
                                     </m:e>
-                                  </m:d>
+                                    <m:sup>
+                                      <m:r>
+                                        <a:rPr lang="en-US" sz="3900" b="0" i="1" smtClean="0">
+                                          <a:latin typeface="Cambria Math" panose="02040503050406030204" pitchFamily="18" charset="0"/>
+                                        </a:rPr>
+                                        <m:t>′</m:t>
+                                      </m:r>
+                                    </m:sup>
+                                  </m:sSup>
+                                </m:sub>
+                                <m:sup/>
+                                <m:e>
                                   <m:f>
                                     <m:fPr>
                                       <m:ctrlPr>
@@ -3781,80 +3939,11 @@
                                       </m:sSub>
                                     </m:den>
                                   </m:f>
-                                </m:e>
-                              </m:d>
-                            </m:e>
-                          </m:nary>
-                          <m:r>
-                            <a:rPr lang="en-US" sz="3900" b="0" i="1" smtClean="0">
-                              <a:latin typeface="Cambria Math" panose="02040503050406030204" pitchFamily="18" charset="0"/>
-                              <a:ea typeface="Cambria Math" panose="02040503050406030204" pitchFamily="18" charset="0"/>
-                            </a:rPr>
-                            <m:t>−</m:t>
-                          </m:r>
-                          <m:sSub>
-                            <m:sSubPr>
-                              <m:ctrlPr>
-                                <a:rPr lang="en-US" sz="3900" b="0" i="1" smtClean="0">
-                                  <a:latin typeface="Cambria Math" panose="02040503050406030204" pitchFamily="18" charset="0"/>
-                                  <a:ea typeface="Cambria Math" panose="02040503050406030204" pitchFamily="18" charset="0"/>
-                                </a:rPr>
-                              </m:ctrlPr>
-                            </m:sSubPr>
-                            <m:e>
-                              <m:r>
-                                <a:rPr lang="en-US" sz="3900" b="0" i="1" smtClean="0">
-                                  <a:latin typeface="Cambria Math" panose="02040503050406030204" pitchFamily="18" charset="0"/>
-                                  <a:ea typeface="Cambria Math" panose="02040503050406030204" pitchFamily="18" charset="0"/>
-                                </a:rPr>
-                                <m:t>𝐸</m:t>
-                              </m:r>
-                            </m:e>
-                            <m:sub>
-                              <m:sSup>
-                                <m:sSupPr>
-                                  <m:ctrlPr>
-                                    <a:rPr lang="en-US" sz="3900" b="0" i="1" smtClean="0">
-                                      <a:latin typeface="Cambria Math" panose="02040503050406030204" pitchFamily="18" charset="0"/>
-                                      <a:ea typeface="Cambria Math" panose="02040503050406030204" pitchFamily="18" charset="0"/>
-                                    </a:rPr>
-                                  </m:ctrlPr>
-                                </m:sSupPr>
-                                <m:e>
-                                  <m:r>
-                                    <a:rPr lang="en-US" sz="3900" b="0" i="1" smtClean="0">
-                                      <a:latin typeface="Cambria Math" panose="02040503050406030204" pitchFamily="18" charset="0"/>
-                                      <a:ea typeface="Cambria Math" panose="02040503050406030204" pitchFamily="18" charset="0"/>
-                                    </a:rPr>
-                                    <m:t>𝜋</m:t>
-                                  </m:r>
-                                </m:e>
-                                <m:sup>
-                                  <m:r>
-                                    <a:rPr lang="en-US" sz="3900" b="0" i="1" smtClean="0">
-                                      <a:latin typeface="Cambria Math" panose="02040503050406030204" pitchFamily="18" charset="0"/>
-                                      <a:ea typeface="Cambria Math" panose="02040503050406030204" pitchFamily="18" charset="0"/>
-                                    </a:rPr>
-                                    <m:t>∗</m:t>
-                                  </m:r>
-                                </m:sup>
-                              </m:sSup>
-                              <m:d>
-                                <m:dPr>
-                                  <m:ctrlPr>
-                                    <a:rPr lang="en-US" sz="3900" b="0" i="1" smtClean="0">
-                                      <a:latin typeface="Cambria Math" panose="02040503050406030204" pitchFamily="18" charset="0"/>
-                                      <a:ea typeface="Cambria Math" panose="02040503050406030204" pitchFamily="18" charset="0"/>
-                                    </a:rPr>
-                                  </m:ctrlPr>
-                                </m:dPr>
-                                <m:e>
                                   <m:sSup>
                                     <m:sSupPr>
                                       <m:ctrlPr>
                                         <a:rPr lang="en-US" sz="3900" b="0" i="1" smtClean="0">
                                           <a:latin typeface="Cambria Math" panose="02040503050406030204" pitchFamily="18" charset="0"/>
-                                          <a:ea typeface="Cambria Math" panose="02040503050406030204" pitchFamily="18" charset="0"/>
                                         </a:rPr>
                                       </m:ctrlPr>
                                     </m:sSupPr>
@@ -3864,6 +3953,37 @@
                                           <a:latin typeface="Cambria Math" panose="02040503050406030204" pitchFamily="18" charset="0"/>
                                           <a:ea typeface="Cambria Math" panose="02040503050406030204" pitchFamily="18" charset="0"/>
                                         </a:rPr>
+                                        <m:t>𝜋</m:t>
+                                      </m:r>
+                                    </m:e>
+                                    <m:sup>
+                                      <m:r>
+                                        <a:rPr lang="en-US" sz="3900" b="0" i="1" smtClean="0">
+                                          <a:latin typeface="Cambria Math" panose="02040503050406030204" pitchFamily="18" charset="0"/>
+                                        </a:rPr>
+                                        <m:t>∗</m:t>
+                                      </m:r>
+                                    </m:sup>
+                                  </m:sSup>
+                                  <m:r>
+                                    <a:rPr lang="en-US" sz="3900" b="0" i="1" smtClean="0">
+                                      <a:latin typeface="Cambria Math" panose="02040503050406030204" pitchFamily="18" charset="0"/>
+                                    </a:rPr>
+                                    <m:t>(</m:t>
+                                  </m:r>
+                                  <m:sSup>
+                                    <m:sSupPr>
+                                      <m:ctrlPr>
+                                        <a:rPr lang="en-US" sz="3900" b="0" i="1" smtClean="0">
+                                          <a:latin typeface="Cambria Math" panose="02040503050406030204" pitchFamily="18" charset="0"/>
+                                        </a:rPr>
+                                      </m:ctrlPr>
+                                    </m:sSupPr>
+                                    <m:e>
+                                      <m:r>
+                                        <a:rPr lang="en-US" sz="3900" b="0" i="1" smtClean="0">
+                                          <a:latin typeface="Cambria Math" panose="02040503050406030204" pitchFamily="18" charset="0"/>
+                                        </a:rPr>
                                         <m:t>𝑥</m:t>
                                       </m:r>
                                     </m:e>
@@ -3871,105 +3991,66 @@
                                       <m:r>
                                         <a:rPr lang="en-US" sz="3900" b="0" i="1" smtClean="0">
                                           <a:latin typeface="Cambria Math" panose="02040503050406030204" pitchFamily="18" charset="0"/>
-                                          <a:ea typeface="Cambria Math" panose="02040503050406030204" pitchFamily="18" charset="0"/>
                                         </a:rPr>
                                         <m:t>′</m:t>
                                       </m:r>
                                     </m:sup>
                                   </m:sSup>
-                                </m:e>
-                                <m:e>
                                   <m:r>
                                     <a:rPr lang="en-US" sz="3900" b="0" i="1" smtClean="0">
                                       <a:latin typeface="Cambria Math" panose="02040503050406030204" pitchFamily="18" charset="0"/>
-                                      <a:ea typeface="Cambria Math" panose="02040503050406030204" pitchFamily="18" charset="0"/>
-                                    </a:rPr>
-                                    <m:t>∙</m:t>
-                                  </m:r>
-                                </m:e>
-                              </m:d>
-                            </m:sub>
-                          </m:sSub>
-                          <m:d>
-                            <m:dPr>
-                              <m:begChr m:val="["/>
-                              <m:endChr m:val="]"/>
-                              <m:ctrlPr>
-                                <a:rPr lang="en-US" sz="3900" b="0" i="1" smtClean="0">
-                                  <a:latin typeface="Cambria Math" panose="02040503050406030204" pitchFamily="18" charset="0"/>
-                                  <a:ea typeface="Cambria Math" panose="02040503050406030204" pitchFamily="18" charset="0"/>
-                                </a:rPr>
-                              </m:ctrlPr>
-                            </m:dPr>
-                            <m:e>
-                              <m:f>
-                                <m:fPr>
-                                  <m:ctrlPr>
-                                    <a:rPr lang="en-US" sz="3900" b="0" i="1" smtClean="0">
-                                      <a:latin typeface="Cambria Math" panose="02040503050406030204" pitchFamily="18" charset="0"/>
-                                      <a:ea typeface="Cambria Math" panose="02040503050406030204" pitchFamily="18" charset="0"/>
-                                    </a:rPr>
-                                  </m:ctrlPr>
-                                </m:fPr>
-                                <m:num>
-                                  <m:r>
-                                    <a:rPr lang="en-US" sz="3900" b="0" i="1" smtClean="0">
-                                      <a:latin typeface="Cambria Math" panose="02040503050406030204" pitchFamily="18" charset="0"/>
-                                      <a:ea typeface="Cambria Math" panose="02040503050406030204" pitchFamily="18" charset="0"/>
-                                    </a:rPr>
-                                    <m:t>𝜕</m:t>
+                                    </a:rPr>
+                                    <m:t>|</m:t>
                                   </m:r>
                                   <m:r>
                                     <a:rPr lang="en-US" sz="3900" b="0" i="1" smtClean="0">
                                       <a:latin typeface="Cambria Math" panose="02040503050406030204" pitchFamily="18" charset="0"/>
+                                    </a:rPr>
+                                    <m:t>𝑥</m:t>
+                                  </m:r>
+                                  <m:r>
+                                    <a:rPr lang="en-US" sz="3900" b="0" i="1" smtClean="0">
+                                      <a:latin typeface="Cambria Math" panose="02040503050406030204" pitchFamily="18" charset="0"/>
+                                    </a:rPr>
+                                    <m:t>)]+</m:t>
+                                  </m:r>
+                                  <m:r>
+                                    <a:rPr lang="en-US" sz="3900" b="0" i="1" smtClean="0">
+                                      <a:latin typeface="Cambria Math" panose="02040503050406030204" pitchFamily="18" charset="0"/>
                                       <a:ea typeface="Cambria Math" panose="02040503050406030204" pitchFamily="18" charset="0"/>
                                     </a:rPr>
-                                    <m:t>h</m:t>
+                                    <m:t>𝜆</m:t>
                                   </m:r>
-                                  <m:d>
-                                    <m:dPr>
+                                  <m:f>
+                                    <m:fPr>
                                       <m:ctrlPr>
                                         <a:rPr lang="en-US" sz="3900" b="0" i="1" smtClean="0">
                                           <a:latin typeface="Cambria Math" panose="02040503050406030204" pitchFamily="18" charset="0"/>
                                           <a:ea typeface="Cambria Math" panose="02040503050406030204" pitchFamily="18" charset="0"/>
                                         </a:rPr>
                                       </m:ctrlPr>
-                                    </m:dPr>
-                                    <m:e>
-                                      <m:sSup>
-                                        <m:sSupPr>
-                                          <m:ctrlPr>
-                                            <a:rPr lang="en-US" sz="3900" b="0" i="1" smtClean="0">
-                                              <a:latin typeface="Cambria Math" panose="02040503050406030204" pitchFamily="18" charset="0"/>
-                                              <a:ea typeface="Cambria Math" panose="02040503050406030204" pitchFamily="18" charset="0"/>
-                                            </a:rPr>
-                                          </m:ctrlPr>
-                                        </m:sSupPr>
-                                        <m:e>
-                                          <m:r>
-                                            <a:rPr lang="en-US" sz="3900" b="0" i="1" smtClean="0">
-                                              <a:latin typeface="Cambria Math" panose="02040503050406030204" pitchFamily="18" charset="0"/>
-                                              <a:ea typeface="Cambria Math" panose="02040503050406030204" pitchFamily="18" charset="0"/>
-                                            </a:rPr>
-                                            <m:t>𝑥</m:t>
-                                          </m:r>
-                                        </m:e>
-                                        <m:sup>
-                                          <m:r>
-                                            <a:rPr lang="en-US" sz="3900" b="0" i="1" smtClean="0">
-                                              <a:latin typeface="Cambria Math" panose="02040503050406030204" pitchFamily="18" charset="0"/>
-                                              <a:ea typeface="Cambria Math" panose="02040503050406030204" pitchFamily="18" charset="0"/>
-                                            </a:rPr>
-                                            <m:t>′</m:t>
-                                          </m:r>
-                                        </m:sup>
-                                      </m:sSup>
+                                    </m:fPr>
+                                    <m:num>
                                       <m:r>
                                         <a:rPr lang="en-US" sz="3900" b="0" i="1" smtClean="0">
                                           <a:latin typeface="Cambria Math" panose="02040503050406030204" pitchFamily="18" charset="0"/>
                                           <a:ea typeface="Cambria Math" panose="02040503050406030204" pitchFamily="18" charset="0"/>
                                         </a:rPr>
-                                        <m:t>;</m:t>
+                                        <m:t>𝜕</m:t>
+                                      </m:r>
+                                      <m:r>
+                                        <a:rPr lang="en-US" sz="3900" b="0" i="1" smtClean="0">
+                                          <a:latin typeface="Cambria Math" panose="02040503050406030204" pitchFamily="18" charset="0"/>
+                                          <a:ea typeface="Cambria Math" panose="02040503050406030204" pitchFamily="18" charset="0"/>
+                                        </a:rPr>
+                                        <m:t>𝑔</m:t>
+                                      </m:r>
+                                      <m:r>
+                                        <a:rPr lang="en-US" sz="3900" b="0" i="1" smtClean="0">
+                                          <a:latin typeface="Cambria Math" panose="02040503050406030204" pitchFamily="18" charset="0"/>
+                                          <a:ea typeface="Cambria Math" panose="02040503050406030204" pitchFamily="18" charset="0"/>
+                                        </a:rPr>
+                                        <m:t>(</m:t>
                                       </m:r>
                                       <m:r>
                                         <a:rPr lang="en-US" sz="3900" b="1" i="1" smtClean="0">
@@ -3978,174 +4059,64 @@
                                         </a:rPr>
                                         <m:t>𝜽</m:t>
                                       </m:r>
-                                    </m:e>
-                                  </m:d>
-                                </m:num>
-                                <m:den>
-                                  <m:r>
-                                    <a:rPr lang="en-US" sz="3900" b="0" i="1" smtClean="0">
-                                      <a:latin typeface="Cambria Math" panose="02040503050406030204" pitchFamily="18" charset="0"/>
-                                      <a:ea typeface="Cambria Math" panose="02040503050406030204" pitchFamily="18" charset="0"/>
-                                    </a:rPr>
-                                    <m:t>𝜕</m:t>
-                                  </m:r>
-                                  <m:sSub>
-                                    <m:sSubPr>
-                                      <m:ctrlPr>
-                                        <a:rPr lang="en-US" sz="3900" b="0" i="1" smtClean="0">
-                                          <a:latin typeface="Cambria Math" panose="02040503050406030204" pitchFamily="18" charset="0"/>
-                                          <a:ea typeface="Cambria Math" panose="02040503050406030204" pitchFamily="18" charset="0"/>
-                                        </a:rPr>
-                                      </m:ctrlPr>
-                                    </m:sSubPr>
-                                    <m:e>
                                       <m:r>
                                         <a:rPr lang="en-US" sz="3900" b="0" i="1" smtClean="0">
                                           <a:latin typeface="Cambria Math" panose="02040503050406030204" pitchFamily="18" charset="0"/>
                                           <a:ea typeface="Cambria Math" panose="02040503050406030204" pitchFamily="18" charset="0"/>
                                         </a:rPr>
-                                        <m:t>𝜃</m:t>
+                                        <m:t>)</m:t>
                                       </m:r>
-                                    </m:e>
-                                    <m:sub>
+                                    </m:num>
+                                    <m:den>
                                       <m:r>
                                         <a:rPr lang="en-US" sz="3900" b="0" i="1" smtClean="0">
                                           <a:latin typeface="Cambria Math" panose="02040503050406030204" pitchFamily="18" charset="0"/>
                                           <a:ea typeface="Cambria Math" panose="02040503050406030204" pitchFamily="18" charset="0"/>
                                         </a:rPr>
-                                        <m:t>𝑖</m:t>
+                                        <m:t>𝜕</m:t>
                                       </m:r>
-                                    </m:sub>
-                                  </m:sSub>
-                                </m:den>
-                              </m:f>
+                                      <m:sSub>
+                                        <m:sSubPr>
+                                          <m:ctrlPr>
+                                            <a:rPr lang="en-US" sz="3900" b="0" i="1" smtClean="0">
+                                              <a:latin typeface="Cambria Math" panose="02040503050406030204" pitchFamily="18" charset="0"/>
+                                              <a:ea typeface="Cambria Math" panose="02040503050406030204" pitchFamily="18" charset="0"/>
+                                            </a:rPr>
+                                          </m:ctrlPr>
+                                        </m:sSubPr>
+                                        <m:e>
+                                          <m:r>
+                                            <a:rPr lang="en-US" sz="3900" b="0" i="1" smtClean="0">
+                                              <a:latin typeface="Cambria Math" panose="02040503050406030204" pitchFamily="18" charset="0"/>
+                                              <a:ea typeface="Cambria Math" panose="02040503050406030204" pitchFamily="18" charset="0"/>
+                                            </a:rPr>
+                                            <m:t>𝜃</m:t>
+                                          </m:r>
+                                        </m:e>
+                                        <m:sub>
+                                          <m:r>
+                                            <a:rPr lang="en-US" sz="3900" b="0" i="1" smtClean="0">
+                                              <a:latin typeface="Cambria Math" panose="02040503050406030204" pitchFamily="18" charset="0"/>
+                                              <a:ea typeface="Cambria Math" panose="02040503050406030204" pitchFamily="18" charset="0"/>
+                                            </a:rPr>
+                                            <m:t>𝑖</m:t>
+                                          </m:r>
+                                        </m:sub>
+                                      </m:sSub>
+                                    </m:den>
+                                  </m:f>
+                                </m:e>
+                              </m:nary>
                             </m:e>
-                            <m:e>
-                              <m:r>
-                                <a:rPr lang="en-US" sz="3900" b="0" i="1" smtClean="0">
-                                  <a:latin typeface="Cambria Math" panose="02040503050406030204" pitchFamily="18" charset="0"/>
-                                  <a:ea typeface="Cambria Math" panose="02040503050406030204" pitchFamily="18" charset="0"/>
-                                </a:rPr>
-                                <m:t>𝑏</m:t>
-                              </m:r>
-                              <m:d>
-                                <m:dPr>
-                                  <m:ctrlPr>
-                                    <a:rPr lang="en-US" sz="3900" b="0" i="1" smtClean="0">
-                                      <a:latin typeface="Cambria Math" panose="02040503050406030204" pitchFamily="18" charset="0"/>
-                                      <a:ea typeface="Cambria Math" panose="02040503050406030204" pitchFamily="18" charset="0"/>
-                                    </a:rPr>
-                                  </m:ctrlPr>
-                                </m:dPr>
-                                <m:e>
-                                  <m:r>
-                                    <a:rPr lang="en-US" sz="3900" b="0" i="1" smtClean="0">
-                                      <a:latin typeface="Cambria Math" panose="02040503050406030204" pitchFamily="18" charset="0"/>
-                                      <a:ea typeface="Cambria Math" panose="02040503050406030204" pitchFamily="18" charset="0"/>
-                                    </a:rPr>
-                                    <m:t>∙</m:t>
-                                  </m:r>
-                                </m:e>
-                              </m:d>
-                            </m:e>
-                          </m:d>
+                          </m:nary>
                           <m:r>
                             <a:rPr lang="en-US" sz="3900" b="0" i="1" smtClean="0">
                               <a:latin typeface="Cambria Math" panose="02040503050406030204" pitchFamily="18" charset="0"/>
                             </a:rPr>
-                            <m:t>+</m:t>
+                            <m:t> </m:t>
                           </m:r>
-                          <m:r>
-                            <a:rPr lang="en-US" sz="3900" b="0" i="1" smtClean="0">
-                              <a:latin typeface="Cambria Math" panose="02040503050406030204" pitchFamily="18" charset="0"/>
-                              <a:ea typeface="Cambria Math" panose="02040503050406030204" pitchFamily="18" charset="0"/>
-                            </a:rPr>
-                            <m:t>𝜆</m:t>
-                          </m:r>
-                          <m:f>
-                            <m:fPr>
-                              <m:ctrlPr>
-                                <a:rPr lang="en-US" sz="3900" b="0" i="1" smtClean="0">
-                                  <a:latin typeface="Cambria Math" panose="02040503050406030204" pitchFamily="18" charset="0"/>
-                                  <a:ea typeface="Cambria Math" panose="02040503050406030204" pitchFamily="18" charset="0"/>
-                                </a:rPr>
-                              </m:ctrlPr>
-                            </m:fPr>
-                            <m:num>
-                              <m:r>
-                                <a:rPr lang="en-US" sz="3900" b="0" i="1" smtClean="0">
-                                  <a:latin typeface="Cambria Math" panose="02040503050406030204" pitchFamily="18" charset="0"/>
-                                  <a:ea typeface="Cambria Math" panose="02040503050406030204" pitchFamily="18" charset="0"/>
-                                </a:rPr>
-                                <m:t>𝜕</m:t>
-                              </m:r>
-                              <m:r>
-                                <a:rPr lang="en-US" sz="3900" b="0" i="1" smtClean="0">
-                                  <a:latin typeface="Cambria Math" panose="02040503050406030204" pitchFamily="18" charset="0"/>
-                                  <a:ea typeface="Cambria Math" panose="02040503050406030204" pitchFamily="18" charset="0"/>
-                                </a:rPr>
-                                <m:t>𝑔</m:t>
-                              </m:r>
-                              <m:d>
-                                <m:dPr>
-                                  <m:ctrlPr>
-                                    <a:rPr lang="en-US" sz="3900" b="0" i="1" smtClean="0">
-                                      <a:latin typeface="Cambria Math" panose="02040503050406030204" pitchFamily="18" charset="0"/>
-                                      <a:ea typeface="Cambria Math" panose="02040503050406030204" pitchFamily="18" charset="0"/>
-                                    </a:rPr>
-                                  </m:ctrlPr>
-                                </m:dPr>
-                                <m:e>
-                                  <m:r>
-                                    <a:rPr lang="en-US" sz="3900" b="1" i="1" smtClean="0">
-                                      <a:latin typeface="Cambria Math" panose="02040503050406030204" pitchFamily="18" charset="0"/>
-                                      <a:ea typeface="Cambria Math" panose="02040503050406030204" pitchFamily="18" charset="0"/>
-                                    </a:rPr>
-                                    <m:t>𝜽</m:t>
-                                  </m:r>
-                                </m:e>
-                              </m:d>
-                            </m:num>
-                            <m:den>
-                              <m:r>
-                                <a:rPr lang="en-US" sz="3900" b="0" i="1" smtClean="0">
-                                  <a:latin typeface="Cambria Math" panose="02040503050406030204" pitchFamily="18" charset="0"/>
-                                  <a:ea typeface="Cambria Math" panose="02040503050406030204" pitchFamily="18" charset="0"/>
-                                </a:rPr>
-                                <m:t>𝜕</m:t>
-                              </m:r>
-                              <m:sSub>
-                                <m:sSubPr>
-                                  <m:ctrlPr>
-                                    <a:rPr lang="en-US" sz="3900" b="0" i="1" smtClean="0">
-                                      <a:latin typeface="Cambria Math" panose="02040503050406030204" pitchFamily="18" charset="0"/>
-                                      <a:ea typeface="Cambria Math" panose="02040503050406030204" pitchFamily="18" charset="0"/>
-                                    </a:rPr>
-                                  </m:ctrlPr>
-                                </m:sSubPr>
-                                <m:e>
-                                  <m:r>
-                                    <a:rPr lang="en-US" sz="3900" b="0" i="1" smtClean="0">
-                                      <a:latin typeface="Cambria Math" panose="02040503050406030204" pitchFamily="18" charset="0"/>
-                                      <a:ea typeface="Cambria Math" panose="02040503050406030204" pitchFamily="18" charset="0"/>
-                                    </a:rPr>
-                                    <m:t>𝜃</m:t>
-                                  </m:r>
-                                </m:e>
-                                <m:sub>
-                                  <m:r>
-                                    <a:rPr lang="en-US" sz="3900" b="0" i="1" smtClean="0">
-                                      <a:latin typeface="Cambria Math" panose="02040503050406030204" pitchFamily="18" charset="0"/>
-                                      <a:ea typeface="Cambria Math" panose="02040503050406030204" pitchFamily="18" charset="0"/>
-                                    </a:rPr>
-                                    <m:t>𝑖</m:t>
-                                  </m:r>
-                                </m:sub>
-                              </m:sSub>
-                            </m:den>
-                          </m:f>
                         </m:e>
-                      </m:d>
+                      </m:nary>
                     </m:oMath>
                   </m:oMathPara>
                 </a14:m>
@@ -4160,7 +4131,7 @@
             </p:txBody>
           </p:sp>
         </mc:Choice>
-        <mc:Fallback xmlns="">
+        <mc:Fallback>
           <p:sp>
             <p:nvSpPr>
               <p:cNvPr id="3" name="Content Placeholder 2">
@@ -4185,7 +4156,7 @@
               <a:blipFill>
                 <a:blip r:embed="rId2"/>
                 <a:stretch>
-                  <a:fillRect l="-12383" t="-33704" b="-40185"/>
+                  <a:fillRect l="-8117" t="-10556" r="-104"/>
                 </a:stretch>
               </a:blipFill>
             </p:spPr>
@@ -4218,6 +4189,1520 @@
 </file>
 
 <file path=ppt/slides/slide11.xml><?xml version="1.0" encoding="utf-8"?>
+<p:sld xmlns:a="http://schemas.openxmlformats.org/drawingml/2006/main" xmlns:r="http://schemas.openxmlformats.org/officeDocument/2006/relationships" xmlns:p="http://schemas.openxmlformats.org/presentationml/2006/main">
+  <p:cSld>
+    <p:spTree>
+      <p:nvGrpSpPr>
+        <p:cNvPr id="1" name=""/>
+        <p:cNvGrpSpPr/>
+        <p:nvPr/>
+      </p:nvGrpSpPr>
+      <p:grpSpPr>
+        <a:xfrm>
+          <a:off x="0" y="0"/>
+          <a:ext cx="0" cy="0"/>
+          <a:chOff x="0" y="0"/>
+          <a:chExt cx="0" cy="0"/>
+        </a:xfrm>
+      </p:grpSpPr>
+      <mc:AlternateContent xmlns:mc="http://schemas.openxmlformats.org/markup-compatibility/2006">
+        <mc:Choice xmlns:a14="http://schemas.microsoft.com/office/drawing/2010/main" Requires="a14">
+          <p:sp>
+            <p:nvSpPr>
+              <p:cNvPr id="3" name="Content Placeholder 2">
+                <a:extLst>
+                  <a:ext uri="{FF2B5EF4-FFF2-40B4-BE49-F238E27FC236}">
+                    <a16:creationId xmlns:a16="http://schemas.microsoft.com/office/drawing/2014/main" id="{CBBAC521-9E8E-0CE0-84DA-DBEB70A5A320}"/>
+                  </a:ext>
+                </a:extLst>
+              </p:cNvPr>
+              <p:cNvSpPr>
+                <a:spLocks noGrp="1"/>
+              </p:cNvSpPr>
+              <p:nvPr>
+                <p:ph idx="1"/>
+              </p:nvPr>
+            </p:nvSpPr>
+            <p:spPr>
+              <a:xfrm>
+                <a:off x="0" y="0"/>
+                <a:ext cx="12192000" cy="6858000"/>
+              </a:xfrm>
+            </p:spPr>
+            <p:txBody>
+              <a:bodyPr>
+                <a:normAutofit/>
+              </a:bodyPr>
+              <a:lstStyle/>
+              <a:p>
+                <a:pPr marL="0" indent="0">
+                  <a:lnSpc>
+                    <a:spcPct val="100000"/>
+                  </a:lnSpc>
+                  <a:buNone/>
+                </a:pPr>
+                <a14:m>
+                  <m:oMathPara xmlns:m="http://schemas.openxmlformats.org/officeDocument/2006/math">
+                    <m:oMathParaPr>
+                      <m:jc m:val="centerGroup"/>
+                    </m:oMathParaPr>
+                    <m:oMath xmlns:m="http://schemas.openxmlformats.org/officeDocument/2006/math">
+                      <m:f>
+                        <m:fPr>
+                          <m:ctrlPr>
+                            <a:rPr lang="en-US" sz="3900" i="1" smtClean="0">
+                              <a:latin typeface="Cambria Math" panose="02040503050406030204" pitchFamily="18" charset="0"/>
+                            </a:rPr>
+                          </m:ctrlPr>
+                        </m:fPr>
+                        <m:num>
+                          <m:r>
+                            <a:rPr lang="en-US" sz="3900" i="1" smtClean="0">
+                              <a:latin typeface="Cambria Math" panose="02040503050406030204" pitchFamily="18" charset="0"/>
+                            </a:rPr>
+                            <m:t>𝜕</m:t>
+                          </m:r>
+                          <m:r>
+                            <a:rPr lang="en-US" sz="3900" b="0" i="1" smtClean="0">
+                              <a:latin typeface="Cambria Math" panose="02040503050406030204" pitchFamily="18" charset="0"/>
+                            </a:rPr>
+                            <m:t>𝐿</m:t>
+                          </m:r>
+                          <m:d>
+                            <m:dPr>
+                              <m:begChr m:val="["/>
+                              <m:endChr m:val="]"/>
+                              <m:ctrlPr>
+                                <a:rPr lang="en-US" sz="3900" b="1" i="1" smtClean="0">
+                                  <a:latin typeface="Cambria Math" panose="02040503050406030204" pitchFamily="18" charset="0"/>
+                                </a:rPr>
+                              </m:ctrlPr>
+                            </m:dPr>
+                            <m:e>
+                              <m:r>
+                                <a:rPr lang="en-US" sz="3900" b="1" i="1" smtClean="0">
+                                  <a:latin typeface="Cambria Math" panose="02040503050406030204" pitchFamily="18" charset="0"/>
+                                  <a:ea typeface="Cambria Math" panose="02040503050406030204" pitchFamily="18" charset="0"/>
+                                </a:rPr>
+                                <m:t>𝜽</m:t>
+                              </m:r>
+                            </m:e>
+                          </m:d>
+                        </m:num>
+                        <m:den>
+                          <m:r>
+                            <a:rPr lang="en-US" sz="3900" i="1" smtClean="0">
+                              <a:latin typeface="Cambria Math" panose="02040503050406030204" pitchFamily="18" charset="0"/>
+                            </a:rPr>
+                            <m:t>𝜕</m:t>
+                          </m:r>
+                          <m:sSub>
+                            <m:sSubPr>
+                              <m:ctrlPr>
+                                <a:rPr lang="en-US" sz="3900" i="1" smtClean="0">
+                                  <a:latin typeface="Cambria Math" panose="02040503050406030204" pitchFamily="18" charset="0"/>
+                                </a:rPr>
+                              </m:ctrlPr>
+                            </m:sSubPr>
+                            <m:e>
+                              <m:r>
+                                <a:rPr lang="en-US" sz="3900" i="1" smtClean="0">
+                                  <a:latin typeface="Cambria Math" panose="02040503050406030204" pitchFamily="18" charset="0"/>
+                                  <a:ea typeface="Cambria Math" panose="02040503050406030204" pitchFamily="18" charset="0"/>
+                                </a:rPr>
+                                <m:t>𝜃</m:t>
+                              </m:r>
+                            </m:e>
+                            <m:sub>
+                              <m:r>
+                                <a:rPr lang="en-US" sz="3900" b="0" i="1" smtClean="0">
+                                  <a:latin typeface="Cambria Math" panose="02040503050406030204" pitchFamily="18" charset="0"/>
+                                </a:rPr>
+                                <m:t>𝑖</m:t>
+                              </m:r>
+                            </m:sub>
+                          </m:sSub>
+                        </m:den>
+                      </m:f>
+                      <m:r>
+                        <a:rPr lang="en-US" sz="3900" b="0" i="1" smtClean="0">
+                          <a:latin typeface="Cambria Math" panose="02040503050406030204" pitchFamily="18" charset="0"/>
+                        </a:rPr>
+                        <m:t>=</m:t>
+                      </m:r>
+                      <m:nary>
+                        <m:naryPr>
+                          <m:chr m:val="∑"/>
+                          <m:supHide m:val="on"/>
+                          <m:ctrlPr>
+                            <a:rPr lang="en-US" sz="3900" b="0" i="1" smtClean="0">
+                              <a:latin typeface="Cambria Math" panose="02040503050406030204" pitchFamily="18" charset="0"/>
+                            </a:rPr>
+                          </m:ctrlPr>
+                        </m:naryPr>
+                        <m:sub>
+                          <m:sSup>
+                            <m:sSupPr>
+                              <m:ctrlPr>
+                                <a:rPr lang="en-US" sz="3900" b="0" i="1" smtClean="0">
+                                  <a:latin typeface="Cambria Math" panose="02040503050406030204" pitchFamily="18" charset="0"/>
+                                </a:rPr>
+                              </m:ctrlPr>
+                            </m:sSupPr>
+                            <m:e>
+                              <m:r>
+                                <a:rPr lang="en-US" sz="3900" b="0" i="1" smtClean="0">
+                                  <a:latin typeface="Cambria Math" panose="02040503050406030204" pitchFamily="18" charset="0"/>
+                                </a:rPr>
+                                <m:t>𝑥</m:t>
+                              </m:r>
+                            </m:e>
+                            <m:sup>
+                              <m:r>
+                                <a:rPr lang="en-US" sz="3900" b="0" i="1" smtClean="0">
+                                  <a:latin typeface="Cambria Math" panose="02040503050406030204" pitchFamily="18" charset="0"/>
+                                </a:rPr>
+                                <m:t>′</m:t>
+                              </m:r>
+                            </m:sup>
+                          </m:sSup>
+                        </m:sub>
+                        <m:sup/>
+                        <m:e>
+                          <m:r>
+                            <a:rPr lang="en-US" sz="3900" b="0" i="1" smtClean="0">
+                              <a:latin typeface="Cambria Math" panose="02040503050406030204" pitchFamily="18" charset="0"/>
+                            </a:rPr>
+                            <m:t>𝑎</m:t>
+                          </m:r>
+                          <m:d>
+                            <m:dPr>
+                              <m:ctrlPr>
+                                <a:rPr lang="en-US" sz="3900" b="0" i="1" smtClean="0">
+                                  <a:latin typeface="Cambria Math" panose="02040503050406030204" pitchFamily="18" charset="0"/>
+                                </a:rPr>
+                              </m:ctrlPr>
+                            </m:dPr>
+                            <m:e>
+                              <m:sSup>
+                                <m:sSupPr>
+                                  <m:ctrlPr>
+                                    <a:rPr lang="en-US" sz="3900" b="0" i="1" smtClean="0">
+                                      <a:latin typeface="Cambria Math" panose="02040503050406030204" pitchFamily="18" charset="0"/>
+                                    </a:rPr>
+                                  </m:ctrlPr>
+                                </m:sSupPr>
+                                <m:e>
+                                  <m:r>
+                                    <a:rPr lang="en-US" sz="3900" b="0" i="1" smtClean="0">
+                                      <a:latin typeface="Cambria Math" panose="02040503050406030204" pitchFamily="18" charset="0"/>
+                                    </a:rPr>
+                                    <m:t>𝑥</m:t>
+                                  </m:r>
+                                </m:e>
+                                <m:sup>
+                                  <m:r>
+                                    <a:rPr lang="en-US" sz="3900" b="0" i="1" smtClean="0">
+                                      <a:latin typeface="Cambria Math" panose="02040503050406030204" pitchFamily="18" charset="0"/>
+                                    </a:rPr>
+                                    <m:t>′</m:t>
+                                  </m:r>
+                                </m:sup>
+                              </m:sSup>
+                            </m:e>
+                          </m:d>
+                          <m:f>
+                            <m:fPr>
+                              <m:ctrlPr>
+                                <a:rPr lang="en-US" sz="3900" b="0" i="1" smtClean="0">
+                                  <a:latin typeface="Cambria Math" panose="02040503050406030204" pitchFamily="18" charset="0"/>
+                                </a:rPr>
+                              </m:ctrlPr>
+                            </m:fPr>
+                            <m:num>
+                              <m:r>
+                                <a:rPr lang="en-US" sz="3900" b="0" i="1" smtClean="0">
+                                  <a:latin typeface="Cambria Math" panose="02040503050406030204" pitchFamily="18" charset="0"/>
+                                </a:rPr>
+                                <m:t>𝜕</m:t>
+                              </m:r>
+                              <m:r>
+                                <a:rPr lang="en-US" sz="3900" b="0" i="1" smtClean="0">
+                                  <a:latin typeface="Cambria Math" panose="02040503050406030204" pitchFamily="18" charset="0"/>
+                                </a:rPr>
+                                <m:t>h</m:t>
+                              </m:r>
+                              <m:d>
+                                <m:dPr>
+                                  <m:ctrlPr>
+                                    <a:rPr lang="en-US" sz="3900" b="0" i="1" smtClean="0">
+                                      <a:latin typeface="Cambria Math" panose="02040503050406030204" pitchFamily="18" charset="0"/>
+                                    </a:rPr>
+                                  </m:ctrlPr>
+                                </m:dPr>
+                                <m:e>
+                                  <m:sSup>
+                                    <m:sSupPr>
+                                      <m:ctrlPr>
+                                        <a:rPr lang="en-US" sz="3900" b="0" i="1" smtClean="0">
+                                          <a:latin typeface="Cambria Math" panose="02040503050406030204" pitchFamily="18" charset="0"/>
+                                        </a:rPr>
+                                      </m:ctrlPr>
+                                    </m:sSupPr>
+                                    <m:e>
+                                      <m:r>
+                                        <a:rPr lang="en-US" sz="3900" b="0" i="1" smtClean="0">
+                                          <a:latin typeface="Cambria Math" panose="02040503050406030204" pitchFamily="18" charset="0"/>
+                                        </a:rPr>
+                                        <m:t>𝑥</m:t>
+                                      </m:r>
+                                    </m:e>
+                                    <m:sup>
+                                      <m:r>
+                                        <a:rPr lang="en-US" sz="3900" b="0" i="1" smtClean="0">
+                                          <a:latin typeface="Cambria Math" panose="02040503050406030204" pitchFamily="18" charset="0"/>
+                                        </a:rPr>
+                                        <m:t>′</m:t>
+                                      </m:r>
+                                    </m:sup>
+                                  </m:sSup>
+                                  <m:r>
+                                    <a:rPr lang="en-US" sz="3900" b="0" i="1" smtClean="0">
+                                      <a:latin typeface="Cambria Math" panose="02040503050406030204" pitchFamily="18" charset="0"/>
+                                    </a:rPr>
+                                    <m:t>;</m:t>
+                                  </m:r>
+                                  <m:r>
+                                    <a:rPr lang="en-US" sz="3900" b="1" i="1" smtClean="0">
+                                      <a:latin typeface="Cambria Math" panose="02040503050406030204" pitchFamily="18" charset="0"/>
+                                      <a:ea typeface="Cambria Math" panose="02040503050406030204" pitchFamily="18" charset="0"/>
+                                    </a:rPr>
+                                    <m:t>𝜽</m:t>
+                                  </m:r>
+                                </m:e>
+                              </m:d>
+                            </m:num>
+                            <m:den>
+                              <m:r>
+                                <a:rPr lang="en-US" sz="3900" b="0" i="1" smtClean="0">
+                                  <a:latin typeface="Cambria Math" panose="02040503050406030204" pitchFamily="18" charset="0"/>
+                                </a:rPr>
+                                <m:t>𝜕</m:t>
+                              </m:r>
+                              <m:sSub>
+                                <m:sSubPr>
+                                  <m:ctrlPr>
+                                    <a:rPr lang="en-US" sz="3900" b="0" i="1" smtClean="0">
+                                      <a:latin typeface="Cambria Math" panose="02040503050406030204" pitchFamily="18" charset="0"/>
+                                    </a:rPr>
+                                  </m:ctrlPr>
+                                </m:sSubPr>
+                                <m:e>
+                                  <m:r>
+                                    <a:rPr lang="en-US" sz="3900" b="0" i="1" smtClean="0">
+                                      <a:latin typeface="Cambria Math" panose="02040503050406030204" pitchFamily="18" charset="0"/>
+                                      <a:ea typeface="Cambria Math" panose="02040503050406030204" pitchFamily="18" charset="0"/>
+                                    </a:rPr>
+                                    <m:t>𝜃</m:t>
+                                  </m:r>
+                                </m:e>
+                                <m:sub>
+                                  <m:r>
+                                    <a:rPr lang="en-US" sz="3900" b="0" i="1" smtClean="0">
+                                      <a:latin typeface="Cambria Math" panose="02040503050406030204" pitchFamily="18" charset="0"/>
+                                    </a:rPr>
+                                    <m:t>𝑖</m:t>
+                                  </m:r>
+                                </m:sub>
+                              </m:sSub>
+                            </m:den>
+                          </m:f>
+                          <m:r>
+                            <a:rPr lang="en-US" sz="3900" b="0" i="1" smtClean="0">
+                              <a:latin typeface="Cambria Math" panose="02040503050406030204" pitchFamily="18" charset="0"/>
+                            </a:rPr>
+                            <m:t>−</m:t>
+                          </m:r>
+                          <m:nary>
+                            <m:naryPr>
+                              <m:chr m:val="∑"/>
+                              <m:supHide m:val="on"/>
+                              <m:ctrlPr>
+                                <a:rPr lang="en-US" sz="3900" b="0" i="1" smtClean="0">
+                                  <a:latin typeface="Cambria Math" panose="02040503050406030204" pitchFamily="18" charset="0"/>
+                                </a:rPr>
+                              </m:ctrlPr>
+                            </m:naryPr>
+                            <m:sub>
+                              <m:r>
+                                <m:rPr>
+                                  <m:brk m:alnAt="7"/>
+                                </m:rPr>
+                                <a:rPr lang="en-US" sz="3900" b="0" i="1" smtClean="0">
+                                  <a:latin typeface="Cambria Math" panose="02040503050406030204" pitchFamily="18" charset="0"/>
+                                </a:rPr>
+                                <m:t>𝑥</m:t>
+                              </m:r>
+                            </m:sub>
+                            <m:sup/>
+                            <m:e>
+                              <m:r>
+                                <a:rPr lang="en-US" sz="3900" b="0" i="1" smtClean="0">
+                                  <a:latin typeface="Cambria Math" panose="02040503050406030204" pitchFamily="18" charset="0"/>
+                                </a:rPr>
+                                <m:t>𝑏</m:t>
+                              </m:r>
+                              <m:d>
+                                <m:dPr>
+                                  <m:ctrlPr>
+                                    <a:rPr lang="en-US" sz="3900" b="0" i="1" smtClean="0">
+                                      <a:latin typeface="Cambria Math" panose="02040503050406030204" pitchFamily="18" charset="0"/>
+                                    </a:rPr>
+                                  </m:ctrlPr>
+                                </m:dPr>
+                                <m:e>
+                                  <m:r>
+                                    <a:rPr lang="en-US" sz="3900" b="0" i="1" smtClean="0">
+                                      <a:latin typeface="Cambria Math" panose="02040503050406030204" pitchFamily="18" charset="0"/>
+                                    </a:rPr>
+                                    <m:t>𝑥</m:t>
+                                  </m:r>
+                                </m:e>
+                              </m:d>
+                              <m:sSub>
+                                <m:sSubPr>
+                                  <m:ctrlPr>
+                                    <a:rPr lang="en-US" sz="3900" b="0" i="1" smtClean="0">
+                                      <a:latin typeface="Cambria Math" panose="02040503050406030204" pitchFamily="18" charset="0"/>
+                                    </a:rPr>
+                                  </m:ctrlPr>
+                                </m:sSubPr>
+                                <m:e>
+                                  <m:r>
+                                    <a:rPr lang="en-US" sz="3900" b="0" i="1" smtClean="0">
+                                      <a:latin typeface="Cambria Math" panose="02040503050406030204" pitchFamily="18" charset="0"/>
+                                    </a:rPr>
+                                    <m:t>𝐸</m:t>
+                                  </m:r>
+                                </m:e>
+                                <m:sub>
+                                  <m:sSup>
+                                    <m:sSupPr>
+                                      <m:ctrlPr>
+                                        <a:rPr lang="en-US" sz="3900" b="0" i="1" smtClean="0">
+                                          <a:latin typeface="Cambria Math" panose="02040503050406030204" pitchFamily="18" charset="0"/>
+                                        </a:rPr>
+                                      </m:ctrlPr>
+                                    </m:sSupPr>
+                                    <m:e>
+                                      <m:r>
+                                        <a:rPr lang="en-US" sz="3900" b="0" i="1" smtClean="0">
+                                          <a:latin typeface="Cambria Math" panose="02040503050406030204" pitchFamily="18" charset="0"/>
+                                          <a:ea typeface="Cambria Math" panose="02040503050406030204" pitchFamily="18" charset="0"/>
+                                        </a:rPr>
+                                        <m:t>𝜋</m:t>
+                                      </m:r>
+                                    </m:e>
+                                    <m:sup>
+                                      <m:r>
+                                        <a:rPr lang="en-US" sz="3900" b="0" i="1" smtClean="0">
+                                          <a:latin typeface="Cambria Math" panose="02040503050406030204" pitchFamily="18" charset="0"/>
+                                        </a:rPr>
+                                        <m:t>∗</m:t>
+                                      </m:r>
+                                    </m:sup>
+                                  </m:sSup>
+                                  <m:r>
+                                    <a:rPr lang="en-US" sz="3900" b="0" i="1" smtClean="0">
+                                      <a:latin typeface="Cambria Math" panose="02040503050406030204" pitchFamily="18" charset="0"/>
+                                    </a:rPr>
+                                    <m:t>(</m:t>
+                                  </m:r>
+                                  <m:sSup>
+                                    <m:sSupPr>
+                                      <m:ctrlPr>
+                                        <a:rPr lang="en-US" sz="3900" b="0" i="1" smtClean="0">
+                                          <a:latin typeface="Cambria Math" panose="02040503050406030204" pitchFamily="18" charset="0"/>
+                                        </a:rPr>
+                                      </m:ctrlPr>
+                                    </m:sSupPr>
+                                    <m:e>
+                                      <m:r>
+                                        <a:rPr lang="en-US" sz="3900" b="0" i="1" smtClean="0">
+                                          <a:latin typeface="Cambria Math" panose="02040503050406030204" pitchFamily="18" charset="0"/>
+                                        </a:rPr>
+                                        <m:t>𝑥</m:t>
+                                      </m:r>
+                                    </m:e>
+                                    <m:sup>
+                                      <m:r>
+                                        <a:rPr lang="en-US" sz="3900" b="0" i="1" smtClean="0">
+                                          <a:latin typeface="Cambria Math" panose="02040503050406030204" pitchFamily="18" charset="0"/>
+                                        </a:rPr>
+                                        <m:t>′</m:t>
+                                      </m:r>
+                                    </m:sup>
+                                  </m:sSup>
+                                  <m:r>
+                                    <a:rPr lang="en-US" sz="3900" b="0" i="1" smtClean="0">
+                                      <a:latin typeface="Cambria Math" panose="02040503050406030204" pitchFamily="18" charset="0"/>
+                                    </a:rPr>
+                                    <m:t>|</m:t>
+                                  </m:r>
+                                  <m:r>
+                                    <a:rPr lang="en-US" sz="3900" b="0" i="1" smtClean="0">
+                                      <a:latin typeface="Cambria Math" panose="02040503050406030204" pitchFamily="18" charset="0"/>
+                                    </a:rPr>
+                                    <m:t>𝑥</m:t>
+                                  </m:r>
+                                  <m:r>
+                                    <a:rPr lang="en-US" sz="3900" b="0" i="1" smtClean="0">
+                                      <a:latin typeface="Cambria Math" panose="02040503050406030204" pitchFamily="18" charset="0"/>
+                                    </a:rPr>
+                                    <m:t>)</m:t>
+                                  </m:r>
+                                </m:sub>
+                              </m:sSub>
+                              <m:r>
+                                <a:rPr lang="en-US" sz="3900" b="0" i="1" smtClean="0">
+                                  <a:latin typeface="Cambria Math" panose="02040503050406030204" pitchFamily="18" charset="0"/>
+                                </a:rPr>
+                                <m:t>[</m:t>
+                              </m:r>
+                              <m:f>
+                                <m:fPr>
+                                  <m:ctrlPr>
+                                    <a:rPr lang="en-US" sz="3900" i="1">
+                                      <a:latin typeface="Cambria Math" panose="02040503050406030204" pitchFamily="18" charset="0"/>
+                                    </a:rPr>
+                                  </m:ctrlPr>
+                                </m:fPr>
+                                <m:num>
+                                  <m:r>
+                                    <a:rPr lang="en-US" sz="3900" i="1">
+                                      <a:latin typeface="Cambria Math" panose="02040503050406030204" pitchFamily="18" charset="0"/>
+                                    </a:rPr>
+                                    <m:t>𝜕</m:t>
+                                  </m:r>
+                                  <m:r>
+                                    <a:rPr lang="en-US" sz="3900" i="1">
+                                      <a:latin typeface="Cambria Math" panose="02040503050406030204" pitchFamily="18" charset="0"/>
+                                    </a:rPr>
+                                    <m:t>h</m:t>
+                                  </m:r>
+                                  <m:d>
+                                    <m:dPr>
+                                      <m:ctrlPr>
+                                        <a:rPr lang="en-US" sz="3900" i="1">
+                                          <a:latin typeface="Cambria Math" panose="02040503050406030204" pitchFamily="18" charset="0"/>
+                                        </a:rPr>
+                                      </m:ctrlPr>
+                                    </m:dPr>
+                                    <m:e>
+                                      <m:sSup>
+                                        <m:sSupPr>
+                                          <m:ctrlPr>
+                                            <a:rPr lang="en-US" sz="3900" i="1">
+                                              <a:latin typeface="Cambria Math" panose="02040503050406030204" pitchFamily="18" charset="0"/>
+                                            </a:rPr>
+                                          </m:ctrlPr>
+                                        </m:sSupPr>
+                                        <m:e>
+                                          <m:r>
+                                            <a:rPr lang="en-US" sz="3900" i="1">
+                                              <a:latin typeface="Cambria Math" panose="02040503050406030204" pitchFamily="18" charset="0"/>
+                                            </a:rPr>
+                                            <m:t>𝑥</m:t>
+                                          </m:r>
+                                        </m:e>
+                                        <m:sup>
+                                          <m:r>
+                                            <a:rPr lang="en-US" sz="3900" i="1">
+                                              <a:latin typeface="Cambria Math" panose="02040503050406030204" pitchFamily="18" charset="0"/>
+                                            </a:rPr>
+                                            <m:t>′</m:t>
+                                          </m:r>
+                                        </m:sup>
+                                      </m:sSup>
+                                      <m:r>
+                                        <a:rPr lang="en-US" sz="3900" i="1">
+                                          <a:latin typeface="Cambria Math" panose="02040503050406030204" pitchFamily="18" charset="0"/>
+                                        </a:rPr>
+                                        <m:t>;</m:t>
+                                      </m:r>
+                                      <m:r>
+                                        <a:rPr lang="en-US" sz="3900" b="1" i="1">
+                                          <a:latin typeface="Cambria Math" panose="02040503050406030204" pitchFamily="18" charset="0"/>
+                                          <a:ea typeface="Cambria Math" panose="02040503050406030204" pitchFamily="18" charset="0"/>
+                                        </a:rPr>
+                                        <m:t>𝜽</m:t>
+                                      </m:r>
+                                    </m:e>
+                                  </m:d>
+                                </m:num>
+                                <m:den>
+                                  <m:r>
+                                    <a:rPr lang="en-US" sz="3900" i="1">
+                                      <a:latin typeface="Cambria Math" panose="02040503050406030204" pitchFamily="18" charset="0"/>
+                                    </a:rPr>
+                                    <m:t>𝜕</m:t>
+                                  </m:r>
+                                  <m:sSub>
+                                    <m:sSubPr>
+                                      <m:ctrlPr>
+                                        <a:rPr lang="en-US" sz="3900" i="1">
+                                          <a:latin typeface="Cambria Math" panose="02040503050406030204" pitchFamily="18" charset="0"/>
+                                        </a:rPr>
+                                      </m:ctrlPr>
+                                    </m:sSubPr>
+                                    <m:e>
+                                      <m:r>
+                                        <a:rPr lang="en-US" sz="3900" i="1">
+                                          <a:latin typeface="Cambria Math" panose="02040503050406030204" pitchFamily="18" charset="0"/>
+                                          <a:ea typeface="Cambria Math" panose="02040503050406030204" pitchFamily="18" charset="0"/>
+                                        </a:rPr>
+                                        <m:t>𝜃</m:t>
+                                      </m:r>
+                                    </m:e>
+                                    <m:sub>
+                                      <m:r>
+                                        <a:rPr lang="en-US" sz="3900" i="1">
+                                          <a:latin typeface="Cambria Math" panose="02040503050406030204" pitchFamily="18" charset="0"/>
+                                        </a:rPr>
+                                        <m:t>𝑖</m:t>
+                                      </m:r>
+                                    </m:sub>
+                                  </m:sSub>
+                                </m:den>
+                              </m:f>
+                              <m:r>
+                                <a:rPr lang="en-US" sz="3900" b="0" i="1" smtClean="0">
+                                  <a:latin typeface="Cambria Math" panose="02040503050406030204" pitchFamily="18" charset="0"/>
+                                </a:rPr>
+                                <m:t>|</m:t>
+                              </m:r>
+                              <m:r>
+                                <a:rPr lang="en-US" sz="3900" b="0" i="1" smtClean="0">
+                                  <a:latin typeface="Cambria Math" panose="02040503050406030204" pitchFamily="18" charset="0"/>
+                                </a:rPr>
+                                <m:t>𝑥</m:t>
+                              </m:r>
+                              <m:r>
+                                <a:rPr lang="en-US" sz="3900" b="0" i="1" smtClean="0">
+                                  <a:latin typeface="Cambria Math" panose="02040503050406030204" pitchFamily="18" charset="0"/>
+                                </a:rPr>
+                                <m:t>]</m:t>
+                              </m:r>
+                            </m:e>
+                          </m:nary>
+                          <m:r>
+                            <a:rPr lang="en-US" sz="3900" b="0" i="1" smtClean="0">
+                              <a:latin typeface="Cambria Math" panose="02040503050406030204" pitchFamily="18" charset="0"/>
+                            </a:rPr>
+                            <m:t> </m:t>
+                          </m:r>
+                        </m:e>
+                      </m:nary>
+                      <m:r>
+                        <a:rPr lang="en-US" sz="3900" i="1">
+                          <a:latin typeface="Cambria Math" panose="02040503050406030204" pitchFamily="18" charset="0"/>
+                        </a:rPr>
+                        <m:t>+</m:t>
+                      </m:r>
+                      <m:r>
+                        <a:rPr lang="en-US" sz="3900" i="1">
+                          <a:latin typeface="Cambria Math" panose="02040503050406030204" pitchFamily="18" charset="0"/>
+                          <a:ea typeface="Cambria Math" panose="02040503050406030204" pitchFamily="18" charset="0"/>
+                        </a:rPr>
+                        <m:t>𝜆</m:t>
+                      </m:r>
+                      <m:f>
+                        <m:fPr>
+                          <m:ctrlPr>
+                            <a:rPr lang="en-US" sz="3900" i="1">
+                              <a:latin typeface="Cambria Math" panose="02040503050406030204" pitchFamily="18" charset="0"/>
+                              <a:ea typeface="Cambria Math" panose="02040503050406030204" pitchFamily="18" charset="0"/>
+                            </a:rPr>
+                          </m:ctrlPr>
+                        </m:fPr>
+                        <m:num>
+                          <m:r>
+                            <a:rPr lang="en-US" sz="3900" i="1">
+                              <a:latin typeface="Cambria Math" panose="02040503050406030204" pitchFamily="18" charset="0"/>
+                              <a:ea typeface="Cambria Math" panose="02040503050406030204" pitchFamily="18" charset="0"/>
+                            </a:rPr>
+                            <m:t>𝜕</m:t>
+                          </m:r>
+                          <m:r>
+                            <a:rPr lang="en-US" sz="3900" i="1">
+                              <a:latin typeface="Cambria Math" panose="02040503050406030204" pitchFamily="18" charset="0"/>
+                              <a:ea typeface="Cambria Math" panose="02040503050406030204" pitchFamily="18" charset="0"/>
+                            </a:rPr>
+                            <m:t>𝑔</m:t>
+                          </m:r>
+                          <m:r>
+                            <a:rPr lang="en-US" sz="3900" i="1">
+                              <a:latin typeface="Cambria Math" panose="02040503050406030204" pitchFamily="18" charset="0"/>
+                              <a:ea typeface="Cambria Math" panose="02040503050406030204" pitchFamily="18" charset="0"/>
+                            </a:rPr>
+                            <m:t>(</m:t>
+                          </m:r>
+                          <m:r>
+                            <a:rPr lang="en-US" sz="3900" b="1" i="1">
+                              <a:latin typeface="Cambria Math" panose="02040503050406030204" pitchFamily="18" charset="0"/>
+                              <a:ea typeface="Cambria Math" panose="02040503050406030204" pitchFamily="18" charset="0"/>
+                            </a:rPr>
+                            <m:t>𝜽</m:t>
+                          </m:r>
+                          <m:r>
+                            <a:rPr lang="en-US" sz="3900" i="1">
+                              <a:latin typeface="Cambria Math" panose="02040503050406030204" pitchFamily="18" charset="0"/>
+                              <a:ea typeface="Cambria Math" panose="02040503050406030204" pitchFamily="18" charset="0"/>
+                            </a:rPr>
+                            <m:t>)</m:t>
+                          </m:r>
+                        </m:num>
+                        <m:den>
+                          <m:r>
+                            <a:rPr lang="en-US" sz="3900" i="1">
+                              <a:latin typeface="Cambria Math" panose="02040503050406030204" pitchFamily="18" charset="0"/>
+                              <a:ea typeface="Cambria Math" panose="02040503050406030204" pitchFamily="18" charset="0"/>
+                            </a:rPr>
+                            <m:t>𝜕</m:t>
+                          </m:r>
+                          <m:sSub>
+                            <m:sSubPr>
+                              <m:ctrlPr>
+                                <a:rPr lang="en-US" sz="3900" i="1">
+                                  <a:latin typeface="Cambria Math" panose="02040503050406030204" pitchFamily="18" charset="0"/>
+                                  <a:ea typeface="Cambria Math" panose="02040503050406030204" pitchFamily="18" charset="0"/>
+                                </a:rPr>
+                              </m:ctrlPr>
+                            </m:sSubPr>
+                            <m:e>
+                              <m:r>
+                                <a:rPr lang="en-US" sz="3900" i="1">
+                                  <a:latin typeface="Cambria Math" panose="02040503050406030204" pitchFamily="18" charset="0"/>
+                                  <a:ea typeface="Cambria Math" panose="02040503050406030204" pitchFamily="18" charset="0"/>
+                                </a:rPr>
+                                <m:t>𝜃</m:t>
+                              </m:r>
+                            </m:e>
+                            <m:sub>
+                              <m:r>
+                                <a:rPr lang="en-US" sz="3900" i="1">
+                                  <a:latin typeface="Cambria Math" panose="02040503050406030204" pitchFamily="18" charset="0"/>
+                                  <a:ea typeface="Cambria Math" panose="02040503050406030204" pitchFamily="18" charset="0"/>
+                                </a:rPr>
+                                <m:t>𝑖</m:t>
+                              </m:r>
+                            </m:sub>
+                          </m:sSub>
+                        </m:den>
+                      </m:f>
+                    </m:oMath>
+                  </m:oMathPara>
+                </a14:m>
+                <a:endParaRPr lang="en-US" sz="3900" dirty="0"/>
+              </a:p>
+              <a:p>
+                <a:pPr marL="0" indent="0">
+                  <a:buNone/>
+                </a:pPr>
+                <a:endParaRPr lang="en-US" dirty="0"/>
+              </a:p>
+            </p:txBody>
+          </p:sp>
+        </mc:Choice>
+        <mc:Fallback>
+          <p:sp>
+            <p:nvSpPr>
+              <p:cNvPr id="3" name="Content Placeholder 2">
+                <a:extLst>
+                  <a:ext uri="{FF2B5EF4-FFF2-40B4-BE49-F238E27FC236}">
+                    <a16:creationId xmlns:a16="http://schemas.microsoft.com/office/drawing/2014/main" id="{CBBAC521-9E8E-0CE0-84DA-DBEB70A5A320}"/>
+                  </a:ext>
+                </a:extLst>
+              </p:cNvPr>
+              <p:cNvSpPr>
+                <a:spLocks noGrp="1" noRot="1" noChangeAspect="1" noMove="1" noResize="1" noEditPoints="1" noAdjustHandles="1" noChangeArrowheads="1" noChangeShapeType="1" noTextEdit="1"/>
+              </p:cNvSpPr>
+              <p:nvPr>
+                <p:ph idx="1"/>
+              </p:nvPr>
+            </p:nvSpPr>
+            <p:spPr>
+              <a:xfrm>
+                <a:off x="0" y="0"/>
+                <a:ext cx="12192000" cy="6858000"/>
+              </a:xfrm>
+              <a:blipFill>
+                <a:blip r:embed="rId2"/>
+                <a:stretch>
+                  <a:fillRect l="-7908" t="-12407"/>
+                </a:stretch>
+              </a:blipFill>
+            </p:spPr>
+            <p:txBody>
+              <a:bodyPr/>
+              <a:lstStyle/>
+              <a:p>
+                <a:r>
+                  <a:rPr lang="en-US">
+                    <a:noFill/>
+                  </a:rPr>
+                  <a:t> </a:t>
+                </a:r>
+              </a:p>
+            </p:txBody>
+          </p:sp>
+        </mc:Fallback>
+      </mc:AlternateContent>
+    </p:spTree>
+    <p:extLst>
+      <p:ext uri="{BB962C8B-B14F-4D97-AF65-F5344CB8AC3E}">
+        <p14:creationId xmlns:p14="http://schemas.microsoft.com/office/powerpoint/2010/main" val="2333604643"/>
+      </p:ext>
+    </p:extLst>
+  </p:cSld>
+  <p:clrMapOvr>
+    <a:masterClrMapping/>
+  </p:clrMapOvr>
+</p:sld>
+</file>
+
+<file path=ppt/slides/slide12.xml><?xml version="1.0" encoding="utf-8"?>
+<p:sld xmlns:a="http://schemas.openxmlformats.org/drawingml/2006/main" xmlns:r="http://schemas.openxmlformats.org/officeDocument/2006/relationships" xmlns:p="http://schemas.openxmlformats.org/presentationml/2006/main">
+  <p:cSld>
+    <p:spTree>
+      <p:nvGrpSpPr>
+        <p:cNvPr id="1" name=""/>
+        <p:cNvGrpSpPr/>
+        <p:nvPr/>
+      </p:nvGrpSpPr>
+      <p:grpSpPr>
+        <a:xfrm>
+          <a:off x="0" y="0"/>
+          <a:ext cx="0" cy="0"/>
+          <a:chOff x="0" y="0"/>
+          <a:chExt cx="0" cy="0"/>
+        </a:xfrm>
+      </p:grpSpPr>
+      <mc:AlternateContent xmlns:mc="http://schemas.openxmlformats.org/markup-compatibility/2006">
+        <mc:Choice xmlns:a14="http://schemas.microsoft.com/office/drawing/2010/main" Requires="a14">
+          <p:sp>
+            <p:nvSpPr>
+              <p:cNvPr id="3" name="Content Placeholder 2">
+                <a:extLst>
+                  <a:ext uri="{FF2B5EF4-FFF2-40B4-BE49-F238E27FC236}">
+                    <a16:creationId xmlns:a16="http://schemas.microsoft.com/office/drawing/2014/main" id="{CBBAC521-9E8E-0CE0-84DA-DBEB70A5A320}"/>
+                  </a:ext>
+                </a:extLst>
+              </p:cNvPr>
+              <p:cNvSpPr>
+                <a:spLocks noGrp="1"/>
+              </p:cNvSpPr>
+              <p:nvPr>
+                <p:ph idx="1"/>
+              </p:nvPr>
+            </p:nvSpPr>
+            <p:spPr>
+              <a:xfrm>
+                <a:off x="0" y="0"/>
+                <a:ext cx="12192000" cy="6858000"/>
+              </a:xfrm>
+            </p:spPr>
+            <p:txBody>
+              <a:bodyPr>
+                <a:normAutofit/>
+              </a:bodyPr>
+              <a:lstStyle/>
+              <a:p>
+                <a:pPr marL="0" indent="0">
+                  <a:lnSpc>
+                    <a:spcPct val="100000"/>
+                  </a:lnSpc>
+                  <a:buNone/>
+                </a:pPr>
+                <a14:m>
+                  <m:oMathPara xmlns:m="http://schemas.openxmlformats.org/officeDocument/2006/math">
+                    <m:oMathParaPr>
+                      <m:jc m:val="centerGroup"/>
+                    </m:oMathParaPr>
+                    <m:oMath xmlns:m="http://schemas.openxmlformats.org/officeDocument/2006/math">
+                      <m:f>
+                        <m:fPr>
+                          <m:ctrlPr>
+                            <a:rPr lang="en-US" sz="3900" i="1" smtClean="0">
+                              <a:latin typeface="Cambria Math" panose="02040503050406030204" pitchFamily="18" charset="0"/>
+                            </a:rPr>
+                          </m:ctrlPr>
+                        </m:fPr>
+                        <m:num>
+                          <m:r>
+                            <a:rPr lang="en-US" sz="3900" i="1" smtClean="0">
+                              <a:latin typeface="Cambria Math" panose="02040503050406030204" pitchFamily="18" charset="0"/>
+                            </a:rPr>
+                            <m:t>𝜕</m:t>
+                          </m:r>
+                          <m:r>
+                            <a:rPr lang="en-US" sz="3900" b="0" i="1" smtClean="0">
+                              <a:latin typeface="Cambria Math" panose="02040503050406030204" pitchFamily="18" charset="0"/>
+                            </a:rPr>
+                            <m:t>𝐿</m:t>
+                          </m:r>
+                          <m:d>
+                            <m:dPr>
+                              <m:begChr m:val="["/>
+                              <m:endChr m:val="]"/>
+                              <m:ctrlPr>
+                                <a:rPr lang="en-US" sz="3900" b="1" i="1" smtClean="0">
+                                  <a:latin typeface="Cambria Math" panose="02040503050406030204" pitchFamily="18" charset="0"/>
+                                </a:rPr>
+                              </m:ctrlPr>
+                            </m:dPr>
+                            <m:e>
+                              <m:r>
+                                <a:rPr lang="en-US" sz="3900" b="1" i="1" smtClean="0">
+                                  <a:latin typeface="Cambria Math" panose="02040503050406030204" pitchFamily="18" charset="0"/>
+                                  <a:ea typeface="Cambria Math" panose="02040503050406030204" pitchFamily="18" charset="0"/>
+                                </a:rPr>
+                                <m:t>𝜽</m:t>
+                              </m:r>
+                            </m:e>
+                          </m:d>
+                        </m:num>
+                        <m:den>
+                          <m:r>
+                            <a:rPr lang="en-US" sz="3900" i="1" smtClean="0">
+                              <a:latin typeface="Cambria Math" panose="02040503050406030204" pitchFamily="18" charset="0"/>
+                            </a:rPr>
+                            <m:t>𝜕</m:t>
+                          </m:r>
+                          <m:sSub>
+                            <m:sSubPr>
+                              <m:ctrlPr>
+                                <a:rPr lang="en-US" sz="3900" i="1" smtClean="0">
+                                  <a:latin typeface="Cambria Math" panose="02040503050406030204" pitchFamily="18" charset="0"/>
+                                </a:rPr>
+                              </m:ctrlPr>
+                            </m:sSubPr>
+                            <m:e>
+                              <m:r>
+                                <a:rPr lang="en-US" sz="3900" i="1" smtClean="0">
+                                  <a:latin typeface="Cambria Math" panose="02040503050406030204" pitchFamily="18" charset="0"/>
+                                  <a:ea typeface="Cambria Math" panose="02040503050406030204" pitchFamily="18" charset="0"/>
+                                </a:rPr>
+                                <m:t>𝜃</m:t>
+                              </m:r>
+                            </m:e>
+                            <m:sub>
+                              <m:r>
+                                <a:rPr lang="en-US" sz="3900" b="0" i="1" smtClean="0">
+                                  <a:latin typeface="Cambria Math" panose="02040503050406030204" pitchFamily="18" charset="0"/>
+                                </a:rPr>
+                                <m:t>𝑖</m:t>
+                              </m:r>
+                            </m:sub>
+                          </m:sSub>
+                        </m:den>
+                      </m:f>
+                      <m:r>
+                        <a:rPr lang="en-US" sz="3900" b="0" i="1" smtClean="0">
+                          <a:latin typeface="Cambria Math" panose="02040503050406030204" pitchFamily="18" charset="0"/>
+                        </a:rPr>
+                        <m:t>=</m:t>
+                      </m:r>
+                      <m:nary>
+                        <m:naryPr>
+                          <m:chr m:val="∑"/>
+                          <m:supHide m:val="on"/>
+                          <m:ctrlPr>
+                            <a:rPr lang="en-US" sz="3900" b="0" i="1" smtClean="0">
+                              <a:latin typeface="Cambria Math" panose="02040503050406030204" pitchFamily="18" charset="0"/>
+                            </a:rPr>
+                          </m:ctrlPr>
+                        </m:naryPr>
+                        <m:sub>
+                          <m:sSup>
+                            <m:sSupPr>
+                              <m:ctrlPr>
+                                <a:rPr lang="en-US" sz="3900" b="0" i="1" smtClean="0">
+                                  <a:latin typeface="Cambria Math" panose="02040503050406030204" pitchFamily="18" charset="0"/>
+                                </a:rPr>
+                              </m:ctrlPr>
+                            </m:sSupPr>
+                            <m:e>
+                              <m:r>
+                                <a:rPr lang="en-US" sz="3900" b="0" i="1" smtClean="0">
+                                  <a:latin typeface="Cambria Math" panose="02040503050406030204" pitchFamily="18" charset="0"/>
+                                </a:rPr>
+                                <m:t>𝑥</m:t>
+                              </m:r>
+                            </m:e>
+                            <m:sup>
+                              <m:r>
+                                <a:rPr lang="en-US" sz="3900" b="0" i="1" smtClean="0">
+                                  <a:latin typeface="Cambria Math" panose="02040503050406030204" pitchFamily="18" charset="0"/>
+                                </a:rPr>
+                                <m:t>′</m:t>
+                              </m:r>
+                            </m:sup>
+                          </m:sSup>
+                        </m:sub>
+                        <m:sup/>
+                        <m:e>
+                          <m:r>
+                            <a:rPr lang="en-US" sz="3900" b="0" i="1" smtClean="0">
+                              <a:latin typeface="Cambria Math" panose="02040503050406030204" pitchFamily="18" charset="0"/>
+                            </a:rPr>
+                            <m:t>[</m:t>
+                          </m:r>
+                          <m:r>
+                            <a:rPr lang="en-US" sz="3900" b="0" i="1" smtClean="0">
+                              <a:latin typeface="Cambria Math" panose="02040503050406030204" pitchFamily="18" charset="0"/>
+                            </a:rPr>
+                            <m:t>𝑎</m:t>
+                          </m:r>
+                          <m:d>
+                            <m:dPr>
+                              <m:ctrlPr>
+                                <a:rPr lang="en-US" sz="3900" b="0" i="1" smtClean="0">
+                                  <a:latin typeface="Cambria Math" panose="02040503050406030204" pitchFamily="18" charset="0"/>
+                                </a:rPr>
+                              </m:ctrlPr>
+                            </m:dPr>
+                            <m:e>
+                              <m:sSup>
+                                <m:sSupPr>
+                                  <m:ctrlPr>
+                                    <a:rPr lang="en-US" sz="3900" b="0" i="1" smtClean="0">
+                                      <a:latin typeface="Cambria Math" panose="02040503050406030204" pitchFamily="18" charset="0"/>
+                                    </a:rPr>
+                                  </m:ctrlPr>
+                                </m:sSupPr>
+                                <m:e>
+                                  <m:r>
+                                    <a:rPr lang="en-US" sz="3900" b="0" i="1" smtClean="0">
+                                      <a:latin typeface="Cambria Math" panose="02040503050406030204" pitchFamily="18" charset="0"/>
+                                    </a:rPr>
+                                    <m:t>𝑥</m:t>
+                                  </m:r>
+                                </m:e>
+                                <m:sup>
+                                  <m:r>
+                                    <a:rPr lang="en-US" sz="3900" b="0" i="1" smtClean="0">
+                                      <a:latin typeface="Cambria Math" panose="02040503050406030204" pitchFamily="18" charset="0"/>
+                                    </a:rPr>
+                                    <m:t>′</m:t>
+                                  </m:r>
+                                </m:sup>
+                              </m:sSup>
+                            </m:e>
+                          </m:d>
+                          <m:f>
+                            <m:fPr>
+                              <m:ctrlPr>
+                                <a:rPr lang="en-US" sz="3900" b="0" i="1" smtClean="0">
+                                  <a:latin typeface="Cambria Math" panose="02040503050406030204" pitchFamily="18" charset="0"/>
+                                </a:rPr>
+                              </m:ctrlPr>
+                            </m:fPr>
+                            <m:num>
+                              <m:r>
+                                <a:rPr lang="en-US" sz="3900" b="0" i="1" smtClean="0">
+                                  <a:latin typeface="Cambria Math" panose="02040503050406030204" pitchFamily="18" charset="0"/>
+                                </a:rPr>
+                                <m:t>𝜕</m:t>
+                              </m:r>
+                              <m:r>
+                                <a:rPr lang="en-US" sz="3900" b="0" i="1" smtClean="0">
+                                  <a:latin typeface="Cambria Math" panose="02040503050406030204" pitchFamily="18" charset="0"/>
+                                </a:rPr>
+                                <m:t>h</m:t>
+                              </m:r>
+                              <m:d>
+                                <m:dPr>
+                                  <m:ctrlPr>
+                                    <a:rPr lang="en-US" sz="3900" b="0" i="1" smtClean="0">
+                                      <a:latin typeface="Cambria Math" panose="02040503050406030204" pitchFamily="18" charset="0"/>
+                                    </a:rPr>
+                                  </m:ctrlPr>
+                                </m:dPr>
+                                <m:e>
+                                  <m:sSup>
+                                    <m:sSupPr>
+                                      <m:ctrlPr>
+                                        <a:rPr lang="en-US" sz="3900" b="0" i="1" smtClean="0">
+                                          <a:latin typeface="Cambria Math" panose="02040503050406030204" pitchFamily="18" charset="0"/>
+                                        </a:rPr>
+                                      </m:ctrlPr>
+                                    </m:sSupPr>
+                                    <m:e>
+                                      <m:r>
+                                        <a:rPr lang="en-US" sz="3900" b="0" i="1" smtClean="0">
+                                          <a:latin typeface="Cambria Math" panose="02040503050406030204" pitchFamily="18" charset="0"/>
+                                        </a:rPr>
+                                        <m:t>𝑥</m:t>
+                                      </m:r>
+                                    </m:e>
+                                    <m:sup>
+                                      <m:r>
+                                        <a:rPr lang="en-US" sz="3900" b="0" i="1" smtClean="0">
+                                          <a:latin typeface="Cambria Math" panose="02040503050406030204" pitchFamily="18" charset="0"/>
+                                        </a:rPr>
+                                        <m:t>′</m:t>
+                                      </m:r>
+                                    </m:sup>
+                                  </m:sSup>
+                                  <m:r>
+                                    <a:rPr lang="en-US" sz="3900" b="0" i="1" smtClean="0">
+                                      <a:latin typeface="Cambria Math" panose="02040503050406030204" pitchFamily="18" charset="0"/>
+                                    </a:rPr>
+                                    <m:t>;</m:t>
+                                  </m:r>
+                                  <m:r>
+                                    <a:rPr lang="en-US" sz="3900" b="1" i="1" smtClean="0">
+                                      <a:latin typeface="Cambria Math" panose="02040503050406030204" pitchFamily="18" charset="0"/>
+                                      <a:ea typeface="Cambria Math" panose="02040503050406030204" pitchFamily="18" charset="0"/>
+                                    </a:rPr>
+                                    <m:t>𝜽</m:t>
+                                  </m:r>
+                                </m:e>
+                              </m:d>
+                            </m:num>
+                            <m:den>
+                              <m:r>
+                                <a:rPr lang="en-US" sz="3900" b="0" i="1" smtClean="0">
+                                  <a:latin typeface="Cambria Math" panose="02040503050406030204" pitchFamily="18" charset="0"/>
+                                </a:rPr>
+                                <m:t>𝜕</m:t>
+                              </m:r>
+                              <m:sSub>
+                                <m:sSubPr>
+                                  <m:ctrlPr>
+                                    <a:rPr lang="en-US" sz="3900" b="0" i="1" smtClean="0">
+                                      <a:latin typeface="Cambria Math" panose="02040503050406030204" pitchFamily="18" charset="0"/>
+                                    </a:rPr>
+                                  </m:ctrlPr>
+                                </m:sSubPr>
+                                <m:e>
+                                  <m:r>
+                                    <a:rPr lang="en-US" sz="3900" b="0" i="1" smtClean="0">
+                                      <a:latin typeface="Cambria Math" panose="02040503050406030204" pitchFamily="18" charset="0"/>
+                                      <a:ea typeface="Cambria Math" panose="02040503050406030204" pitchFamily="18" charset="0"/>
+                                    </a:rPr>
+                                    <m:t>𝜃</m:t>
+                                  </m:r>
+                                </m:e>
+                                <m:sub>
+                                  <m:r>
+                                    <a:rPr lang="en-US" sz="3900" b="0" i="1" smtClean="0">
+                                      <a:latin typeface="Cambria Math" panose="02040503050406030204" pitchFamily="18" charset="0"/>
+                                    </a:rPr>
+                                    <m:t>𝑖</m:t>
+                                  </m:r>
+                                </m:sub>
+                              </m:sSub>
+                            </m:den>
+                          </m:f>
+                          <m:r>
+                            <a:rPr lang="en-US" sz="3900" b="0" i="1" smtClean="0">
+                              <a:latin typeface="Cambria Math" panose="02040503050406030204" pitchFamily="18" charset="0"/>
+                            </a:rPr>
+                            <m:t>] </m:t>
+                          </m:r>
+                        </m:e>
+                      </m:nary>
+                      <m:r>
+                        <a:rPr lang="en-US" sz="3900" b="0" i="1" smtClean="0">
+                          <a:latin typeface="Cambria Math" panose="02040503050406030204" pitchFamily="18" charset="0"/>
+                        </a:rPr>
+                        <m:t>−</m:t>
+                      </m:r>
+                      <m:sSub>
+                        <m:sSubPr>
+                          <m:ctrlPr>
+                            <a:rPr lang="en-US" sz="3900" i="1">
+                              <a:latin typeface="Cambria Math" panose="02040503050406030204" pitchFamily="18" charset="0"/>
+                            </a:rPr>
+                          </m:ctrlPr>
+                        </m:sSubPr>
+                        <m:e>
+                          <m:r>
+                            <a:rPr lang="en-US" sz="3900" i="1">
+                              <a:latin typeface="Cambria Math" panose="02040503050406030204" pitchFamily="18" charset="0"/>
+                            </a:rPr>
+                            <m:t>𝐸</m:t>
+                          </m:r>
+                        </m:e>
+                        <m:sub>
+                          <m:sSup>
+                            <m:sSupPr>
+                              <m:ctrlPr>
+                                <a:rPr lang="en-US" sz="3900" i="1">
+                                  <a:latin typeface="Cambria Math" panose="02040503050406030204" pitchFamily="18" charset="0"/>
+                                </a:rPr>
+                              </m:ctrlPr>
+                            </m:sSupPr>
+                            <m:e>
+                              <m:r>
+                                <a:rPr lang="en-US" sz="3900" i="1">
+                                  <a:latin typeface="Cambria Math" panose="02040503050406030204" pitchFamily="18" charset="0"/>
+                                  <a:ea typeface="Cambria Math" panose="02040503050406030204" pitchFamily="18" charset="0"/>
+                                </a:rPr>
+                                <m:t>𝜋</m:t>
+                              </m:r>
+                            </m:e>
+                            <m:sup>
+                              <m:r>
+                                <a:rPr lang="en-US" sz="3900" i="1">
+                                  <a:latin typeface="Cambria Math" panose="02040503050406030204" pitchFamily="18" charset="0"/>
+                                </a:rPr>
+                                <m:t>∗</m:t>
+                              </m:r>
+                            </m:sup>
+                          </m:sSup>
+                          <m:d>
+                            <m:dPr>
+                              <m:ctrlPr>
+                                <a:rPr lang="en-US" sz="3900" i="1">
+                                  <a:latin typeface="Cambria Math" panose="02040503050406030204" pitchFamily="18" charset="0"/>
+                                </a:rPr>
+                              </m:ctrlPr>
+                            </m:dPr>
+                            <m:e>
+                              <m:sSup>
+                                <m:sSupPr>
+                                  <m:ctrlPr>
+                                    <a:rPr lang="en-US" sz="3900" i="1">
+                                      <a:latin typeface="Cambria Math" panose="02040503050406030204" pitchFamily="18" charset="0"/>
+                                    </a:rPr>
+                                  </m:ctrlPr>
+                                </m:sSupPr>
+                                <m:e>
+                                  <m:r>
+                                    <a:rPr lang="en-US" sz="3900" i="1">
+                                      <a:latin typeface="Cambria Math" panose="02040503050406030204" pitchFamily="18" charset="0"/>
+                                    </a:rPr>
+                                    <m:t>𝑥</m:t>
+                                  </m:r>
+                                </m:e>
+                                <m:sup>
+                                  <m:r>
+                                    <a:rPr lang="en-US" sz="3900" i="1">
+                                      <a:latin typeface="Cambria Math" panose="02040503050406030204" pitchFamily="18" charset="0"/>
+                                    </a:rPr>
+                                    <m:t>′</m:t>
+                                  </m:r>
+                                </m:sup>
+                              </m:sSup>
+                            </m:e>
+                            <m:e>
+                              <m:r>
+                                <a:rPr lang="en-US" sz="3900" i="1" smtClean="0">
+                                  <a:latin typeface="Cambria Math" panose="02040503050406030204" pitchFamily="18" charset="0"/>
+                                  <a:ea typeface="Cambria Math" panose="02040503050406030204" pitchFamily="18" charset="0"/>
+                                </a:rPr>
+                                <m:t>∙</m:t>
+                              </m:r>
+                            </m:e>
+                          </m:d>
+                        </m:sub>
+                      </m:sSub>
+                      <m:r>
+                        <a:rPr lang="en-US" sz="3900" i="1">
+                          <a:latin typeface="Cambria Math" panose="02040503050406030204" pitchFamily="18" charset="0"/>
+                        </a:rPr>
+                        <m:t>[</m:t>
+                      </m:r>
+                      <m:f>
+                        <m:fPr>
+                          <m:ctrlPr>
+                            <a:rPr lang="en-US" sz="3900" i="1">
+                              <a:latin typeface="Cambria Math" panose="02040503050406030204" pitchFamily="18" charset="0"/>
+                            </a:rPr>
+                          </m:ctrlPr>
+                        </m:fPr>
+                        <m:num>
+                          <m:r>
+                            <a:rPr lang="en-US" sz="3900" i="1">
+                              <a:latin typeface="Cambria Math" panose="02040503050406030204" pitchFamily="18" charset="0"/>
+                            </a:rPr>
+                            <m:t>𝜕</m:t>
+                          </m:r>
+                          <m:r>
+                            <a:rPr lang="en-US" sz="3900" i="1">
+                              <a:latin typeface="Cambria Math" panose="02040503050406030204" pitchFamily="18" charset="0"/>
+                            </a:rPr>
+                            <m:t>h</m:t>
+                          </m:r>
+                          <m:d>
+                            <m:dPr>
+                              <m:ctrlPr>
+                                <a:rPr lang="en-US" sz="3900" i="1">
+                                  <a:latin typeface="Cambria Math" panose="02040503050406030204" pitchFamily="18" charset="0"/>
+                                </a:rPr>
+                              </m:ctrlPr>
+                            </m:dPr>
+                            <m:e>
+                              <m:sSup>
+                                <m:sSupPr>
+                                  <m:ctrlPr>
+                                    <a:rPr lang="en-US" sz="3900" i="1">
+                                      <a:latin typeface="Cambria Math" panose="02040503050406030204" pitchFamily="18" charset="0"/>
+                                    </a:rPr>
+                                  </m:ctrlPr>
+                                </m:sSupPr>
+                                <m:e>
+                                  <m:r>
+                                    <a:rPr lang="en-US" sz="3900" i="1">
+                                      <a:latin typeface="Cambria Math" panose="02040503050406030204" pitchFamily="18" charset="0"/>
+                                    </a:rPr>
+                                    <m:t>𝑥</m:t>
+                                  </m:r>
+                                </m:e>
+                                <m:sup>
+                                  <m:r>
+                                    <a:rPr lang="en-US" sz="3900" i="1">
+                                      <a:latin typeface="Cambria Math" panose="02040503050406030204" pitchFamily="18" charset="0"/>
+                                    </a:rPr>
+                                    <m:t>′</m:t>
+                                  </m:r>
+                                </m:sup>
+                              </m:sSup>
+                              <m:r>
+                                <a:rPr lang="en-US" sz="3900" i="1">
+                                  <a:latin typeface="Cambria Math" panose="02040503050406030204" pitchFamily="18" charset="0"/>
+                                </a:rPr>
+                                <m:t>;</m:t>
+                              </m:r>
+                              <m:r>
+                                <a:rPr lang="en-US" sz="3900" b="1" i="1">
+                                  <a:latin typeface="Cambria Math" panose="02040503050406030204" pitchFamily="18" charset="0"/>
+                                  <a:ea typeface="Cambria Math" panose="02040503050406030204" pitchFamily="18" charset="0"/>
+                                </a:rPr>
+                                <m:t>𝜽</m:t>
+                              </m:r>
+                            </m:e>
+                          </m:d>
+                        </m:num>
+                        <m:den>
+                          <m:r>
+                            <a:rPr lang="en-US" sz="3900" i="1">
+                              <a:latin typeface="Cambria Math" panose="02040503050406030204" pitchFamily="18" charset="0"/>
+                            </a:rPr>
+                            <m:t>𝜕</m:t>
+                          </m:r>
+                          <m:sSub>
+                            <m:sSubPr>
+                              <m:ctrlPr>
+                                <a:rPr lang="en-US" sz="3900" i="1">
+                                  <a:latin typeface="Cambria Math" panose="02040503050406030204" pitchFamily="18" charset="0"/>
+                                </a:rPr>
+                              </m:ctrlPr>
+                            </m:sSubPr>
+                            <m:e>
+                              <m:r>
+                                <a:rPr lang="en-US" sz="3900" i="1">
+                                  <a:latin typeface="Cambria Math" panose="02040503050406030204" pitchFamily="18" charset="0"/>
+                                  <a:ea typeface="Cambria Math" panose="02040503050406030204" pitchFamily="18" charset="0"/>
+                                </a:rPr>
+                                <m:t>𝜃</m:t>
+                              </m:r>
+                            </m:e>
+                            <m:sub>
+                              <m:r>
+                                <a:rPr lang="en-US" sz="3900" i="1">
+                                  <a:latin typeface="Cambria Math" panose="02040503050406030204" pitchFamily="18" charset="0"/>
+                                </a:rPr>
+                                <m:t>𝑖</m:t>
+                              </m:r>
+                            </m:sub>
+                          </m:sSub>
+                        </m:den>
+                      </m:f>
+                      <m:r>
+                        <a:rPr lang="en-US" sz="3900" i="1">
+                          <a:latin typeface="Cambria Math" panose="02040503050406030204" pitchFamily="18" charset="0"/>
+                        </a:rPr>
+                        <m:t>|</m:t>
+                      </m:r>
+                      <m:r>
+                        <a:rPr lang="en-US" sz="3900" b="0" i="1" smtClean="0">
+                          <a:latin typeface="Cambria Math" panose="02040503050406030204" pitchFamily="18" charset="0"/>
+                        </a:rPr>
+                        <m:t>𝑏</m:t>
+                      </m:r>
+                      <m:r>
+                        <a:rPr lang="en-US" sz="3900" b="0" i="1" smtClean="0">
+                          <a:latin typeface="Cambria Math" panose="02040503050406030204" pitchFamily="18" charset="0"/>
+                        </a:rPr>
+                        <m:t>(∙)]+</m:t>
+                      </m:r>
+                      <m:r>
+                        <a:rPr lang="en-US" sz="3900" i="1">
+                          <a:latin typeface="Cambria Math" panose="02040503050406030204" pitchFamily="18" charset="0"/>
+                          <a:ea typeface="Cambria Math" panose="02040503050406030204" pitchFamily="18" charset="0"/>
+                        </a:rPr>
+                        <m:t>𝜆</m:t>
+                      </m:r>
+                      <m:f>
+                        <m:fPr>
+                          <m:ctrlPr>
+                            <a:rPr lang="en-US" sz="3900" i="1">
+                              <a:latin typeface="Cambria Math" panose="02040503050406030204" pitchFamily="18" charset="0"/>
+                              <a:ea typeface="Cambria Math" panose="02040503050406030204" pitchFamily="18" charset="0"/>
+                            </a:rPr>
+                          </m:ctrlPr>
+                        </m:fPr>
+                        <m:num>
+                          <m:r>
+                            <a:rPr lang="en-US" sz="3900" i="1">
+                              <a:latin typeface="Cambria Math" panose="02040503050406030204" pitchFamily="18" charset="0"/>
+                              <a:ea typeface="Cambria Math" panose="02040503050406030204" pitchFamily="18" charset="0"/>
+                            </a:rPr>
+                            <m:t>𝜕</m:t>
+                          </m:r>
+                          <m:r>
+                            <a:rPr lang="en-US" sz="3900" i="1">
+                              <a:latin typeface="Cambria Math" panose="02040503050406030204" pitchFamily="18" charset="0"/>
+                              <a:ea typeface="Cambria Math" panose="02040503050406030204" pitchFamily="18" charset="0"/>
+                            </a:rPr>
+                            <m:t>𝑔</m:t>
+                          </m:r>
+                          <m:r>
+                            <a:rPr lang="en-US" sz="3900" i="1">
+                              <a:latin typeface="Cambria Math" panose="02040503050406030204" pitchFamily="18" charset="0"/>
+                              <a:ea typeface="Cambria Math" panose="02040503050406030204" pitchFamily="18" charset="0"/>
+                            </a:rPr>
+                            <m:t>(</m:t>
+                          </m:r>
+                          <m:r>
+                            <a:rPr lang="en-US" sz="3900" b="1" i="1">
+                              <a:latin typeface="Cambria Math" panose="02040503050406030204" pitchFamily="18" charset="0"/>
+                              <a:ea typeface="Cambria Math" panose="02040503050406030204" pitchFamily="18" charset="0"/>
+                            </a:rPr>
+                            <m:t>𝜽</m:t>
+                          </m:r>
+                          <m:r>
+                            <a:rPr lang="en-US" sz="3900" i="1">
+                              <a:latin typeface="Cambria Math" panose="02040503050406030204" pitchFamily="18" charset="0"/>
+                              <a:ea typeface="Cambria Math" panose="02040503050406030204" pitchFamily="18" charset="0"/>
+                            </a:rPr>
+                            <m:t>)</m:t>
+                          </m:r>
+                        </m:num>
+                        <m:den>
+                          <m:r>
+                            <a:rPr lang="en-US" sz="3900" i="1">
+                              <a:latin typeface="Cambria Math" panose="02040503050406030204" pitchFamily="18" charset="0"/>
+                              <a:ea typeface="Cambria Math" panose="02040503050406030204" pitchFamily="18" charset="0"/>
+                            </a:rPr>
+                            <m:t>𝜕</m:t>
+                          </m:r>
+                          <m:sSub>
+                            <m:sSubPr>
+                              <m:ctrlPr>
+                                <a:rPr lang="en-US" sz="3900" i="1">
+                                  <a:latin typeface="Cambria Math" panose="02040503050406030204" pitchFamily="18" charset="0"/>
+                                  <a:ea typeface="Cambria Math" panose="02040503050406030204" pitchFamily="18" charset="0"/>
+                                </a:rPr>
+                              </m:ctrlPr>
+                            </m:sSubPr>
+                            <m:e>
+                              <m:r>
+                                <a:rPr lang="en-US" sz="3900" i="1">
+                                  <a:latin typeface="Cambria Math" panose="02040503050406030204" pitchFamily="18" charset="0"/>
+                                  <a:ea typeface="Cambria Math" panose="02040503050406030204" pitchFamily="18" charset="0"/>
+                                </a:rPr>
+                                <m:t>𝜃</m:t>
+                              </m:r>
+                            </m:e>
+                            <m:sub>
+                              <m:r>
+                                <a:rPr lang="en-US" sz="3900" i="1">
+                                  <a:latin typeface="Cambria Math" panose="02040503050406030204" pitchFamily="18" charset="0"/>
+                                  <a:ea typeface="Cambria Math" panose="02040503050406030204" pitchFamily="18" charset="0"/>
+                                </a:rPr>
+                                <m:t>𝑖</m:t>
+                              </m:r>
+                            </m:sub>
+                          </m:sSub>
+                        </m:den>
+                      </m:f>
+                    </m:oMath>
+                  </m:oMathPara>
+                </a14:m>
+                <a:endParaRPr lang="en-US" sz="3900" dirty="0"/>
+              </a:p>
+              <a:p>
+                <a:pPr marL="0" indent="0">
+                  <a:buNone/>
+                </a:pPr>
+                <a:endParaRPr lang="en-US" dirty="0"/>
+              </a:p>
+            </p:txBody>
+          </p:sp>
+        </mc:Choice>
+        <mc:Fallback>
+          <p:sp>
+            <p:nvSpPr>
+              <p:cNvPr id="3" name="Content Placeholder 2">
+                <a:extLst>
+                  <a:ext uri="{FF2B5EF4-FFF2-40B4-BE49-F238E27FC236}">
+                    <a16:creationId xmlns:a16="http://schemas.microsoft.com/office/drawing/2014/main" id="{CBBAC521-9E8E-0CE0-84DA-DBEB70A5A320}"/>
+                  </a:ext>
+                </a:extLst>
+              </p:cNvPr>
+              <p:cNvSpPr>
+                <a:spLocks noGrp="1" noRot="1" noChangeAspect="1" noMove="1" noResize="1" noEditPoints="1" noAdjustHandles="1" noChangeArrowheads="1" noChangeShapeType="1" noTextEdit="1"/>
+              </p:cNvSpPr>
+              <p:nvPr>
+                <p:ph idx="1"/>
+              </p:nvPr>
+            </p:nvSpPr>
+            <p:spPr>
+              <a:xfrm>
+                <a:off x="0" y="0"/>
+                <a:ext cx="12192000" cy="6858000"/>
+              </a:xfrm>
+              <a:blipFill>
+                <a:blip r:embed="rId2"/>
+                <a:stretch>
+                  <a:fillRect l="-4266" t="-12407"/>
+                </a:stretch>
+              </a:blipFill>
+            </p:spPr>
+            <p:txBody>
+              <a:bodyPr/>
+              <a:lstStyle/>
+              <a:p>
+                <a:r>
+                  <a:rPr lang="en-US">
+                    <a:noFill/>
+                  </a:rPr>
+                  <a:t> </a:t>
+                </a:r>
+              </a:p>
+            </p:txBody>
+          </p:sp>
+        </mc:Fallback>
+      </mc:AlternateContent>
+    </p:spTree>
+    <p:extLst>
+      <p:ext uri="{BB962C8B-B14F-4D97-AF65-F5344CB8AC3E}">
+        <p14:creationId xmlns:p14="http://schemas.microsoft.com/office/powerpoint/2010/main" val="2913031049"/>
+      </p:ext>
+    </p:extLst>
+  </p:cSld>
+  <p:clrMapOvr>
+    <a:masterClrMapping/>
+  </p:clrMapOvr>
+</p:sld>
+</file>
+
+<file path=ppt/slides/slide13.xml><?xml version="1.0" encoding="utf-8"?>
 <p:sld xmlns:a="http://schemas.openxmlformats.org/drawingml/2006/main" xmlns:r="http://schemas.openxmlformats.org/officeDocument/2006/relationships" xmlns:p="http://schemas.openxmlformats.org/presentationml/2006/main">
   <p:cSld>
     <p:spTree>
@@ -5524,7 +7009,7 @@
 </p:sld>
 </file>
 
-<file path=ppt/slides/slide12.xml><?xml version="1.0" encoding="utf-8"?>
+<file path=ppt/slides/slide14.xml><?xml version="1.0" encoding="utf-8"?>
 <p:sld xmlns:a="http://schemas.openxmlformats.org/drawingml/2006/main" xmlns:r="http://schemas.openxmlformats.org/officeDocument/2006/relationships" xmlns:p="http://schemas.openxmlformats.org/presentationml/2006/main">
   <p:cSld>
     <p:spTree>
@@ -5965,7 +7450,7 @@
 </p:sld>
 </file>
 
-<file path=ppt/slides/slide13.xml><?xml version="1.0" encoding="utf-8"?>
+<file path=ppt/slides/slide15.xml><?xml version="1.0" encoding="utf-8"?>
 <p:sld xmlns:a="http://schemas.openxmlformats.org/drawingml/2006/main" xmlns:r="http://schemas.openxmlformats.org/officeDocument/2006/relationships" xmlns:p="http://schemas.openxmlformats.org/presentationml/2006/main">
   <p:cSld>
     <p:spTree>
@@ -6578,34 +8063,592 @@
                         </a:rPr>
                         <m:t>=</m:t>
                       </m:r>
-                      <m:f>
-                        <m:fPr>
+                      <m:nary>
+                        <m:naryPr>
+                          <m:chr m:val="∑"/>
+                          <m:supHide m:val="on"/>
+                          <m:ctrlPr>
+                            <a:rPr lang="en-US" sz="3200" i="1">
+                              <a:latin typeface="Cambria Math" panose="02040503050406030204" pitchFamily="18" charset="0"/>
+                              <a:ea typeface="Cambria Math" panose="02040503050406030204" pitchFamily="18" charset="0"/>
+                            </a:rPr>
+                          </m:ctrlPr>
+                        </m:naryPr>
+                        <m:sub>
+                          <m:sSup>
+                            <m:sSupPr>
+                              <m:ctrlPr>
+                                <a:rPr lang="en-US" sz="3200" i="1">
+                                  <a:latin typeface="Cambria Math" panose="02040503050406030204" pitchFamily="18" charset="0"/>
+                                  <a:ea typeface="Cambria Math" panose="02040503050406030204" pitchFamily="18" charset="0"/>
+                                </a:rPr>
+                              </m:ctrlPr>
+                            </m:sSupPr>
+                            <m:e>
+                              <m:r>
+                                <a:rPr lang="en-US" sz="3200" i="1">
+                                  <a:latin typeface="Cambria Math" panose="02040503050406030204" pitchFamily="18" charset="0"/>
+                                  <a:ea typeface="Cambria Math" panose="02040503050406030204" pitchFamily="18" charset="0"/>
+                                </a:rPr>
+                                <m:t>𝑥</m:t>
+                              </m:r>
+                            </m:e>
+                            <m:sup>
+                              <m:r>
+                                <a:rPr lang="en-US" sz="3200" i="1">
+                                  <a:latin typeface="Cambria Math" panose="02040503050406030204" pitchFamily="18" charset="0"/>
+                                  <a:ea typeface="Cambria Math" panose="02040503050406030204" pitchFamily="18" charset="0"/>
+                                </a:rPr>
+                                <m:t>′</m:t>
+                              </m:r>
+                            </m:sup>
+                          </m:sSup>
+                        </m:sub>
+                        <m:sup/>
+                        <m:e>
+                          <m:r>
+                            <a:rPr lang="en-US" sz="3200" i="1">
+                              <a:latin typeface="Cambria Math" panose="02040503050406030204" pitchFamily="18" charset="0"/>
+                              <a:ea typeface="Cambria Math" panose="02040503050406030204" pitchFamily="18" charset="0"/>
+                            </a:rPr>
+                            <m:t>𝑎</m:t>
+                          </m:r>
+                          <m:d>
+                            <m:dPr>
+                              <m:ctrlPr>
+                                <a:rPr lang="en-US" sz="3200" i="1">
+                                  <a:latin typeface="Cambria Math" panose="02040503050406030204" pitchFamily="18" charset="0"/>
+                                  <a:ea typeface="Cambria Math" panose="02040503050406030204" pitchFamily="18" charset="0"/>
+                                </a:rPr>
+                              </m:ctrlPr>
+                            </m:dPr>
+                            <m:e>
+                              <m:sSup>
+                                <m:sSupPr>
+                                  <m:ctrlPr>
+                                    <a:rPr lang="en-US" sz="3200" i="1">
+                                      <a:latin typeface="Cambria Math" panose="02040503050406030204" pitchFamily="18" charset="0"/>
+                                      <a:ea typeface="Cambria Math" panose="02040503050406030204" pitchFamily="18" charset="0"/>
+                                    </a:rPr>
+                                  </m:ctrlPr>
+                                </m:sSupPr>
+                                <m:e>
+                                  <m:r>
+                                    <a:rPr lang="en-US" sz="3200" i="1">
+                                      <a:latin typeface="Cambria Math" panose="02040503050406030204" pitchFamily="18" charset="0"/>
+                                      <a:ea typeface="Cambria Math" panose="02040503050406030204" pitchFamily="18" charset="0"/>
+                                    </a:rPr>
+                                    <m:t>𝑥</m:t>
+                                  </m:r>
+                                </m:e>
+                                <m:sup>
+                                  <m:r>
+                                    <a:rPr lang="en-US" sz="3200" i="1">
+                                      <a:latin typeface="Cambria Math" panose="02040503050406030204" pitchFamily="18" charset="0"/>
+                                      <a:ea typeface="Cambria Math" panose="02040503050406030204" pitchFamily="18" charset="0"/>
+                                    </a:rPr>
+                                    <m:t>′</m:t>
+                                  </m:r>
+                                </m:sup>
+                              </m:sSup>
+                            </m:e>
+                          </m:d>
+                          <m:r>
+                            <a:rPr lang="en-US" sz="3200" i="1">
+                              <a:latin typeface="Cambria Math" panose="02040503050406030204" pitchFamily="18" charset="0"/>
+                              <a:ea typeface="Cambria Math" panose="02040503050406030204" pitchFamily="18" charset="0"/>
+                            </a:rPr>
+                            <m:t>h</m:t>
+                          </m:r>
+                          <m:d>
+                            <m:dPr>
+                              <m:ctrlPr>
+                                <a:rPr lang="en-US" sz="3200" i="1">
+                                  <a:latin typeface="Cambria Math" panose="02040503050406030204" pitchFamily="18" charset="0"/>
+                                  <a:ea typeface="Cambria Math" panose="02040503050406030204" pitchFamily="18" charset="0"/>
+                                </a:rPr>
+                              </m:ctrlPr>
+                            </m:dPr>
+                            <m:e>
+                              <m:sSup>
+                                <m:sSupPr>
+                                  <m:ctrlPr>
+                                    <a:rPr lang="en-US" sz="3200" i="1">
+                                      <a:latin typeface="Cambria Math" panose="02040503050406030204" pitchFamily="18" charset="0"/>
+                                      <a:ea typeface="Cambria Math" panose="02040503050406030204" pitchFamily="18" charset="0"/>
+                                    </a:rPr>
+                                  </m:ctrlPr>
+                                </m:sSupPr>
+                                <m:e>
+                                  <m:r>
+                                    <a:rPr lang="en-US" sz="3200" i="1">
+                                      <a:latin typeface="Cambria Math" panose="02040503050406030204" pitchFamily="18" charset="0"/>
+                                      <a:ea typeface="Cambria Math" panose="02040503050406030204" pitchFamily="18" charset="0"/>
+                                    </a:rPr>
+                                    <m:t>𝑥</m:t>
+                                  </m:r>
+                                </m:e>
+                                <m:sup>
+                                  <m:r>
+                                    <a:rPr lang="en-US" sz="3200" i="1">
+                                      <a:latin typeface="Cambria Math" panose="02040503050406030204" pitchFamily="18" charset="0"/>
+                                      <a:ea typeface="Cambria Math" panose="02040503050406030204" pitchFamily="18" charset="0"/>
+                                    </a:rPr>
+                                    <m:t>′</m:t>
+                                  </m:r>
+                                </m:sup>
+                              </m:sSup>
+                              <m:r>
+                                <a:rPr lang="en-US" sz="3200" i="1">
+                                  <a:latin typeface="Cambria Math" panose="02040503050406030204" pitchFamily="18" charset="0"/>
+                                  <a:ea typeface="Cambria Math" panose="02040503050406030204" pitchFamily="18" charset="0"/>
+                                </a:rPr>
+                                <m:t>;</m:t>
+                              </m:r>
+                              <m:r>
+                                <a:rPr lang="en-US" sz="3200" b="1" i="1">
+                                  <a:latin typeface="Cambria Math" panose="02040503050406030204" pitchFamily="18" charset="0"/>
+                                  <a:ea typeface="Cambria Math" panose="02040503050406030204" pitchFamily="18" charset="0"/>
+                                </a:rPr>
+                                <m:t>𝜽</m:t>
+                              </m:r>
+                            </m:e>
+                          </m:d>
+                        </m:e>
+                      </m:nary>
+                      <m:r>
+                        <a:rPr lang="en-US" sz="3200" i="1">
+                          <a:latin typeface="Cambria Math" panose="02040503050406030204" pitchFamily="18" charset="0"/>
+                          <a:ea typeface="Cambria Math" panose="02040503050406030204" pitchFamily="18" charset="0"/>
+                        </a:rPr>
+                        <m:t>+</m:t>
+                      </m:r>
+                      <m:nary>
+                        <m:naryPr>
+                          <m:chr m:val="∑"/>
+                          <m:supHide m:val="on"/>
+                          <m:ctrlPr>
+                            <a:rPr lang="en-US" sz="3200" i="1">
+                              <a:latin typeface="Cambria Math" panose="02040503050406030204" pitchFamily="18" charset="0"/>
+                              <a:ea typeface="Cambria Math" panose="02040503050406030204" pitchFamily="18" charset="0"/>
+                            </a:rPr>
+                          </m:ctrlPr>
+                        </m:naryPr>
+                        <m:sub>
+                          <m:r>
+                            <a:rPr lang="en-US" sz="3200" i="1">
+                              <a:latin typeface="Cambria Math" panose="02040503050406030204" pitchFamily="18" charset="0"/>
+                              <a:ea typeface="Cambria Math" panose="02040503050406030204" pitchFamily="18" charset="0"/>
+                            </a:rPr>
+                            <m:t>𝑥</m:t>
+                          </m:r>
+                        </m:sub>
+                        <m:sup/>
+                        <m:e>
+                          <m:r>
+                            <a:rPr lang="en-US" sz="3200" i="1">
+                              <a:latin typeface="Cambria Math" panose="02040503050406030204" pitchFamily="18" charset="0"/>
+                              <a:ea typeface="Cambria Math" panose="02040503050406030204" pitchFamily="18" charset="0"/>
+                            </a:rPr>
+                            <m:t>𝑏</m:t>
+                          </m:r>
+                          <m:d>
+                            <m:dPr>
+                              <m:ctrlPr>
+                                <a:rPr lang="en-US" sz="3200" i="1">
+                                  <a:latin typeface="Cambria Math" panose="02040503050406030204" pitchFamily="18" charset="0"/>
+                                  <a:ea typeface="Cambria Math" panose="02040503050406030204" pitchFamily="18" charset="0"/>
+                                </a:rPr>
+                              </m:ctrlPr>
+                            </m:dPr>
+                            <m:e>
+                              <m:r>
+                                <a:rPr lang="en-US" sz="3200" i="1">
+                                  <a:latin typeface="Cambria Math" panose="02040503050406030204" pitchFamily="18" charset="0"/>
+                                  <a:ea typeface="Cambria Math" panose="02040503050406030204" pitchFamily="18" charset="0"/>
+                                </a:rPr>
+                                <m:t>𝑥</m:t>
+                              </m:r>
+                            </m:e>
+                          </m:d>
+                          <m:func>
+                            <m:funcPr>
+                              <m:ctrlPr>
+                                <a:rPr lang="en-US" sz="3200" i="1">
+                                  <a:latin typeface="Cambria Math" panose="02040503050406030204" pitchFamily="18" charset="0"/>
+                                  <a:ea typeface="Cambria Math" panose="02040503050406030204" pitchFamily="18" charset="0"/>
+                                </a:rPr>
+                              </m:ctrlPr>
+                            </m:funcPr>
+                            <m:fName>
+                              <m:r>
+                                <m:rPr>
+                                  <m:sty m:val="p"/>
+                                </m:rPr>
+                                <a:rPr lang="en-US" sz="3200">
+                                  <a:latin typeface="Cambria Math" panose="02040503050406030204" pitchFamily="18" charset="0"/>
+                                  <a:ea typeface="Cambria Math" panose="02040503050406030204" pitchFamily="18" charset="0"/>
+                                </a:rPr>
+                                <m:t>log</m:t>
+                              </m:r>
+                            </m:fName>
+                            <m:e>
+                              <m:d>
+                                <m:dPr>
+                                  <m:ctrlPr>
+                                    <a:rPr lang="en-US" sz="3200" i="1">
+                                      <a:latin typeface="Cambria Math" panose="02040503050406030204" pitchFamily="18" charset="0"/>
+                                      <a:ea typeface="Cambria Math" panose="02040503050406030204" pitchFamily="18" charset="0"/>
+                                    </a:rPr>
+                                  </m:ctrlPr>
+                                </m:dPr>
+                                <m:e>
+                                  <m:sSub>
+                                    <m:sSubPr>
+                                      <m:ctrlPr>
+                                        <a:rPr lang="en-US" sz="3200" i="1">
+                                          <a:latin typeface="Cambria Math" panose="02040503050406030204" pitchFamily="18" charset="0"/>
+                                          <a:ea typeface="Cambria Math" panose="02040503050406030204" pitchFamily="18" charset="0"/>
+                                        </a:rPr>
+                                      </m:ctrlPr>
+                                    </m:sSubPr>
+                                    <m:e>
+                                      <m:r>
+                                        <a:rPr lang="en-US" sz="3200" i="1">
+                                          <a:latin typeface="Cambria Math" panose="02040503050406030204" pitchFamily="18" charset="0"/>
+                                          <a:ea typeface="Cambria Math" panose="02040503050406030204" pitchFamily="18" charset="0"/>
+                                        </a:rPr>
+                                        <m:t>𝐸</m:t>
+                                      </m:r>
+                                    </m:e>
+                                    <m:sub>
+                                      <m:sSup>
+                                        <m:sSupPr>
+                                          <m:ctrlPr>
+                                            <a:rPr lang="en-US" sz="3200" i="1">
+                                              <a:latin typeface="Cambria Math" panose="02040503050406030204" pitchFamily="18" charset="0"/>
+                                              <a:ea typeface="Cambria Math" panose="02040503050406030204" pitchFamily="18" charset="0"/>
+                                            </a:rPr>
+                                          </m:ctrlPr>
+                                        </m:sSupPr>
+                                        <m:e>
+                                          <m:r>
+                                            <a:rPr lang="el-GR" sz="3200" i="1">
+                                              <a:latin typeface="Cambria Math" panose="02040503050406030204" pitchFamily="18" charset="0"/>
+                                              <a:ea typeface="Cambria Math" panose="02040503050406030204" pitchFamily="18" charset="0"/>
+                                            </a:rPr>
+                                            <m:t>𝜋</m:t>
+                                          </m:r>
+                                        </m:e>
+                                        <m:sup>
+                                          <m:r>
+                                            <a:rPr lang="en-US" sz="3200" i="1">
+                                              <a:latin typeface="Cambria Math" panose="02040503050406030204" pitchFamily="18" charset="0"/>
+                                              <a:ea typeface="Cambria Math" panose="02040503050406030204" pitchFamily="18" charset="0"/>
+                                            </a:rPr>
+                                            <m:t>0</m:t>
+                                          </m:r>
+                                        </m:sup>
+                                      </m:sSup>
+                                      <m:d>
+                                        <m:dPr>
+                                          <m:ctrlPr>
+                                            <a:rPr lang="en-US" sz="3200" i="1">
+                                              <a:latin typeface="Cambria Math" panose="02040503050406030204" pitchFamily="18" charset="0"/>
+                                              <a:ea typeface="Cambria Math" panose="02040503050406030204" pitchFamily="18" charset="0"/>
+                                            </a:rPr>
+                                          </m:ctrlPr>
+                                        </m:dPr>
+                                        <m:e>
+                                          <m:r>
+                                            <a:rPr lang="en-US" sz="3200" i="1">
+                                              <a:latin typeface="Cambria Math" panose="02040503050406030204" pitchFamily="18" charset="0"/>
+                                              <a:ea typeface="Cambria Math" panose="02040503050406030204" pitchFamily="18" charset="0"/>
+                                            </a:rPr>
+                                            <m:t>∙|</m:t>
+                                          </m:r>
+                                          <m:r>
+                                            <a:rPr lang="en-US" sz="3200" i="1">
+                                              <a:latin typeface="Cambria Math" panose="02040503050406030204" pitchFamily="18" charset="0"/>
+                                              <a:ea typeface="Cambria Math" panose="02040503050406030204" pitchFamily="18" charset="0"/>
+                                            </a:rPr>
+                                            <m:t>𝑥</m:t>
+                                          </m:r>
+                                        </m:e>
+                                      </m:d>
+                                    </m:sub>
+                                  </m:sSub>
+                                  <m:d>
+                                    <m:dPr>
+                                      <m:begChr m:val="["/>
+                                      <m:endChr m:val="]"/>
+                                      <m:ctrlPr>
+                                        <a:rPr lang="en-US" sz="3200" i="1">
+                                          <a:latin typeface="Cambria Math" panose="02040503050406030204" pitchFamily="18" charset="0"/>
+                                          <a:ea typeface="Cambria Math" panose="02040503050406030204" pitchFamily="18" charset="0"/>
+                                        </a:rPr>
+                                      </m:ctrlPr>
+                                    </m:dPr>
+                                    <m:e>
+                                      <m:func>
+                                        <m:funcPr>
+                                          <m:ctrlPr>
+                                            <a:rPr lang="en-US" sz="3200" i="1">
+                                              <a:latin typeface="Cambria Math" panose="02040503050406030204" pitchFamily="18" charset="0"/>
+                                              <a:ea typeface="Cambria Math" panose="02040503050406030204" pitchFamily="18" charset="0"/>
+                                            </a:rPr>
+                                          </m:ctrlPr>
+                                        </m:funcPr>
+                                        <m:fName>
+                                          <m:r>
+                                            <m:rPr>
+                                              <m:sty m:val="p"/>
+                                            </m:rPr>
+                                            <a:rPr lang="en-US" sz="3200">
+                                              <a:latin typeface="Cambria Math" panose="02040503050406030204" pitchFamily="18" charset="0"/>
+                                              <a:ea typeface="Cambria Math" panose="02040503050406030204" pitchFamily="18" charset="0"/>
+                                            </a:rPr>
+                                            <m:t>exp</m:t>
+                                          </m:r>
+                                        </m:fName>
+                                        <m:e>
+                                          <m:d>
+                                            <m:dPr>
+                                              <m:ctrlPr>
+                                                <a:rPr lang="en-US" sz="3200" i="1">
+                                                  <a:latin typeface="Cambria Math" panose="02040503050406030204" pitchFamily="18" charset="0"/>
+                                                  <a:ea typeface="Cambria Math" panose="02040503050406030204" pitchFamily="18" charset="0"/>
+                                                </a:rPr>
+                                              </m:ctrlPr>
+                                            </m:dPr>
+                                            <m:e>
+                                              <m:r>
+                                                <a:rPr lang="en-US" sz="3200" i="1">
+                                                  <a:latin typeface="Cambria Math" panose="02040503050406030204" pitchFamily="18" charset="0"/>
+                                                  <a:ea typeface="Cambria Math" panose="02040503050406030204" pitchFamily="18" charset="0"/>
+                                                </a:rPr>
+                                                <m:t>−</m:t>
+                                              </m:r>
+                                              <m:r>
+                                                <a:rPr lang="en-US" sz="3200" i="1">
+                                                  <a:latin typeface="Cambria Math" panose="02040503050406030204" pitchFamily="18" charset="0"/>
+                                                  <a:ea typeface="Cambria Math" panose="02040503050406030204" pitchFamily="18" charset="0"/>
+                                                </a:rPr>
+                                                <m:t>h</m:t>
+                                              </m:r>
+                                              <m:d>
+                                                <m:dPr>
+                                                  <m:ctrlPr>
+                                                    <a:rPr lang="en-US" sz="3200" i="1">
+                                                      <a:latin typeface="Cambria Math" panose="02040503050406030204" pitchFamily="18" charset="0"/>
+                                                      <a:ea typeface="Cambria Math" panose="02040503050406030204" pitchFamily="18" charset="0"/>
+                                                    </a:rPr>
+                                                  </m:ctrlPr>
+                                                </m:dPr>
+                                                <m:e>
+                                                  <m:r>
+                                                    <a:rPr lang="en-US" sz="3200" i="1">
+                                                      <a:latin typeface="Cambria Math" panose="02040503050406030204" pitchFamily="18" charset="0"/>
+                                                      <a:ea typeface="Cambria Math" panose="02040503050406030204" pitchFamily="18" charset="0"/>
+                                                    </a:rPr>
+                                                    <m:t>∙</m:t>
+                                                  </m:r>
+                                                  <m:r>
+                                                    <a:rPr lang="en-US" sz="3200" b="1" i="1">
+                                                      <a:latin typeface="Cambria Math" panose="02040503050406030204" pitchFamily="18" charset="0"/>
+                                                      <a:ea typeface="Cambria Math" panose="02040503050406030204" pitchFamily="18" charset="0"/>
+                                                    </a:rPr>
+                                                    <m:t>;</m:t>
+                                                  </m:r>
+                                                  <m:r>
+                                                    <a:rPr lang="en-US" sz="3200" b="1" i="1">
+                                                      <a:latin typeface="Cambria Math" panose="02040503050406030204" pitchFamily="18" charset="0"/>
+                                                      <a:ea typeface="Cambria Math" panose="02040503050406030204" pitchFamily="18" charset="0"/>
+                                                    </a:rPr>
+                                                    <m:t>𝜽</m:t>
+                                                  </m:r>
+                                                </m:e>
+                                              </m:d>
+                                            </m:e>
+                                          </m:d>
+                                        </m:e>
+                                      </m:func>
+                                    </m:e>
+                                  </m:d>
+                                </m:e>
+                              </m:d>
+                            </m:e>
+                          </m:func>
+                        </m:e>
+                      </m:nary>
+                      <m:r>
+                        <a:rPr lang="en-US" sz="3200" b="1" i="1" smtClean="0">
+                          <a:latin typeface="Cambria Math" panose="02040503050406030204" pitchFamily="18" charset="0"/>
+                          <a:ea typeface="Cambria Math" panose="02040503050406030204" pitchFamily="18" charset="0"/>
+                        </a:rPr>
+                        <m:t>+</m:t>
+                      </m:r>
+                      <m:r>
+                        <a:rPr lang="en-US" sz="3200" i="1" smtClean="0">
+                          <a:latin typeface="Cambria Math" panose="02040503050406030204" pitchFamily="18" charset="0"/>
+                          <a:ea typeface="Cambria Math" panose="02040503050406030204" pitchFamily="18" charset="0"/>
+                        </a:rPr>
+                        <m:t>𝜆</m:t>
+                      </m:r>
+                      <m:r>
+                        <a:rPr lang="en-US" sz="3200" b="0" i="1" smtClean="0">
+                          <a:latin typeface="Cambria Math" panose="02040503050406030204" pitchFamily="18" charset="0"/>
+                          <a:ea typeface="Cambria Math" panose="02040503050406030204" pitchFamily="18" charset="0"/>
+                        </a:rPr>
+                        <m:t>𝑔</m:t>
+                      </m:r>
+                      <m:d>
+                        <m:dPr>
                           <m:ctrlPr>
                             <a:rPr lang="en-US" sz="3200" b="0" i="1" smtClean="0">
                               <a:latin typeface="Cambria Math" panose="02040503050406030204" pitchFamily="18" charset="0"/>
                               <a:ea typeface="Cambria Math" panose="02040503050406030204" pitchFamily="18" charset="0"/>
                             </a:rPr>
                           </m:ctrlPr>
-                        </m:fPr>
-                        <m:num>
+                        </m:dPr>
+                        <m:e>
                           <m:r>
-                            <a:rPr lang="en-US" sz="3200" b="0" i="1" smtClean="0">
+                            <a:rPr lang="en-US" sz="3200" b="1" i="1" smtClean="0">
                               <a:latin typeface="Cambria Math" panose="02040503050406030204" pitchFamily="18" charset="0"/>
                               <a:ea typeface="Cambria Math" panose="02040503050406030204" pitchFamily="18" charset="0"/>
                             </a:rPr>
-                            <m:t>1</m:t>
+                            <m:t>𝜽</m:t>
                           </m:r>
-                        </m:num>
-                        <m:den>
-                          <m:r>
-                            <a:rPr lang="en-US" sz="3200" b="0" i="1" smtClean="0">
-                              <a:latin typeface="Cambria Math" panose="02040503050406030204" pitchFamily="18" charset="0"/>
-                              <a:ea typeface="Cambria Math" panose="02040503050406030204" pitchFamily="18" charset="0"/>
-                            </a:rPr>
-                            <m:t>𝑁</m:t>
-                          </m:r>
-                        </m:den>
-                      </m:f>
+                        </m:e>
+                      </m:d>
+                    </m:oMath>
+                  </m:oMathPara>
+                </a14:m>
+                <a:endParaRPr lang="en-US" sz="3200" b="1" dirty="0"/>
+              </a:p>
+            </p:txBody>
+          </p:sp>
+        </mc:Choice>
+        <mc:Fallback>
+          <p:sp>
+            <p:nvSpPr>
+              <p:cNvPr id="3" name="Content Placeholder 2">
+                <a:extLst>
+                  <a:ext uri="{FF2B5EF4-FFF2-40B4-BE49-F238E27FC236}">
+                    <a16:creationId xmlns:a16="http://schemas.microsoft.com/office/drawing/2014/main" id="{CBBAC521-9E8E-0CE0-84DA-DBEB70A5A320}"/>
+                  </a:ext>
+                </a:extLst>
+              </p:cNvPr>
+              <p:cNvSpPr>
+                <a:spLocks noGrp="1" noRot="1" noChangeAspect="1" noMove="1" noResize="1" noEditPoints="1" noAdjustHandles="1" noChangeArrowheads="1" noChangeShapeType="1" noTextEdit="1"/>
+              </p:cNvSpPr>
+              <p:nvPr>
+                <p:ph idx="1"/>
+              </p:nvPr>
+            </p:nvSpPr>
+            <p:spPr>
+              <a:xfrm>
+                <a:off x="0" y="0"/>
+                <a:ext cx="12192000" cy="6858000"/>
+              </a:xfrm>
+              <a:blipFill>
+                <a:blip r:embed="rId2"/>
+                <a:stretch>
+                  <a:fillRect l="-7076" t="-18333"/>
+                </a:stretch>
+              </a:blipFill>
+            </p:spPr>
+            <p:txBody>
+              <a:bodyPr/>
+              <a:lstStyle/>
+              <a:p>
+                <a:r>
+                  <a:rPr lang="en-US">
+                    <a:noFill/>
+                  </a:rPr>
+                  <a:t> </a:t>
+                </a:r>
+              </a:p>
+            </p:txBody>
+          </p:sp>
+        </mc:Fallback>
+      </mc:AlternateContent>
+    </p:spTree>
+    <p:extLst>
+      <p:ext uri="{BB962C8B-B14F-4D97-AF65-F5344CB8AC3E}">
+        <p14:creationId xmlns:p14="http://schemas.microsoft.com/office/powerpoint/2010/main" val="2630324199"/>
+      </p:ext>
+    </p:extLst>
+  </p:cSld>
+  <p:clrMapOvr>
+    <a:masterClrMapping/>
+  </p:clrMapOvr>
+</p:sld>
+</file>
+
+<file path=ppt/slides/slide3.xml><?xml version="1.0" encoding="utf-8"?>
+<p:sld xmlns:a="http://schemas.openxmlformats.org/drawingml/2006/main" xmlns:r="http://schemas.openxmlformats.org/officeDocument/2006/relationships" xmlns:p="http://schemas.openxmlformats.org/presentationml/2006/main">
+  <p:cSld>
+    <p:spTree>
+      <p:nvGrpSpPr>
+        <p:cNvPr id="1" name=""/>
+        <p:cNvGrpSpPr/>
+        <p:nvPr/>
+      </p:nvGrpSpPr>
+      <p:grpSpPr>
+        <a:xfrm>
+          <a:off x="0" y="0"/>
+          <a:ext cx="0" cy="0"/>
+          <a:chOff x="0" y="0"/>
+          <a:chExt cx="0" cy="0"/>
+        </a:xfrm>
+      </p:grpSpPr>
+      <mc:AlternateContent xmlns:mc="http://schemas.openxmlformats.org/markup-compatibility/2006">
+        <mc:Choice xmlns:a14="http://schemas.microsoft.com/office/drawing/2010/main" Requires="a14">
+          <p:sp>
+            <p:nvSpPr>
+              <p:cNvPr id="3" name="Content Placeholder 2">
+                <a:extLst>
+                  <a:ext uri="{FF2B5EF4-FFF2-40B4-BE49-F238E27FC236}">
+                    <a16:creationId xmlns:a16="http://schemas.microsoft.com/office/drawing/2014/main" id="{CBBAC521-9E8E-0CE0-84DA-DBEB70A5A320}"/>
+                  </a:ext>
+                </a:extLst>
+              </p:cNvPr>
+              <p:cNvSpPr>
+                <a:spLocks noGrp="1"/>
+              </p:cNvSpPr>
+              <p:nvPr>
+                <p:ph idx="1"/>
+              </p:nvPr>
+            </p:nvSpPr>
+            <p:spPr>
+              <a:xfrm>
+                <a:off x="0" y="0"/>
+                <a:ext cx="12192000" cy="6858000"/>
+              </a:xfrm>
+            </p:spPr>
+            <p:txBody>
+              <a:bodyPr/>
+              <a:lstStyle/>
+              <a:p>
+                <a:pPr marL="0" indent="0">
+                  <a:lnSpc>
+                    <a:spcPct val="100000"/>
+                  </a:lnSpc>
+                  <a:buNone/>
+                </a:pPr>
+                <a14:m>
+                  <m:oMathPara xmlns:m="http://schemas.openxmlformats.org/officeDocument/2006/math">
+                    <m:oMathParaPr>
+                      <m:jc m:val="centerGroup"/>
+                    </m:oMathParaPr>
+                    <m:oMath xmlns:m="http://schemas.openxmlformats.org/officeDocument/2006/math">
+                      <m:r>
+                        <a:rPr lang="en-US" sz="3200" b="0" i="1" smtClean="0">
+                          <a:latin typeface="Cambria Math" panose="02040503050406030204" pitchFamily="18" charset="0"/>
+                        </a:rPr>
+                        <m:t>𝐿</m:t>
+                      </m:r>
                       <m:d>
                         <m:dPr>
                           <m:begChr m:val="["/>
@@ -6613,10 +8656,50 @@
                           <m:ctrlPr>
                             <a:rPr lang="en-US" sz="3200" b="0" i="1" smtClean="0">
                               <a:latin typeface="Cambria Math" panose="02040503050406030204" pitchFamily="18" charset="0"/>
-                              <a:ea typeface="Cambria Math" panose="02040503050406030204" pitchFamily="18" charset="0"/>
                             </a:rPr>
                           </m:ctrlPr>
                         </m:dPr>
+                        <m:e>
+                          <m:r>
+                            <a:rPr lang="en-US" sz="3200" b="1" i="1" smtClean="0">
+                              <a:latin typeface="Cambria Math" panose="02040503050406030204" pitchFamily="18" charset="0"/>
+                              <a:ea typeface="Cambria Math" panose="02040503050406030204" pitchFamily="18" charset="0"/>
+                            </a:rPr>
+                            <m:t>𝜽</m:t>
+                          </m:r>
+                        </m:e>
+                      </m:d>
+                      <m:r>
+                        <a:rPr lang="en-US" sz="3200" b="0" i="1" smtClean="0">
+                          <a:latin typeface="Cambria Math" panose="02040503050406030204" pitchFamily="18" charset="0"/>
+                          <a:ea typeface="Cambria Math" panose="02040503050406030204" pitchFamily="18" charset="0"/>
+                        </a:rPr>
+                        <m:t>=</m:t>
+                      </m:r>
+                      <m:nary>
+                        <m:naryPr>
+                          <m:chr m:val="∑"/>
+                          <m:supHide m:val="on"/>
+                          <m:ctrlPr>
+                            <a:rPr lang="en-US" sz="3200" i="1">
+                              <a:latin typeface="Cambria Math" panose="02040503050406030204" pitchFamily="18" charset="0"/>
+                              <a:ea typeface="Cambria Math" panose="02040503050406030204" pitchFamily="18" charset="0"/>
+                            </a:rPr>
+                          </m:ctrlPr>
+                        </m:naryPr>
+                        <m:sub>
+                          <m:r>
+                            <m:rPr>
+                              <m:brk m:alnAt="7"/>
+                            </m:rPr>
+                            <a:rPr lang="en-US" sz="3200" i="1">
+                              <a:latin typeface="Cambria Math" panose="02040503050406030204" pitchFamily="18" charset="0"/>
+                              <a:ea typeface="Cambria Math" panose="02040503050406030204" pitchFamily="18" charset="0"/>
+                            </a:rPr>
+                            <m:t>𝑘</m:t>
+                          </m:r>
+                        </m:sub>
+                        <m:sup/>
                         <m:e>
                           <m:nary>
                             <m:naryPr>
@@ -6630,15 +8713,15 @@
                               </m:ctrlPr>
                             </m:naryPr>
                             <m:sub>
-                              <m:sSup>
-                                <m:sSupPr>
+                              <m:sSubSup>
+                                <m:sSubSupPr>
                                   <m:ctrlPr>
                                     <a:rPr lang="en-US" sz="3200" i="1">
                                       <a:latin typeface="Cambria Math" panose="02040503050406030204" pitchFamily="18" charset="0"/>
                                       <a:ea typeface="Cambria Math" panose="02040503050406030204" pitchFamily="18" charset="0"/>
                                     </a:rPr>
                                   </m:ctrlPr>
-                                </m:sSupPr>
+                                </m:sSubSupPr>
                                 <m:e>
                                   <m:r>
                                     <a:rPr lang="en-US" sz="3200" i="1">
@@ -6648,6 +8731,15 @@
                                     <m:t>𝑥</m:t>
                                   </m:r>
                                 </m:e>
+                                <m:sub>
+                                  <m:r>
+                                    <a:rPr lang="en-US" sz="3200" i="1">
+                                      <a:latin typeface="Cambria Math" panose="02040503050406030204" pitchFamily="18" charset="0"/>
+                                      <a:ea typeface="Cambria Math" panose="02040503050406030204" pitchFamily="18" charset="0"/>
+                                    </a:rPr>
+                                    <m:t>𝑘</m:t>
+                                  </m:r>
+                                </m:sub>
                                 <m:sup>
                                   <m:r>
                                     <a:rPr lang="en-US" sz="3200" i="1">
@@ -6657,7 +8749,7 @@
                                     <m:t>′</m:t>
                                   </m:r>
                                 </m:sup>
-                              </m:sSup>
+                              </m:sSubSup>
                             </m:sub>
                             <m:sup/>
                             <m:e>
@@ -6678,15 +8770,15 @@
                                   </m:ctrlPr>
                                 </m:dPr>
                                 <m:e>
-                                  <m:sSup>
-                                    <m:sSupPr>
+                                  <m:sSubSup>
+                                    <m:sSubSupPr>
                                       <m:ctrlPr>
                                         <a:rPr lang="en-US" sz="3200" i="1">
                                           <a:latin typeface="Cambria Math" panose="02040503050406030204" pitchFamily="18" charset="0"/>
                                           <a:ea typeface="Cambria Math" panose="02040503050406030204" pitchFamily="18" charset="0"/>
                                         </a:rPr>
                                       </m:ctrlPr>
-                                    </m:sSupPr>
+                                    </m:sSubSupPr>
                                     <m:e>
                                       <m:r>
                                         <a:rPr lang="en-US" sz="3200" i="1">
@@ -6696,6 +8788,15 @@
                                         <m:t>𝑥</m:t>
                                       </m:r>
                                     </m:e>
+                                    <m:sub>
+                                      <m:r>
+                                        <a:rPr lang="en-US" sz="3200" i="1">
+                                          <a:latin typeface="Cambria Math" panose="02040503050406030204" pitchFamily="18" charset="0"/>
+                                          <a:ea typeface="Cambria Math" panose="02040503050406030204" pitchFamily="18" charset="0"/>
+                                        </a:rPr>
+                                        <m:t>𝑘</m:t>
+                                      </m:r>
+                                    </m:sub>
                                     <m:sup>
                                       <m:r>
                                         <a:rPr lang="en-US" sz="3200" i="1">
@@ -6705,7 +8806,7 @@
                                         <m:t>′</m:t>
                                       </m:r>
                                     </m:sup>
-                                  </m:sSup>
+                                  </m:sSubSup>
                                 </m:e>
                               </m:d>
                               <m:r>
@@ -6725,15 +8826,15 @@
                                   </m:ctrlPr>
                                 </m:dPr>
                                 <m:e>
-                                  <m:sSup>
-                                    <m:sSupPr>
+                                  <m:sSubSup>
+                                    <m:sSubSupPr>
                                       <m:ctrlPr>
                                         <a:rPr lang="en-US" sz="3200" i="1">
                                           <a:latin typeface="Cambria Math" panose="02040503050406030204" pitchFamily="18" charset="0"/>
                                           <a:ea typeface="Cambria Math" panose="02040503050406030204" pitchFamily="18" charset="0"/>
                                         </a:rPr>
                                       </m:ctrlPr>
-                                    </m:sSupPr>
+                                    </m:sSubSupPr>
                                     <m:e>
                                       <m:r>
                                         <a:rPr lang="en-US" sz="3200" i="1">
@@ -6743,6 +8844,15 @@
                                         <m:t>𝑥</m:t>
                                       </m:r>
                                     </m:e>
+                                    <m:sub>
+                                      <m:r>
+                                        <a:rPr lang="en-US" sz="3200" i="1">
+                                          <a:latin typeface="Cambria Math" panose="02040503050406030204" pitchFamily="18" charset="0"/>
+                                          <a:ea typeface="Cambria Math" panose="02040503050406030204" pitchFamily="18" charset="0"/>
+                                        </a:rPr>
+                                        <m:t>𝑘</m:t>
+                                      </m:r>
+                                    </m:sub>
                                     <m:sup>
                                       <m:r>
                                         <a:rPr lang="en-US" sz="3200" i="1">
@@ -6752,7 +8862,7 @@
                                         <m:t>′</m:t>
                                       </m:r>
                                     </m:sup>
-                                  </m:sSup>
+                                  </m:sSubSup>
                                   <m:r>
                                     <a:rPr lang="en-US" sz="3200" i="1">
                                       <a:latin typeface="Cambria Math" panose="02040503050406030204" pitchFamily="18" charset="0"/>
@@ -6790,13 +8900,34 @@
                               </m:ctrlPr>
                             </m:naryPr>
                             <m:sub>
-                              <m:r>
-                                <a:rPr lang="en-US" sz="3200" i="1">
-                                  <a:latin typeface="Cambria Math" panose="02040503050406030204" pitchFamily="18" charset="0"/>
-                                  <a:ea typeface="Cambria Math" panose="02040503050406030204" pitchFamily="18" charset="0"/>
-                                </a:rPr>
-                                <m:t>𝑥</m:t>
-                              </m:r>
+                              <m:sSub>
+                                <m:sSubPr>
+                                  <m:ctrlPr>
+                                    <a:rPr lang="en-US" sz="3200" i="1">
+                                      <a:latin typeface="Cambria Math" panose="02040503050406030204" pitchFamily="18" charset="0"/>
+                                      <a:ea typeface="Cambria Math" panose="02040503050406030204" pitchFamily="18" charset="0"/>
+                                    </a:rPr>
+                                  </m:ctrlPr>
+                                </m:sSubPr>
+                                <m:e>
+                                  <m:r>
+                                    <a:rPr lang="en-US" sz="3200" i="1">
+                                      <a:latin typeface="Cambria Math" panose="02040503050406030204" pitchFamily="18" charset="0"/>
+                                      <a:ea typeface="Cambria Math" panose="02040503050406030204" pitchFamily="18" charset="0"/>
+                                    </a:rPr>
+                                    <m:t>𝑥</m:t>
+                                  </m:r>
+                                </m:e>
+                                <m:sub>
+                                  <m:r>
+                                    <a:rPr lang="en-US" sz="3200" i="1">
+                                      <a:latin typeface="Cambria Math" panose="02040503050406030204" pitchFamily="18" charset="0"/>
+                                      <a:ea typeface="Cambria Math" panose="02040503050406030204" pitchFamily="18" charset="0"/>
+                                    </a:rPr>
+                                    <m:t>𝑘</m:t>
+                                  </m:r>
+                                </m:sub>
+                              </m:sSub>
                             </m:sub>
                             <m:sup/>
                             <m:e>
@@ -6817,13 +8948,34 @@
                                   </m:ctrlPr>
                                 </m:dPr>
                                 <m:e>
-                                  <m:r>
-                                    <a:rPr lang="en-US" sz="3200" i="1">
-                                      <a:latin typeface="Cambria Math" panose="02040503050406030204" pitchFamily="18" charset="0"/>
-                                      <a:ea typeface="Cambria Math" panose="02040503050406030204" pitchFamily="18" charset="0"/>
-                                    </a:rPr>
-                                    <m:t>𝑥</m:t>
-                                  </m:r>
+                                  <m:sSub>
+                                    <m:sSubPr>
+                                      <m:ctrlPr>
+                                        <a:rPr lang="en-US" sz="3200" i="1">
+                                          <a:latin typeface="Cambria Math" panose="02040503050406030204" pitchFamily="18" charset="0"/>
+                                          <a:ea typeface="Cambria Math" panose="02040503050406030204" pitchFamily="18" charset="0"/>
+                                        </a:rPr>
+                                      </m:ctrlPr>
+                                    </m:sSubPr>
+                                    <m:e>
+                                      <m:r>
+                                        <a:rPr lang="en-US" sz="3200" i="1">
+                                          <a:latin typeface="Cambria Math" panose="02040503050406030204" pitchFamily="18" charset="0"/>
+                                          <a:ea typeface="Cambria Math" panose="02040503050406030204" pitchFamily="18" charset="0"/>
+                                        </a:rPr>
+                                        <m:t>𝑥</m:t>
+                                      </m:r>
+                                    </m:e>
+                                    <m:sub>
+                                      <m:r>
+                                        <a:rPr lang="en-US" sz="3200" i="1">
+                                          <a:latin typeface="Cambria Math" panose="02040503050406030204" pitchFamily="18" charset="0"/>
+                                          <a:ea typeface="Cambria Math" panose="02040503050406030204" pitchFamily="18" charset="0"/>
+                                        </a:rPr>
+                                        <m:t>𝑘</m:t>
+                                      </m:r>
+                                    </m:sub>
+                                  </m:sSub>
                                 </m:e>
                               </m:d>
                               <m:func>
@@ -6922,13 +9074,34 @@
                                                 </a:rPr>
                                                 <m:t>∙|</m:t>
                                               </m:r>
-                                              <m:r>
-                                                <a:rPr lang="en-US" sz="3200" i="1">
-                                                  <a:latin typeface="Cambria Math" panose="02040503050406030204" pitchFamily="18" charset="0"/>
-                                                  <a:ea typeface="Cambria Math" panose="02040503050406030204" pitchFamily="18" charset="0"/>
-                                                </a:rPr>
-                                                <m:t>𝑥</m:t>
-                                              </m:r>
+                                              <m:sSub>
+                                                <m:sSubPr>
+                                                  <m:ctrlPr>
+                                                    <a:rPr lang="en-US" sz="3200" i="1">
+                                                      <a:latin typeface="Cambria Math" panose="02040503050406030204" pitchFamily="18" charset="0"/>
+                                                      <a:ea typeface="Cambria Math" panose="02040503050406030204" pitchFamily="18" charset="0"/>
+                                                    </a:rPr>
+                                                  </m:ctrlPr>
+                                                </m:sSubPr>
+                                                <m:e>
+                                                  <m:r>
+                                                    <a:rPr lang="en-US" sz="3200" i="1">
+                                                      <a:latin typeface="Cambria Math" panose="02040503050406030204" pitchFamily="18" charset="0"/>
+                                                      <a:ea typeface="Cambria Math" panose="02040503050406030204" pitchFamily="18" charset="0"/>
+                                                    </a:rPr>
+                                                    <m:t>𝑥</m:t>
+                                                  </m:r>
+                                                </m:e>
+                                                <m:sub>
+                                                  <m:r>
+                                                    <a:rPr lang="en-US" sz="3200" i="1">
+                                                      <a:latin typeface="Cambria Math" panose="02040503050406030204" pitchFamily="18" charset="0"/>
+                                                      <a:ea typeface="Cambria Math" panose="02040503050406030204" pitchFamily="18" charset="0"/>
+                                                    </a:rPr>
+                                                    <m:t>𝑘</m:t>
+                                                  </m:r>
+                                                </m:sub>
+                                              </m:sSub>
                                             </m:e>
                                           </m:d>
                                         </m:sub>
@@ -7037,23 +9210,23 @@
                             </m:e>
                           </m:nary>
                         </m:e>
-                      </m:d>
+                      </m:nary>
                       <m:r>
-                        <a:rPr lang="en-US" sz="3200" b="1" i="1" smtClean="0">
+                        <a:rPr lang="en-US" sz="3200" i="1">
                           <a:latin typeface="Cambria Math" panose="02040503050406030204" pitchFamily="18" charset="0"/>
                           <a:ea typeface="Cambria Math" panose="02040503050406030204" pitchFamily="18" charset="0"/>
                         </a:rPr>
                         <m:t>+</m:t>
                       </m:r>
                       <m:r>
-                        <a:rPr lang="en-US" sz="3200" i="1" smtClean="0">
+                        <a:rPr lang="en-US" sz="3200" i="1">
                           <a:latin typeface="Cambria Math" panose="02040503050406030204" pitchFamily="18" charset="0"/>
                           <a:ea typeface="Cambria Math" panose="02040503050406030204" pitchFamily="18" charset="0"/>
                         </a:rPr>
                         <m:t>𝜆</m:t>
                       </m:r>
                       <m:r>
-                        <a:rPr lang="en-US" sz="3200" b="0" i="1" smtClean="0">
+                        <a:rPr lang="en-US" sz="3200" i="1">
                           <a:latin typeface="Cambria Math" panose="02040503050406030204" pitchFamily="18" charset="0"/>
                           <a:ea typeface="Cambria Math" panose="02040503050406030204" pitchFamily="18" charset="0"/>
                         </a:rPr>
@@ -7062,7 +9235,7 @@
                       <m:d>
                         <m:dPr>
                           <m:ctrlPr>
-                            <a:rPr lang="en-US" sz="3200" b="0" i="1" smtClean="0">
+                            <a:rPr lang="en-US" sz="3200" b="1" i="1">
                               <a:latin typeface="Cambria Math" panose="02040503050406030204" pitchFamily="18" charset="0"/>
                               <a:ea typeface="Cambria Math" panose="02040503050406030204" pitchFamily="18" charset="0"/>
                             </a:rPr>
@@ -7070,7 +9243,7 @@
                         </m:dPr>
                         <m:e>
                           <m:r>
-                            <a:rPr lang="en-US" sz="3200" b="1" i="1" smtClean="0">
+                            <a:rPr lang="en-US" sz="3200" b="1" i="1">
                               <a:latin typeface="Cambria Math" panose="02040503050406030204" pitchFamily="18" charset="0"/>
                               <a:ea typeface="Cambria Math" panose="02040503050406030204" pitchFamily="18" charset="0"/>
                             </a:rPr>
@@ -7111,842 +9284,7 @@
               <a:blipFill>
                 <a:blip r:embed="rId2"/>
                 <a:stretch>
-                  <a:fillRect t="-16667"/>
-                </a:stretch>
-              </a:blipFill>
-            </p:spPr>
-            <p:txBody>
-              <a:bodyPr/>
-              <a:lstStyle/>
-              <a:p>
-                <a:r>
-                  <a:rPr lang="en-US">
-                    <a:noFill/>
-                  </a:rPr>
-                  <a:t> </a:t>
-                </a:r>
-              </a:p>
-            </p:txBody>
-          </p:sp>
-        </mc:Fallback>
-      </mc:AlternateContent>
-    </p:spTree>
-    <p:extLst>
-      <p:ext uri="{BB962C8B-B14F-4D97-AF65-F5344CB8AC3E}">
-        <p14:creationId xmlns:p14="http://schemas.microsoft.com/office/powerpoint/2010/main" val="2630324199"/>
-      </p:ext>
-    </p:extLst>
-  </p:cSld>
-  <p:clrMapOvr>
-    <a:masterClrMapping/>
-  </p:clrMapOvr>
-</p:sld>
-</file>
-
-<file path=ppt/slides/slide3.xml><?xml version="1.0" encoding="utf-8"?>
-<p:sld xmlns:a="http://schemas.openxmlformats.org/drawingml/2006/main" xmlns:r="http://schemas.openxmlformats.org/officeDocument/2006/relationships" xmlns:p="http://schemas.openxmlformats.org/presentationml/2006/main">
-  <p:cSld>
-    <p:spTree>
-      <p:nvGrpSpPr>
-        <p:cNvPr id="1" name=""/>
-        <p:cNvGrpSpPr/>
-        <p:nvPr/>
-      </p:nvGrpSpPr>
-      <p:grpSpPr>
-        <a:xfrm>
-          <a:off x="0" y="0"/>
-          <a:ext cx="0" cy="0"/>
-          <a:chOff x="0" y="0"/>
-          <a:chExt cx="0" cy="0"/>
-        </a:xfrm>
-      </p:grpSpPr>
-      <mc:AlternateContent xmlns:mc="http://schemas.openxmlformats.org/markup-compatibility/2006">
-        <mc:Choice xmlns:a14="http://schemas.microsoft.com/office/drawing/2010/main" Requires="a14">
-          <p:sp>
-            <p:nvSpPr>
-              <p:cNvPr id="3" name="Content Placeholder 2">
-                <a:extLst>
-                  <a:ext uri="{FF2B5EF4-FFF2-40B4-BE49-F238E27FC236}">
-                    <a16:creationId xmlns:a16="http://schemas.microsoft.com/office/drawing/2014/main" id="{CBBAC521-9E8E-0CE0-84DA-DBEB70A5A320}"/>
-                  </a:ext>
-                </a:extLst>
-              </p:cNvPr>
-              <p:cNvSpPr>
-                <a:spLocks noGrp="1"/>
-              </p:cNvSpPr>
-              <p:nvPr>
-                <p:ph idx="1"/>
-              </p:nvPr>
-            </p:nvSpPr>
-            <p:spPr>
-              <a:xfrm>
-                <a:off x="0" y="0"/>
-                <a:ext cx="12192000" cy="6858000"/>
-              </a:xfrm>
-            </p:spPr>
-            <p:txBody>
-              <a:bodyPr/>
-              <a:lstStyle/>
-              <a:p>
-                <a:pPr marL="0" indent="0">
-                  <a:lnSpc>
-                    <a:spcPct val="100000"/>
-                  </a:lnSpc>
-                  <a:buNone/>
-                </a:pPr>
-                <a14:m>
-                  <m:oMathPara xmlns:m="http://schemas.openxmlformats.org/officeDocument/2006/math">
-                    <m:oMathParaPr>
-                      <m:jc m:val="centerGroup"/>
-                    </m:oMathParaPr>
-                    <m:oMath xmlns:m="http://schemas.openxmlformats.org/officeDocument/2006/math">
-                      <m:r>
-                        <a:rPr lang="en-US" sz="3200" b="0" i="1" smtClean="0">
-                          <a:latin typeface="Cambria Math" panose="02040503050406030204" pitchFamily="18" charset="0"/>
-                        </a:rPr>
-                        <m:t>𝐿</m:t>
-                      </m:r>
-                      <m:d>
-                        <m:dPr>
-                          <m:begChr m:val="["/>
-                          <m:endChr m:val="]"/>
-                          <m:ctrlPr>
-                            <a:rPr lang="en-US" sz="3200" b="0" i="1" smtClean="0">
-                              <a:latin typeface="Cambria Math" panose="02040503050406030204" pitchFamily="18" charset="0"/>
-                            </a:rPr>
-                          </m:ctrlPr>
-                        </m:dPr>
-                        <m:e>
-                          <m:r>
-                            <a:rPr lang="en-US" sz="3200" b="1" i="1" smtClean="0">
-                              <a:latin typeface="Cambria Math" panose="02040503050406030204" pitchFamily="18" charset="0"/>
-                              <a:ea typeface="Cambria Math" panose="02040503050406030204" pitchFamily="18" charset="0"/>
-                            </a:rPr>
-                            <m:t>𝜽</m:t>
-                          </m:r>
-                        </m:e>
-                      </m:d>
-                      <m:r>
-                        <a:rPr lang="en-US" sz="3200" b="0" i="1" smtClean="0">
-                          <a:latin typeface="Cambria Math" panose="02040503050406030204" pitchFamily="18" charset="0"/>
-                          <a:ea typeface="Cambria Math" panose="02040503050406030204" pitchFamily="18" charset="0"/>
-                        </a:rPr>
-                        <m:t>=</m:t>
-                      </m:r>
-                      <m:f>
-                        <m:fPr>
-                          <m:ctrlPr>
-                            <a:rPr lang="en-US" sz="3200" b="0" i="1" smtClean="0">
-                              <a:latin typeface="Cambria Math" panose="02040503050406030204" pitchFamily="18" charset="0"/>
-                              <a:ea typeface="Cambria Math" panose="02040503050406030204" pitchFamily="18" charset="0"/>
-                            </a:rPr>
-                          </m:ctrlPr>
-                        </m:fPr>
-                        <m:num>
-                          <m:r>
-                            <a:rPr lang="en-US" sz="3200" b="0" i="1" smtClean="0">
-                              <a:latin typeface="Cambria Math" panose="02040503050406030204" pitchFamily="18" charset="0"/>
-                              <a:ea typeface="Cambria Math" panose="02040503050406030204" pitchFamily="18" charset="0"/>
-                            </a:rPr>
-                            <m:t>1</m:t>
-                          </m:r>
-                        </m:num>
-                        <m:den>
-                          <m:r>
-                            <a:rPr lang="en-US" sz="3200" b="0" i="1" smtClean="0">
-                              <a:latin typeface="Cambria Math" panose="02040503050406030204" pitchFamily="18" charset="0"/>
-                              <a:ea typeface="Cambria Math" panose="02040503050406030204" pitchFamily="18" charset="0"/>
-                            </a:rPr>
-                            <m:t>𝐾</m:t>
-                          </m:r>
-                        </m:den>
-                      </m:f>
-                      <m:d>
-                        <m:dPr>
-                          <m:begChr m:val="["/>
-                          <m:endChr m:val="]"/>
-                          <m:ctrlPr>
-                            <a:rPr lang="en-US" sz="3200" b="0" i="1" smtClean="0">
-                              <a:latin typeface="Cambria Math" panose="02040503050406030204" pitchFamily="18" charset="0"/>
-                              <a:ea typeface="Cambria Math" panose="02040503050406030204" pitchFamily="18" charset="0"/>
-                            </a:rPr>
-                          </m:ctrlPr>
-                        </m:dPr>
-                        <m:e>
-                          <m:nary>
-                            <m:naryPr>
-                              <m:chr m:val="∑"/>
-                              <m:supHide m:val="on"/>
-                              <m:ctrlPr>
-                                <a:rPr lang="en-US" sz="3200" b="0" i="1" smtClean="0">
-                                  <a:latin typeface="Cambria Math" panose="02040503050406030204" pitchFamily="18" charset="0"/>
-                                  <a:ea typeface="Cambria Math" panose="02040503050406030204" pitchFamily="18" charset="0"/>
-                                </a:rPr>
-                              </m:ctrlPr>
-                            </m:naryPr>
-                            <m:sub>
-                              <m:r>
-                                <m:rPr>
-                                  <m:brk m:alnAt="7"/>
-                                </m:rPr>
-                                <a:rPr lang="en-US" sz="3200" b="0" i="1" smtClean="0">
-                                  <a:latin typeface="Cambria Math" panose="02040503050406030204" pitchFamily="18" charset="0"/>
-                                  <a:ea typeface="Cambria Math" panose="02040503050406030204" pitchFamily="18" charset="0"/>
-                                </a:rPr>
-                                <m:t>𝑘</m:t>
-                              </m:r>
-                            </m:sub>
-                            <m:sup/>
-                            <m:e>
-                              <m:f>
-                                <m:fPr>
-                                  <m:ctrlPr>
-                                    <a:rPr lang="en-US" sz="3200" i="1">
-                                      <a:latin typeface="Cambria Math" panose="02040503050406030204" pitchFamily="18" charset="0"/>
-                                      <a:ea typeface="Cambria Math" panose="02040503050406030204" pitchFamily="18" charset="0"/>
-                                    </a:rPr>
-                                  </m:ctrlPr>
-                                </m:fPr>
-                                <m:num>
-                                  <m:r>
-                                    <a:rPr lang="en-US" sz="3200" i="1">
-                                      <a:latin typeface="Cambria Math" panose="02040503050406030204" pitchFamily="18" charset="0"/>
-                                      <a:ea typeface="Cambria Math" panose="02040503050406030204" pitchFamily="18" charset="0"/>
-                                    </a:rPr>
-                                    <m:t>1</m:t>
-                                  </m:r>
-                                </m:num>
-                                <m:den>
-                                  <m:sSub>
-                                    <m:sSubPr>
-                                      <m:ctrlPr>
-                                        <a:rPr lang="en-US" sz="3200" i="1" smtClean="0">
-                                          <a:latin typeface="Cambria Math" panose="02040503050406030204" pitchFamily="18" charset="0"/>
-                                          <a:ea typeface="Cambria Math" panose="02040503050406030204" pitchFamily="18" charset="0"/>
-                                        </a:rPr>
-                                      </m:ctrlPr>
-                                    </m:sSubPr>
-                                    <m:e>
-                                      <m:r>
-                                        <a:rPr lang="en-US" sz="3200" b="0" i="1" smtClean="0">
-                                          <a:latin typeface="Cambria Math" panose="02040503050406030204" pitchFamily="18" charset="0"/>
-                                          <a:ea typeface="Cambria Math" panose="02040503050406030204" pitchFamily="18" charset="0"/>
-                                        </a:rPr>
-                                        <m:t>𝑁</m:t>
-                                      </m:r>
-                                    </m:e>
-                                    <m:sub>
-                                      <m:r>
-                                        <a:rPr lang="en-US" sz="3200" b="0" i="1" smtClean="0">
-                                          <a:latin typeface="Cambria Math" panose="02040503050406030204" pitchFamily="18" charset="0"/>
-                                          <a:ea typeface="Cambria Math" panose="02040503050406030204" pitchFamily="18" charset="0"/>
-                                        </a:rPr>
-                                        <m:t>𝑘</m:t>
-                                      </m:r>
-                                    </m:sub>
-                                  </m:sSub>
-                                </m:den>
-                              </m:f>
-                              <m:d>
-                                <m:dPr>
-                                  <m:begChr m:val="["/>
-                                  <m:endChr m:val="]"/>
-                                  <m:ctrlPr>
-                                    <a:rPr lang="en-US" sz="3200" i="1">
-                                      <a:latin typeface="Cambria Math" panose="02040503050406030204" pitchFamily="18" charset="0"/>
-                                      <a:ea typeface="Cambria Math" panose="02040503050406030204" pitchFamily="18" charset="0"/>
-                                    </a:rPr>
-                                  </m:ctrlPr>
-                                </m:dPr>
-                                <m:e>
-                                  <m:nary>
-                                    <m:naryPr>
-                                      <m:chr m:val="∑"/>
-                                      <m:supHide m:val="on"/>
-                                      <m:ctrlPr>
-                                        <a:rPr lang="en-US" sz="3200" i="1" smtClean="0">
-                                          <a:latin typeface="Cambria Math" panose="02040503050406030204" pitchFamily="18" charset="0"/>
-                                          <a:ea typeface="Cambria Math" panose="02040503050406030204" pitchFamily="18" charset="0"/>
-                                        </a:rPr>
-                                      </m:ctrlPr>
-                                    </m:naryPr>
-                                    <m:sub>
-                                      <m:sSubSup>
-                                        <m:sSubSupPr>
-                                          <m:ctrlPr>
-                                            <a:rPr lang="en-US" sz="3200" i="1" smtClean="0">
-                                              <a:latin typeface="Cambria Math" panose="02040503050406030204" pitchFamily="18" charset="0"/>
-                                              <a:ea typeface="Cambria Math" panose="02040503050406030204" pitchFamily="18" charset="0"/>
-                                            </a:rPr>
-                                          </m:ctrlPr>
-                                        </m:sSubSupPr>
-                                        <m:e>
-                                          <m:r>
-                                            <a:rPr lang="en-US" sz="3200" b="0" i="1" smtClean="0">
-                                              <a:latin typeface="Cambria Math" panose="02040503050406030204" pitchFamily="18" charset="0"/>
-                                              <a:ea typeface="Cambria Math" panose="02040503050406030204" pitchFamily="18" charset="0"/>
-                                            </a:rPr>
-                                            <m:t>𝑥</m:t>
-                                          </m:r>
-                                        </m:e>
-                                        <m:sub>
-                                          <m:r>
-                                            <a:rPr lang="en-US" sz="3200" b="0" i="1" smtClean="0">
-                                              <a:latin typeface="Cambria Math" panose="02040503050406030204" pitchFamily="18" charset="0"/>
-                                              <a:ea typeface="Cambria Math" panose="02040503050406030204" pitchFamily="18" charset="0"/>
-                                            </a:rPr>
-                                            <m:t>𝑘</m:t>
-                                          </m:r>
-                                        </m:sub>
-                                        <m:sup>
-                                          <m:r>
-                                            <a:rPr lang="en-US" sz="3200" b="0" i="1" smtClean="0">
-                                              <a:latin typeface="Cambria Math" panose="02040503050406030204" pitchFamily="18" charset="0"/>
-                                              <a:ea typeface="Cambria Math" panose="02040503050406030204" pitchFamily="18" charset="0"/>
-                                            </a:rPr>
-                                            <m:t>′</m:t>
-                                          </m:r>
-                                        </m:sup>
-                                      </m:sSubSup>
-                                    </m:sub>
-                                    <m:sup/>
-                                    <m:e>
-                                      <m:r>
-                                        <a:rPr lang="en-US" sz="3200" i="1">
-                                          <a:latin typeface="Cambria Math" panose="02040503050406030204" pitchFamily="18" charset="0"/>
-                                          <a:ea typeface="Cambria Math" panose="02040503050406030204" pitchFamily="18" charset="0"/>
-                                        </a:rPr>
-                                        <m:t>𝑎</m:t>
-                                      </m:r>
-                                      <m:d>
-                                        <m:dPr>
-                                          <m:ctrlPr>
-                                            <a:rPr lang="en-US" sz="3200" i="1">
-                                              <a:latin typeface="Cambria Math" panose="02040503050406030204" pitchFamily="18" charset="0"/>
-                                              <a:ea typeface="Cambria Math" panose="02040503050406030204" pitchFamily="18" charset="0"/>
-                                            </a:rPr>
-                                          </m:ctrlPr>
-                                        </m:dPr>
-                                        <m:e>
-                                          <m:sSubSup>
-                                            <m:sSubSupPr>
-                                              <m:ctrlPr>
-                                                <a:rPr lang="en-US" sz="3200" i="1" smtClean="0">
-                                                  <a:latin typeface="Cambria Math" panose="02040503050406030204" pitchFamily="18" charset="0"/>
-                                                  <a:ea typeface="Cambria Math" panose="02040503050406030204" pitchFamily="18" charset="0"/>
-                                                </a:rPr>
-                                              </m:ctrlPr>
-                                            </m:sSubSupPr>
-                                            <m:e>
-                                              <m:r>
-                                                <a:rPr lang="en-US" sz="3200" b="0" i="1" smtClean="0">
-                                                  <a:latin typeface="Cambria Math" panose="02040503050406030204" pitchFamily="18" charset="0"/>
-                                                  <a:ea typeface="Cambria Math" panose="02040503050406030204" pitchFamily="18" charset="0"/>
-                                                </a:rPr>
-                                                <m:t>𝑥</m:t>
-                                              </m:r>
-                                            </m:e>
-                                            <m:sub>
-                                              <m:r>
-                                                <a:rPr lang="en-US" sz="3200" b="0" i="1" smtClean="0">
-                                                  <a:latin typeface="Cambria Math" panose="02040503050406030204" pitchFamily="18" charset="0"/>
-                                                  <a:ea typeface="Cambria Math" panose="02040503050406030204" pitchFamily="18" charset="0"/>
-                                                </a:rPr>
-                                                <m:t>𝑘</m:t>
-                                              </m:r>
-                                            </m:sub>
-                                            <m:sup>
-                                              <m:r>
-                                                <a:rPr lang="en-US" sz="3200" b="0" i="1" smtClean="0">
-                                                  <a:latin typeface="Cambria Math" panose="02040503050406030204" pitchFamily="18" charset="0"/>
-                                                  <a:ea typeface="Cambria Math" panose="02040503050406030204" pitchFamily="18" charset="0"/>
-                                                </a:rPr>
-                                                <m:t>′</m:t>
-                                              </m:r>
-                                            </m:sup>
-                                          </m:sSubSup>
-                                        </m:e>
-                                      </m:d>
-                                      <m:r>
-                                        <a:rPr lang="en-US" sz="3200" i="1">
-                                          <a:latin typeface="Cambria Math" panose="02040503050406030204" pitchFamily="18" charset="0"/>
-                                          <a:ea typeface="Cambria Math" panose="02040503050406030204" pitchFamily="18" charset="0"/>
-                                        </a:rPr>
-                                        <m:t>h</m:t>
-                                      </m:r>
-                                      <m:d>
-                                        <m:dPr>
-                                          <m:ctrlPr>
-                                            <a:rPr lang="en-US" sz="3200" i="1">
-                                              <a:latin typeface="Cambria Math" panose="02040503050406030204" pitchFamily="18" charset="0"/>
-                                              <a:ea typeface="Cambria Math" panose="02040503050406030204" pitchFamily="18" charset="0"/>
-                                            </a:rPr>
-                                          </m:ctrlPr>
-                                        </m:dPr>
-                                        <m:e>
-                                          <m:sSubSup>
-                                            <m:sSubSupPr>
-                                              <m:ctrlPr>
-                                                <a:rPr lang="en-US" sz="3200" i="1" smtClean="0">
-                                                  <a:latin typeface="Cambria Math" panose="02040503050406030204" pitchFamily="18" charset="0"/>
-                                                  <a:ea typeface="Cambria Math" panose="02040503050406030204" pitchFamily="18" charset="0"/>
-                                                </a:rPr>
-                                              </m:ctrlPr>
-                                            </m:sSubSupPr>
-                                            <m:e>
-                                              <m:r>
-                                                <a:rPr lang="en-US" sz="3200" b="0" i="1" smtClean="0">
-                                                  <a:latin typeface="Cambria Math" panose="02040503050406030204" pitchFamily="18" charset="0"/>
-                                                  <a:ea typeface="Cambria Math" panose="02040503050406030204" pitchFamily="18" charset="0"/>
-                                                </a:rPr>
-                                                <m:t>𝑥</m:t>
-                                              </m:r>
-                                            </m:e>
-                                            <m:sub>
-                                              <m:r>
-                                                <a:rPr lang="en-US" sz="3200" b="0" i="1" smtClean="0">
-                                                  <a:latin typeface="Cambria Math" panose="02040503050406030204" pitchFamily="18" charset="0"/>
-                                                  <a:ea typeface="Cambria Math" panose="02040503050406030204" pitchFamily="18" charset="0"/>
-                                                </a:rPr>
-                                                <m:t>𝑘</m:t>
-                                              </m:r>
-                                            </m:sub>
-                                            <m:sup>
-                                              <m:r>
-                                                <a:rPr lang="en-US" sz="3200" b="0" i="1" smtClean="0">
-                                                  <a:latin typeface="Cambria Math" panose="02040503050406030204" pitchFamily="18" charset="0"/>
-                                                  <a:ea typeface="Cambria Math" panose="02040503050406030204" pitchFamily="18" charset="0"/>
-                                                </a:rPr>
-                                                <m:t>′</m:t>
-                                              </m:r>
-                                            </m:sup>
-                                          </m:sSubSup>
-                                          <m:r>
-                                            <a:rPr lang="en-US" sz="3200" i="1">
-                                              <a:latin typeface="Cambria Math" panose="02040503050406030204" pitchFamily="18" charset="0"/>
-                                              <a:ea typeface="Cambria Math" panose="02040503050406030204" pitchFamily="18" charset="0"/>
-                                            </a:rPr>
-                                            <m:t>;</m:t>
-                                          </m:r>
-                                          <m:r>
-                                            <a:rPr lang="en-US" sz="3200" b="1" i="1">
-                                              <a:latin typeface="Cambria Math" panose="02040503050406030204" pitchFamily="18" charset="0"/>
-                                              <a:ea typeface="Cambria Math" panose="02040503050406030204" pitchFamily="18" charset="0"/>
-                                            </a:rPr>
-                                            <m:t>𝜽</m:t>
-                                          </m:r>
-                                        </m:e>
-                                      </m:d>
-                                    </m:e>
-                                  </m:nary>
-                                  <m:r>
-                                    <a:rPr lang="en-US" sz="3200" i="1">
-                                      <a:latin typeface="Cambria Math" panose="02040503050406030204" pitchFamily="18" charset="0"/>
-                                      <a:ea typeface="Cambria Math" panose="02040503050406030204" pitchFamily="18" charset="0"/>
-                                    </a:rPr>
-                                    <m:t>+</m:t>
-                                  </m:r>
-                                  <m:nary>
-                                    <m:naryPr>
-                                      <m:chr m:val="∑"/>
-                                      <m:supHide m:val="on"/>
-                                      <m:ctrlPr>
-                                        <a:rPr lang="en-US" sz="3200" i="1" smtClean="0">
-                                          <a:latin typeface="Cambria Math" panose="02040503050406030204" pitchFamily="18" charset="0"/>
-                                          <a:ea typeface="Cambria Math" panose="02040503050406030204" pitchFamily="18" charset="0"/>
-                                        </a:rPr>
-                                      </m:ctrlPr>
-                                    </m:naryPr>
-                                    <m:sub>
-                                      <m:sSub>
-                                        <m:sSubPr>
-                                          <m:ctrlPr>
-                                            <a:rPr lang="en-US" sz="3200" i="1" smtClean="0">
-                                              <a:latin typeface="Cambria Math" panose="02040503050406030204" pitchFamily="18" charset="0"/>
-                                              <a:ea typeface="Cambria Math" panose="02040503050406030204" pitchFamily="18" charset="0"/>
-                                            </a:rPr>
-                                          </m:ctrlPr>
-                                        </m:sSubPr>
-                                        <m:e>
-                                          <m:r>
-                                            <a:rPr lang="en-US" sz="3200" b="0" i="1" smtClean="0">
-                                              <a:latin typeface="Cambria Math" panose="02040503050406030204" pitchFamily="18" charset="0"/>
-                                              <a:ea typeface="Cambria Math" panose="02040503050406030204" pitchFamily="18" charset="0"/>
-                                            </a:rPr>
-                                            <m:t>𝑥</m:t>
-                                          </m:r>
-                                        </m:e>
-                                        <m:sub>
-                                          <m:r>
-                                            <a:rPr lang="en-US" sz="3200" b="0" i="1" smtClean="0">
-                                              <a:latin typeface="Cambria Math" panose="02040503050406030204" pitchFamily="18" charset="0"/>
-                                              <a:ea typeface="Cambria Math" panose="02040503050406030204" pitchFamily="18" charset="0"/>
-                                            </a:rPr>
-                                            <m:t>𝑘</m:t>
-                                          </m:r>
-                                        </m:sub>
-                                      </m:sSub>
-                                    </m:sub>
-                                    <m:sup/>
-                                    <m:e>
-                                      <m:r>
-                                        <a:rPr lang="en-US" sz="3200" i="1">
-                                          <a:latin typeface="Cambria Math" panose="02040503050406030204" pitchFamily="18" charset="0"/>
-                                          <a:ea typeface="Cambria Math" panose="02040503050406030204" pitchFamily="18" charset="0"/>
-                                        </a:rPr>
-                                        <m:t>𝑏</m:t>
-                                      </m:r>
-                                      <m:d>
-                                        <m:dPr>
-                                          <m:ctrlPr>
-                                            <a:rPr lang="en-US" sz="3200" i="1">
-                                              <a:latin typeface="Cambria Math" panose="02040503050406030204" pitchFamily="18" charset="0"/>
-                                              <a:ea typeface="Cambria Math" panose="02040503050406030204" pitchFamily="18" charset="0"/>
-                                            </a:rPr>
-                                          </m:ctrlPr>
-                                        </m:dPr>
-                                        <m:e>
-                                          <m:sSub>
-                                            <m:sSubPr>
-                                              <m:ctrlPr>
-                                                <a:rPr lang="en-US" sz="3200" i="1" smtClean="0">
-                                                  <a:latin typeface="Cambria Math" panose="02040503050406030204" pitchFamily="18" charset="0"/>
-                                                  <a:ea typeface="Cambria Math" panose="02040503050406030204" pitchFamily="18" charset="0"/>
-                                                </a:rPr>
-                                              </m:ctrlPr>
-                                            </m:sSubPr>
-                                            <m:e>
-                                              <m:r>
-                                                <a:rPr lang="en-US" sz="3200" b="0" i="1" smtClean="0">
-                                                  <a:latin typeface="Cambria Math" panose="02040503050406030204" pitchFamily="18" charset="0"/>
-                                                  <a:ea typeface="Cambria Math" panose="02040503050406030204" pitchFamily="18" charset="0"/>
-                                                </a:rPr>
-                                                <m:t>𝑥</m:t>
-                                              </m:r>
-                                            </m:e>
-                                            <m:sub>
-                                              <m:r>
-                                                <a:rPr lang="en-US" sz="3200" b="0" i="1" smtClean="0">
-                                                  <a:latin typeface="Cambria Math" panose="02040503050406030204" pitchFamily="18" charset="0"/>
-                                                  <a:ea typeface="Cambria Math" panose="02040503050406030204" pitchFamily="18" charset="0"/>
-                                                </a:rPr>
-                                                <m:t>𝑘</m:t>
-                                              </m:r>
-                                            </m:sub>
-                                          </m:sSub>
-                                        </m:e>
-                                      </m:d>
-                                      <m:func>
-                                        <m:funcPr>
-                                          <m:ctrlPr>
-                                            <a:rPr lang="en-US" sz="3200" i="1">
-                                              <a:latin typeface="Cambria Math" panose="02040503050406030204" pitchFamily="18" charset="0"/>
-                                              <a:ea typeface="Cambria Math" panose="02040503050406030204" pitchFamily="18" charset="0"/>
-                                            </a:rPr>
-                                          </m:ctrlPr>
-                                        </m:funcPr>
-                                        <m:fName>
-                                          <m:r>
-                                            <m:rPr>
-                                              <m:sty m:val="p"/>
-                                            </m:rPr>
-                                            <a:rPr lang="en-US" sz="3200">
-                                              <a:latin typeface="Cambria Math" panose="02040503050406030204" pitchFamily="18" charset="0"/>
-                                              <a:ea typeface="Cambria Math" panose="02040503050406030204" pitchFamily="18" charset="0"/>
-                                            </a:rPr>
-                                            <m:t>log</m:t>
-                                          </m:r>
-                                        </m:fName>
-                                        <m:e>
-                                          <m:d>
-                                            <m:dPr>
-                                              <m:ctrlPr>
-                                                <a:rPr lang="en-US" sz="3200" i="1">
-                                                  <a:latin typeface="Cambria Math" panose="02040503050406030204" pitchFamily="18" charset="0"/>
-                                                  <a:ea typeface="Cambria Math" panose="02040503050406030204" pitchFamily="18" charset="0"/>
-                                                </a:rPr>
-                                              </m:ctrlPr>
-                                            </m:dPr>
-                                            <m:e>
-                                              <m:sSub>
-                                                <m:sSubPr>
-                                                  <m:ctrlPr>
-                                                    <a:rPr lang="en-US" sz="3200" i="1">
-                                                      <a:latin typeface="Cambria Math" panose="02040503050406030204" pitchFamily="18" charset="0"/>
-                                                      <a:ea typeface="Cambria Math" panose="02040503050406030204" pitchFamily="18" charset="0"/>
-                                                    </a:rPr>
-                                                  </m:ctrlPr>
-                                                </m:sSubPr>
-                                                <m:e>
-                                                  <m:r>
-                                                    <a:rPr lang="en-US" sz="3200" i="1">
-                                                      <a:latin typeface="Cambria Math" panose="02040503050406030204" pitchFamily="18" charset="0"/>
-                                                      <a:ea typeface="Cambria Math" panose="02040503050406030204" pitchFamily="18" charset="0"/>
-                                                    </a:rPr>
-                                                    <m:t>𝐸</m:t>
-                                                  </m:r>
-                                                </m:e>
-                                                <m:sub>
-                                                  <m:sSup>
-                                                    <m:sSupPr>
-                                                      <m:ctrlPr>
-                                                        <a:rPr lang="en-US" sz="3200" i="1">
-                                                          <a:latin typeface="Cambria Math" panose="02040503050406030204" pitchFamily="18" charset="0"/>
-                                                          <a:ea typeface="Cambria Math" panose="02040503050406030204" pitchFamily="18" charset="0"/>
-                                                        </a:rPr>
-                                                      </m:ctrlPr>
-                                                    </m:sSupPr>
-                                                    <m:e>
-                                                      <m:r>
-                                                        <a:rPr lang="el-GR" sz="3200" i="1">
-                                                          <a:latin typeface="Cambria Math" panose="02040503050406030204" pitchFamily="18" charset="0"/>
-                                                          <a:ea typeface="Cambria Math" panose="02040503050406030204" pitchFamily="18" charset="0"/>
-                                                        </a:rPr>
-                                                        <m:t>𝜋</m:t>
-                                                      </m:r>
-                                                    </m:e>
-                                                    <m:sup>
-                                                      <m:r>
-                                                        <a:rPr lang="en-US" sz="3200" i="1">
-                                                          <a:latin typeface="Cambria Math" panose="02040503050406030204" pitchFamily="18" charset="0"/>
-                                                          <a:ea typeface="Cambria Math" panose="02040503050406030204" pitchFamily="18" charset="0"/>
-                                                        </a:rPr>
-                                                        <m:t>0</m:t>
-                                                      </m:r>
-                                                    </m:sup>
-                                                  </m:sSup>
-                                                  <m:d>
-                                                    <m:dPr>
-                                                      <m:ctrlPr>
-                                                        <a:rPr lang="en-US" sz="3200" i="1">
-                                                          <a:latin typeface="Cambria Math" panose="02040503050406030204" pitchFamily="18" charset="0"/>
-                                                          <a:ea typeface="Cambria Math" panose="02040503050406030204" pitchFamily="18" charset="0"/>
-                                                        </a:rPr>
-                                                      </m:ctrlPr>
-                                                    </m:dPr>
-                                                    <m:e>
-                                                      <m:r>
-                                                        <a:rPr lang="en-US" sz="3200" i="1">
-                                                          <a:latin typeface="Cambria Math" panose="02040503050406030204" pitchFamily="18" charset="0"/>
-                                                          <a:ea typeface="Cambria Math" panose="02040503050406030204" pitchFamily="18" charset="0"/>
-                                                        </a:rPr>
-                                                        <m:t>∙|</m:t>
-                                                      </m:r>
-                                                      <m:sSub>
-                                                        <m:sSubPr>
-                                                          <m:ctrlPr>
-                                                            <a:rPr lang="en-US" sz="3200" i="1" smtClean="0">
-                                                              <a:latin typeface="Cambria Math" panose="02040503050406030204" pitchFamily="18" charset="0"/>
-                                                              <a:ea typeface="Cambria Math" panose="02040503050406030204" pitchFamily="18" charset="0"/>
-                                                            </a:rPr>
-                                                          </m:ctrlPr>
-                                                        </m:sSubPr>
-                                                        <m:e>
-                                                          <m:r>
-                                                            <a:rPr lang="en-US" sz="3200" b="0" i="1" smtClean="0">
-                                                              <a:latin typeface="Cambria Math" panose="02040503050406030204" pitchFamily="18" charset="0"/>
-                                                              <a:ea typeface="Cambria Math" panose="02040503050406030204" pitchFamily="18" charset="0"/>
-                                                            </a:rPr>
-                                                            <m:t>𝑥</m:t>
-                                                          </m:r>
-                                                        </m:e>
-                                                        <m:sub>
-                                                          <m:r>
-                                                            <a:rPr lang="en-US" sz="3200" b="0" i="1" smtClean="0">
-                                                              <a:latin typeface="Cambria Math" panose="02040503050406030204" pitchFamily="18" charset="0"/>
-                                                              <a:ea typeface="Cambria Math" panose="02040503050406030204" pitchFamily="18" charset="0"/>
-                                                            </a:rPr>
-                                                            <m:t>𝑘</m:t>
-                                                          </m:r>
-                                                        </m:sub>
-                                                      </m:sSub>
-                                                    </m:e>
-                                                  </m:d>
-                                                </m:sub>
-                                              </m:sSub>
-                                              <m:d>
-                                                <m:dPr>
-                                                  <m:begChr m:val="["/>
-                                                  <m:endChr m:val="]"/>
-                                                  <m:ctrlPr>
-                                                    <a:rPr lang="en-US" sz="3200" i="1">
-                                                      <a:latin typeface="Cambria Math" panose="02040503050406030204" pitchFamily="18" charset="0"/>
-                                                      <a:ea typeface="Cambria Math" panose="02040503050406030204" pitchFamily="18" charset="0"/>
-                                                    </a:rPr>
-                                                  </m:ctrlPr>
-                                                </m:dPr>
-                                                <m:e>
-                                                  <m:func>
-                                                    <m:funcPr>
-                                                      <m:ctrlPr>
-                                                        <a:rPr lang="en-US" sz="3200" i="1">
-                                                          <a:latin typeface="Cambria Math" panose="02040503050406030204" pitchFamily="18" charset="0"/>
-                                                          <a:ea typeface="Cambria Math" panose="02040503050406030204" pitchFamily="18" charset="0"/>
-                                                        </a:rPr>
-                                                      </m:ctrlPr>
-                                                    </m:funcPr>
-                                                    <m:fName>
-                                                      <m:r>
-                                                        <m:rPr>
-                                                          <m:sty m:val="p"/>
-                                                        </m:rPr>
-                                                        <a:rPr lang="en-US" sz="3200">
-                                                          <a:latin typeface="Cambria Math" panose="02040503050406030204" pitchFamily="18" charset="0"/>
-                                                          <a:ea typeface="Cambria Math" panose="02040503050406030204" pitchFamily="18" charset="0"/>
-                                                        </a:rPr>
-                                                        <m:t>exp</m:t>
-                                                      </m:r>
-                                                    </m:fName>
-                                                    <m:e>
-                                                      <m:d>
-                                                        <m:dPr>
-                                                          <m:ctrlPr>
-                                                            <a:rPr lang="en-US" sz="3200" i="1">
-                                                              <a:latin typeface="Cambria Math" panose="02040503050406030204" pitchFamily="18" charset="0"/>
-                                                              <a:ea typeface="Cambria Math" panose="02040503050406030204" pitchFamily="18" charset="0"/>
-                                                            </a:rPr>
-                                                          </m:ctrlPr>
-                                                        </m:dPr>
-                                                        <m:e>
-                                                          <m:r>
-                                                            <a:rPr lang="en-US" sz="3200" i="1">
-                                                              <a:latin typeface="Cambria Math" panose="02040503050406030204" pitchFamily="18" charset="0"/>
-                                                              <a:ea typeface="Cambria Math" panose="02040503050406030204" pitchFamily="18" charset="0"/>
-                                                            </a:rPr>
-                                                            <m:t>−</m:t>
-                                                          </m:r>
-                                                          <m:r>
-                                                            <a:rPr lang="en-US" sz="3200" i="1">
-                                                              <a:latin typeface="Cambria Math" panose="02040503050406030204" pitchFamily="18" charset="0"/>
-                                                              <a:ea typeface="Cambria Math" panose="02040503050406030204" pitchFamily="18" charset="0"/>
-                                                            </a:rPr>
-                                                            <m:t>h</m:t>
-                                                          </m:r>
-                                                          <m:d>
-                                                            <m:dPr>
-                                                              <m:ctrlPr>
-                                                                <a:rPr lang="en-US" sz="3200" i="1">
-                                                                  <a:latin typeface="Cambria Math" panose="02040503050406030204" pitchFamily="18" charset="0"/>
-                                                                  <a:ea typeface="Cambria Math" panose="02040503050406030204" pitchFamily="18" charset="0"/>
-                                                                </a:rPr>
-                                                              </m:ctrlPr>
-                                                            </m:dPr>
-                                                            <m:e>
-                                                              <m:r>
-                                                                <a:rPr lang="en-US" sz="3200" i="1">
-                                                                  <a:latin typeface="Cambria Math" panose="02040503050406030204" pitchFamily="18" charset="0"/>
-                                                                  <a:ea typeface="Cambria Math" panose="02040503050406030204" pitchFamily="18" charset="0"/>
-                                                                </a:rPr>
-                                                                <m:t>∙</m:t>
-                                                              </m:r>
-                                                              <m:r>
-                                                                <a:rPr lang="en-US" sz="3200" b="1" i="1">
-                                                                  <a:latin typeface="Cambria Math" panose="02040503050406030204" pitchFamily="18" charset="0"/>
-                                                                  <a:ea typeface="Cambria Math" panose="02040503050406030204" pitchFamily="18" charset="0"/>
-                                                                </a:rPr>
-                                                                <m:t>;</m:t>
-                                                              </m:r>
-                                                              <m:r>
-                                                                <a:rPr lang="en-US" sz="3200" b="1" i="1">
-                                                                  <a:latin typeface="Cambria Math" panose="02040503050406030204" pitchFamily="18" charset="0"/>
-                                                                  <a:ea typeface="Cambria Math" panose="02040503050406030204" pitchFamily="18" charset="0"/>
-                                                                </a:rPr>
-                                                                <m:t>𝜽</m:t>
-                                                              </m:r>
-                                                            </m:e>
-                                                          </m:d>
-                                                        </m:e>
-                                                      </m:d>
-                                                    </m:e>
-                                                  </m:func>
-                                                </m:e>
-                                              </m:d>
-                                            </m:e>
-                                          </m:d>
-                                        </m:e>
-                                      </m:func>
-                                    </m:e>
-                                  </m:nary>
-                                </m:e>
-                              </m:d>
-                            </m:e>
-                          </m:nary>
-                          <m:r>
-                            <a:rPr lang="en-US" sz="3200" b="0" i="1" smtClean="0">
-                              <a:latin typeface="Cambria Math" panose="02040503050406030204" pitchFamily="18" charset="0"/>
-                              <a:ea typeface="Cambria Math" panose="02040503050406030204" pitchFamily="18" charset="0"/>
-                            </a:rPr>
-                            <m:t>+</m:t>
-                          </m:r>
-                          <m:r>
-                            <a:rPr lang="en-US" sz="3200" b="0" i="1" smtClean="0">
-                              <a:latin typeface="Cambria Math" panose="02040503050406030204" pitchFamily="18" charset="0"/>
-                              <a:ea typeface="Cambria Math" panose="02040503050406030204" pitchFamily="18" charset="0"/>
-                            </a:rPr>
-                            <m:t>𝜆</m:t>
-                          </m:r>
-                          <m:r>
-                            <a:rPr lang="en-US" sz="3200" b="0" i="1" smtClean="0">
-                              <a:latin typeface="Cambria Math" panose="02040503050406030204" pitchFamily="18" charset="0"/>
-                              <a:ea typeface="Cambria Math" panose="02040503050406030204" pitchFamily="18" charset="0"/>
-                            </a:rPr>
-                            <m:t>𝑔</m:t>
-                          </m:r>
-                          <m:d>
-                            <m:dPr>
-                              <m:ctrlPr>
-                                <a:rPr lang="en-US" sz="3200" b="1" i="1" smtClean="0">
-                                  <a:latin typeface="Cambria Math" panose="02040503050406030204" pitchFamily="18" charset="0"/>
-                                  <a:ea typeface="Cambria Math" panose="02040503050406030204" pitchFamily="18" charset="0"/>
-                                </a:rPr>
-                              </m:ctrlPr>
-                            </m:dPr>
-                            <m:e>
-                              <m:r>
-                                <a:rPr lang="en-US" sz="3200" b="1" i="1" smtClean="0">
-                                  <a:latin typeface="Cambria Math" panose="02040503050406030204" pitchFamily="18" charset="0"/>
-                                  <a:ea typeface="Cambria Math" panose="02040503050406030204" pitchFamily="18" charset="0"/>
-                                </a:rPr>
-                                <m:t>𝜽</m:t>
-                              </m:r>
-                            </m:e>
-                          </m:d>
-                        </m:e>
-                      </m:d>
-                    </m:oMath>
-                  </m:oMathPara>
-                </a14:m>
-                <a:endParaRPr lang="en-US" sz="3200" b="1" dirty="0"/>
-              </a:p>
-            </p:txBody>
-          </p:sp>
-        </mc:Choice>
-        <mc:Fallback>
-          <p:sp>
-            <p:nvSpPr>
-              <p:cNvPr id="3" name="Content Placeholder 2">
-                <a:extLst>
-                  <a:ext uri="{FF2B5EF4-FFF2-40B4-BE49-F238E27FC236}">
-                    <a16:creationId xmlns:a16="http://schemas.microsoft.com/office/drawing/2014/main" id="{CBBAC521-9E8E-0CE0-84DA-DBEB70A5A320}"/>
-                  </a:ext>
-                </a:extLst>
-              </p:cNvPr>
-              <p:cNvSpPr>
-                <a:spLocks noGrp="1" noRot="1" noChangeAspect="1" noMove="1" noResize="1" noEditPoints="1" noAdjustHandles="1" noChangeArrowheads="1" noChangeShapeType="1" noTextEdit="1"/>
-              </p:cNvSpPr>
-              <p:nvPr>
-                <p:ph idx="1"/>
-              </p:nvPr>
-            </p:nvSpPr>
-            <p:spPr>
-              <a:xfrm>
-                <a:off x="0" y="0"/>
-                <a:ext cx="12192000" cy="6858000"/>
-              </a:xfrm>
-              <a:blipFill>
-                <a:blip r:embed="rId2"/>
-                <a:stretch>
-                  <a:fillRect t="-35185" r="-4995" b="-7407"/>
+                  <a:fillRect l="-5099" t="-18333"/>
                 </a:stretch>
               </a:blipFill>
             </p:spPr>
